--- a/Præsentation til per.pptx
+++ b/Præsentation til per.pptx
@@ -7,7 +7,8 @@
   <p:sldIdLst>
     <p:sldId id="256" r:id="rId2"/>
     <p:sldId id="257" r:id="rId3"/>
-    <p:sldId id="258" r:id="rId4"/>
+    <p:sldId id="259" r:id="rId4"/>
+    <p:sldId id="258" r:id="rId5"/>
   </p:sldIdLst>
   <p:sldSz cx="12192000" cy="6858000"/>
   <p:notesSz cx="6858000" cy="9144000"/>
@@ -106,7 +107,49 @@
       </a:defRPr>
     </a:lvl9pPr>
   </p:defaultTextStyle>
+  <p:extLst>
+    <p:ext uri="{EFAFB233-063F-42B5-8137-9DF3F51BA10A}">
+      <p15:sldGuideLst xmlns:p15="http://schemas.microsoft.com/office/powerpoint/2012/main"/>
+    </p:ext>
+  </p:extLst>
 </p:presentation>
+</file>
+
+<file path=ppt/changesInfos/changesInfo1.xml><?xml version="1.0" encoding="utf-8"?>
+<pc:chgInfo xmlns:a="http://schemas.openxmlformats.org/drawingml/2006/main" xmlns:r="http://schemas.openxmlformats.org/officeDocument/2006/relationships" xmlns:ac="http://schemas.microsoft.com/office/drawing/2013/main/command" xmlns:pc="http://schemas.microsoft.com/office/powerpoint/2013/main/command">
+  <pc:docChgLst>
+    <pc:chgData name="Daniel Hoppe Hansen" userId="7e27af9d6bf8907d" providerId="LiveId" clId="{3BA28FE8-80BD-4BFB-9115-E8ABCDFD6868}"/>
+    <pc:docChg chg="addSld modSld sldOrd">
+      <pc:chgData name="Daniel Hoppe Hansen" userId="7e27af9d6bf8907d" providerId="LiveId" clId="{3BA28FE8-80BD-4BFB-9115-E8ABCDFD6868}" dt="2023-09-27T10:53:07.523" v="68" actId="20577"/>
+      <pc:docMkLst>
+        <pc:docMk/>
+      </pc:docMkLst>
+      <pc:sldChg chg="modSp new mod ord">
+        <pc:chgData name="Daniel Hoppe Hansen" userId="7e27af9d6bf8907d" providerId="LiveId" clId="{3BA28FE8-80BD-4BFB-9115-E8ABCDFD6868}" dt="2023-09-27T10:53:07.523" v="68" actId="20577"/>
+        <pc:sldMkLst>
+          <pc:docMk/>
+          <pc:sldMk cId="2740500751" sldId="259"/>
+        </pc:sldMkLst>
+        <pc:spChg chg="mod">
+          <ac:chgData name="Daniel Hoppe Hansen" userId="7e27af9d6bf8907d" providerId="LiveId" clId="{3BA28FE8-80BD-4BFB-9115-E8ABCDFD6868}" dt="2023-09-27T10:52:39.587" v="17" actId="122"/>
+          <ac:spMkLst>
+            <pc:docMk/>
+            <pc:sldMk cId="2740500751" sldId="259"/>
+            <ac:spMk id="2" creationId="{5EC51C45-43D7-2391-3DD9-042BA126C287}"/>
+          </ac:spMkLst>
+        </pc:spChg>
+        <pc:spChg chg="mod">
+          <ac:chgData name="Daniel Hoppe Hansen" userId="7e27af9d6bf8907d" providerId="LiveId" clId="{3BA28FE8-80BD-4BFB-9115-E8ABCDFD6868}" dt="2023-09-27T10:53:07.523" v="68" actId="20577"/>
+          <ac:spMkLst>
+            <pc:docMk/>
+            <pc:sldMk cId="2740500751" sldId="259"/>
+            <ac:spMk id="3" creationId="{3DAC1B8F-CA0B-DDF3-EBDA-910F3F3D0B42}"/>
+          </ac:spMkLst>
+        </pc:spChg>
+      </pc:sldChg>
+    </pc:docChg>
+  </pc:docChgLst>
+</pc:chgInfo>
 </file>
 
 <file path=ppt/slideLayouts/slideLayout1.xml><?xml version="1.0" encoding="utf-8"?>
@@ -256,7 +299,7 @@
           <a:p>
             <a:fld id="{91030A3A-3FC1-45BF-B872-DDA6D7DD7D4B}" type="datetimeFigureOut">
               <a:rPr lang="da-DK" smtClean="0"/>
-              <a:t>26-09-2023</a:t>
+              <a:t>27-09-2023</a:t>
             </a:fld>
             <a:endParaRPr lang="da-DK"/>
           </a:p>
@@ -454,7 +497,7 @@
           <a:p>
             <a:fld id="{91030A3A-3FC1-45BF-B872-DDA6D7DD7D4B}" type="datetimeFigureOut">
               <a:rPr lang="da-DK" smtClean="0"/>
-              <a:t>26-09-2023</a:t>
+              <a:t>27-09-2023</a:t>
             </a:fld>
             <a:endParaRPr lang="da-DK"/>
           </a:p>
@@ -662,7 +705,7 @@
           <a:p>
             <a:fld id="{91030A3A-3FC1-45BF-B872-DDA6D7DD7D4B}" type="datetimeFigureOut">
               <a:rPr lang="da-DK" smtClean="0"/>
-              <a:t>26-09-2023</a:t>
+              <a:t>27-09-2023</a:t>
             </a:fld>
             <a:endParaRPr lang="da-DK"/>
           </a:p>
@@ -860,7 +903,7 @@
           <a:p>
             <a:fld id="{91030A3A-3FC1-45BF-B872-DDA6D7DD7D4B}" type="datetimeFigureOut">
               <a:rPr lang="da-DK" smtClean="0"/>
-              <a:t>26-09-2023</a:t>
+              <a:t>27-09-2023</a:t>
             </a:fld>
             <a:endParaRPr lang="da-DK"/>
           </a:p>
@@ -1135,7 +1178,7 @@
           <a:p>
             <a:fld id="{91030A3A-3FC1-45BF-B872-DDA6D7DD7D4B}" type="datetimeFigureOut">
               <a:rPr lang="da-DK" smtClean="0"/>
-              <a:t>26-09-2023</a:t>
+              <a:t>27-09-2023</a:t>
             </a:fld>
             <a:endParaRPr lang="da-DK"/>
           </a:p>
@@ -1400,7 +1443,7 @@
           <a:p>
             <a:fld id="{91030A3A-3FC1-45BF-B872-DDA6D7DD7D4B}" type="datetimeFigureOut">
               <a:rPr lang="da-DK" smtClean="0"/>
-              <a:t>26-09-2023</a:t>
+              <a:t>27-09-2023</a:t>
             </a:fld>
             <a:endParaRPr lang="da-DK"/>
           </a:p>
@@ -1812,7 +1855,7 @@
           <a:p>
             <a:fld id="{91030A3A-3FC1-45BF-B872-DDA6D7DD7D4B}" type="datetimeFigureOut">
               <a:rPr lang="da-DK" smtClean="0"/>
-              <a:t>26-09-2023</a:t>
+              <a:t>27-09-2023</a:t>
             </a:fld>
             <a:endParaRPr lang="da-DK"/>
           </a:p>
@@ -1953,7 +1996,7 @@
           <a:p>
             <a:fld id="{91030A3A-3FC1-45BF-B872-DDA6D7DD7D4B}" type="datetimeFigureOut">
               <a:rPr lang="da-DK" smtClean="0"/>
-              <a:t>26-09-2023</a:t>
+              <a:t>27-09-2023</a:t>
             </a:fld>
             <a:endParaRPr lang="da-DK"/>
           </a:p>
@@ -2066,7 +2109,7 @@
           <a:p>
             <a:fld id="{91030A3A-3FC1-45BF-B872-DDA6D7DD7D4B}" type="datetimeFigureOut">
               <a:rPr lang="da-DK" smtClean="0"/>
-              <a:t>26-09-2023</a:t>
+              <a:t>27-09-2023</a:t>
             </a:fld>
             <a:endParaRPr lang="da-DK"/>
           </a:p>
@@ -2377,7 +2420,7 @@
           <a:p>
             <a:fld id="{91030A3A-3FC1-45BF-B872-DDA6D7DD7D4B}" type="datetimeFigureOut">
               <a:rPr lang="da-DK" smtClean="0"/>
-              <a:t>26-09-2023</a:t>
+              <a:t>27-09-2023</a:t>
             </a:fld>
             <a:endParaRPr lang="da-DK"/>
           </a:p>
@@ -2665,7 +2708,7 @@
           <a:p>
             <a:fld id="{91030A3A-3FC1-45BF-B872-DDA6D7DD7D4B}" type="datetimeFigureOut">
               <a:rPr lang="da-DK" smtClean="0"/>
-              <a:t>26-09-2023</a:t>
+              <a:t>27-09-2023</a:t>
             </a:fld>
             <a:endParaRPr lang="da-DK"/>
           </a:p>
@@ -2906,7 +2949,7 @@
           <a:p>
             <a:fld id="{91030A3A-3FC1-45BF-B872-DDA6D7DD7D4B}" type="datetimeFigureOut">
               <a:rPr lang="da-DK" smtClean="0"/>
-              <a:t>26-09-2023</a:t>
+              <a:t>27-09-2023</a:t>
             </a:fld>
             <a:endParaRPr lang="da-DK"/>
           </a:p>
@@ -3452,6 +3495,107 @@
           <p:cNvPr id="2" name="Titel 1">
             <a:extLst>
               <a:ext uri="{FF2B5EF4-FFF2-40B4-BE49-F238E27FC236}">
+                <a16:creationId xmlns:a16="http://schemas.microsoft.com/office/drawing/2014/main" id="{5EC51C45-43D7-2391-3DD9-042BA126C287}"/>
+              </a:ext>
+            </a:extLst>
+          </p:cNvPr>
+          <p:cNvSpPr>
+            <a:spLocks noGrp="1"/>
+          </p:cNvSpPr>
+          <p:nvPr>
+            <p:ph type="title"/>
+          </p:nvPr>
+        </p:nvSpPr>
+        <p:spPr/>
+        <p:txBody>
+          <a:bodyPr/>
+          <a:lstStyle/>
+          <a:p>
+            <a:pPr algn="ctr"/>
+            <a:r>
+              <a:rPr lang="da-DK" dirty="0"/>
+              <a:t>Mangler:</a:t>
+            </a:r>
+          </a:p>
+        </p:txBody>
+      </p:sp>
+      <p:sp>
+        <p:nvSpPr>
+          <p:cNvPr id="3" name="Pladsholder til indhold 2">
+            <a:extLst>
+              <a:ext uri="{FF2B5EF4-FFF2-40B4-BE49-F238E27FC236}">
+                <a16:creationId xmlns:a16="http://schemas.microsoft.com/office/drawing/2014/main" id="{3DAC1B8F-CA0B-DDF3-EBDA-910F3F3D0B42}"/>
+              </a:ext>
+            </a:extLst>
+          </p:cNvPr>
+          <p:cNvSpPr>
+            <a:spLocks noGrp="1"/>
+          </p:cNvSpPr>
+          <p:nvPr>
+            <p:ph idx="1"/>
+          </p:nvPr>
+        </p:nvSpPr>
+        <p:spPr/>
+        <p:txBody>
+          <a:bodyPr/>
+          <a:lstStyle/>
+          <a:p>
+            <a:r>
+              <a:rPr lang="da-DK" dirty="0"/>
+              <a:t>Implementere CRUD</a:t>
+            </a:r>
+          </a:p>
+          <a:p>
+            <a:endParaRPr lang="da-DK" dirty="0"/>
+          </a:p>
+          <a:p>
+            <a:r>
+              <a:rPr lang="da-DK" dirty="0"/>
+              <a:t>Nogle </a:t>
+            </a:r>
+            <a:r>
+              <a:rPr lang="da-DK" dirty="0" err="1"/>
+              <a:t>funktionaliteter</a:t>
+            </a:r>
+            <a:endParaRPr lang="da-DK" dirty="0"/>
+          </a:p>
+        </p:txBody>
+      </p:sp>
+    </p:spTree>
+    <p:extLst>
+      <p:ext uri="{BB962C8B-B14F-4D97-AF65-F5344CB8AC3E}">
+        <p14:creationId xmlns:p14="http://schemas.microsoft.com/office/powerpoint/2010/main" val="2740500751"/>
+      </p:ext>
+    </p:extLst>
+  </p:cSld>
+  <p:clrMapOvr>
+    <a:masterClrMapping/>
+  </p:clrMapOvr>
+</p:sld>
+</file>
+
+<file path=ppt/slides/slide4.xml><?xml version="1.0" encoding="utf-8"?>
+<p:sld xmlns:a="http://schemas.openxmlformats.org/drawingml/2006/main" xmlns:r="http://schemas.openxmlformats.org/officeDocument/2006/relationships" xmlns:p="http://schemas.openxmlformats.org/presentationml/2006/main">
+  <p:cSld>
+    <p:spTree>
+      <p:nvGrpSpPr>
+        <p:cNvPr id="1" name=""/>
+        <p:cNvGrpSpPr/>
+        <p:nvPr/>
+      </p:nvGrpSpPr>
+      <p:grpSpPr>
+        <a:xfrm>
+          <a:off x="0" y="0"/>
+          <a:ext cx="0" cy="0"/>
+          <a:chOff x="0" y="0"/>
+          <a:chExt cx="0" cy="0"/>
+        </a:xfrm>
+      </p:grpSpPr>
+      <p:sp>
+        <p:nvSpPr>
+          <p:cNvPr id="2" name="Titel 1">
+            <a:extLst>
+              <a:ext uri="{FF2B5EF4-FFF2-40B4-BE49-F238E27FC236}">
                 <a16:creationId xmlns:a16="http://schemas.microsoft.com/office/drawing/2014/main" id="{2459D347-E621-2D79-65BF-E7A1307EE2A6}"/>
               </a:ext>
             </a:extLst>

--- a/Præsentation til per.pptx
+++ b/Præsentation til per.pptx
@@ -2,21 +2,22 @@
 <file path=ppt/presentation.xml><?xml version="1.0" encoding="utf-8"?>
 <p:presentation xmlns:a="http://schemas.openxmlformats.org/drawingml/2006/main" xmlns:r="http://schemas.openxmlformats.org/officeDocument/2006/relationships" xmlns:p="http://schemas.openxmlformats.org/presentationml/2006/main" saveSubsetFonts="1">
   <p:sldMasterIdLst>
-    <p:sldMasterId id="2147483648" r:id="rId1"/>
+    <p:sldMasterId id="2147483690" r:id="rId1"/>
   </p:sldMasterIdLst>
   <p:sldIdLst>
-    <p:sldId id="256" r:id="rId2"/>
-    <p:sldId id="257" r:id="rId3"/>
-    <p:sldId id="259" r:id="rId4"/>
-    <p:sldId id="258" r:id="rId5"/>
+    <p:sldId id="260" r:id="rId2"/>
+    <p:sldId id="256" r:id="rId3"/>
+    <p:sldId id="257" r:id="rId4"/>
+    <p:sldId id="259" r:id="rId5"/>
+    <p:sldId id="258" r:id="rId6"/>
   </p:sldIdLst>
   <p:sldSz cx="12192000" cy="6858000"/>
   <p:notesSz cx="6858000" cy="9144000"/>
   <p:defaultTextStyle>
     <a:defPPr>
-      <a:defRPr lang="da-DK"/>
+      <a:defRPr lang="en-US"/>
     </a:defPPr>
-    <a:lvl1pPr marL="0" algn="l" defTabSz="914400" rtl="0" eaLnBrk="1" latinLnBrk="0" hangingPunct="1">
+    <a:lvl1pPr marL="0" algn="l" defTabSz="457200" rtl="0" eaLnBrk="1" latinLnBrk="0" hangingPunct="1">
       <a:defRPr sz="1800" kern="1200">
         <a:solidFill>
           <a:schemeClr val="tx1"/>
@@ -26,7 +27,7 @@
         <a:cs typeface="+mn-cs"/>
       </a:defRPr>
     </a:lvl1pPr>
-    <a:lvl2pPr marL="457200" algn="l" defTabSz="914400" rtl="0" eaLnBrk="1" latinLnBrk="0" hangingPunct="1">
+    <a:lvl2pPr marL="457200" algn="l" defTabSz="457200" rtl="0" eaLnBrk="1" latinLnBrk="0" hangingPunct="1">
       <a:defRPr sz="1800" kern="1200">
         <a:solidFill>
           <a:schemeClr val="tx1"/>
@@ -36,7 +37,7 @@
         <a:cs typeface="+mn-cs"/>
       </a:defRPr>
     </a:lvl2pPr>
-    <a:lvl3pPr marL="914400" algn="l" defTabSz="914400" rtl="0" eaLnBrk="1" latinLnBrk="0" hangingPunct="1">
+    <a:lvl3pPr marL="914400" algn="l" defTabSz="457200" rtl="0" eaLnBrk="1" latinLnBrk="0" hangingPunct="1">
       <a:defRPr sz="1800" kern="1200">
         <a:solidFill>
           <a:schemeClr val="tx1"/>
@@ -46,7 +47,7 @@
         <a:cs typeface="+mn-cs"/>
       </a:defRPr>
     </a:lvl3pPr>
-    <a:lvl4pPr marL="1371600" algn="l" defTabSz="914400" rtl="0" eaLnBrk="1" latinLnBrk="0" hangingPunct="1">
+    <a:lvl4pPr marL="1371600" algn="l" defTabSz="457200" rtl="0" eaLnBrk="1" latinLnBrk="0" hangingPunct="1">
       <a:defRPr sz="1800" kern="1200">
         <a:solidFill>
           <a:schemeClr val="tx1"/>
@@ -56,7 +57,7 @@
         <a:cs typeface="+mn-cs"/>
       </a:defRPr>
     </a:lvl4pPr>
-    <a:lvl5pPr marL="1828800" algn="l" defTabSz="914400" rtl="0" eaLnBrk="1" latinLnBrk="0" hangingPunct="1">
+    <a:lvl5pPr marL="1828800" algn="l" defTabSz="457200" rtl="0" eaLnBrk="1" latinLnBrk="0" hangingPunct="1">
       <a:defRPr sz="1800" kern="1200">
         <a:solidFill>
           <a:schemeClr val="tx1"/>
@@ -66,7 +67,7 @@
         <a:cs typeface="+mn-cs"/>
       </a:defRPr>
     </a:lvl5pPr>
-    <a:lvl6pPr marL="2286000" algn="l" defTabSz="914400" rtl="0" eaLnBrk="1" latinLnBrk="0" hangingPunct="1">
+    <a:lvl6pPr marL="2286000" algn="l" defTabSz="457200" rtl="0" eaLnBrk="1" latinLnBrk="0" hangingPunct="1">
       <a:defRPr sz="1800" kern="1200">
         <a:solidFill>
           <a:schemeClr val="tx1"/>
@@ -76,7 +77,7 @@
         <a:cs typeface="+mn-cs"/>
       </a:defRPr>
     </a:lvl6pPr>
-    <a:lvl7pPr marL="2743200" algn="l" defTabSz="914400" rtl="0" eaLnBrk="1" latinLnBrk="0" hangingPunct="1">
+    <a:lvl7pPr marL="2743200" algn="l" defTabSz="457200" rtl="0" eaLnBrk="1" latinLnBrk="0" hangingPunct="1">
       <a:defRPr sz="1800" kern="1200">
         <a:solidFill>
           <a:schemeClr val="tx1"/>
@@ -86,7 +87,7 @@
         <a:cs typeface="+mn-cs"/>
       </a:defRPr>
     </a:lvl7pPr>
-    <a:lvl8pPr marL="3200400" algn="l" defTabSz="914400" rtl="0" eaLnBrk="1" latinLnBrk="0" hangingPunct="1">
+    <a:lvl8pPr marL="3200400" algn="l" defTabSz="457200" rtl="0" eaLnBrk="1" latinLnBrk="0" hangingPunct="1">
       <a:defRPr sz="1800" kern="1200">
         <a:solidFill>
           <a:schemeClr val="tx1"/>
@@ -96,7 +97,7 @@
         <a:cs typeface="+mn-cs"/>
       </a:defRPr>
     </a:lvl8pPr>
-    <a:lvl9pPr marL="3657600" algn="l" defTabSz="914400" rtl="0" eaLnBrk="1" latinLnBrk="0" hangingPunct="1">
+    <a:lvl9pPr marL="3657600" algn="l" defTabSz="457200" rtl="0" eaLnBrk="1" latinLnBrk="0" hangingPunct="1">
       <a:defRPr sz="1800" kern="1200">
         <a:solidFill>
           <a:schemeClr val="tx1"/>
@@ -115,23 +116,54 @@
 </p:presentation>
 </file>
 
+<file path=ppt/revisionInfo.xml><?xml version="1.0" encoding="utf-8"?>
+<p1510:revInfo xmlns:a="http://schemas.openxmlformats.org/drawingml/2006/main" xmlns:r="http://schemas.openxmlformats.org/officeDocument/2006/relationships" xmlns:p1510="http://schemas.microsoft.com/office/powerpoint/2015/10/main">
+  <p1510:revLst>
+    <p1510:client id="{3BA28FE8-80BD-4BFB-9115-E8ABCDFD6868}" v="3" dt="2023-10-04T11:15:01.957"/>
+  </p1510:revLst>
+</p1510:revInfo>
+</file>
+
 <file path=ppt/changesInfos/changesInfo1.xml><?xml version="1.0" encoding="utf-8"?>
 <pc:chgInfo xmlns:a="http://schemas.openxmlformats.org/drawingml/2006/main" xmlns:r="http://schemas.openxmlformats.org/officeDocument/2006/relationships" xmlns:ac="http://schemas.microsoft.com/office/drawing/2013/main/command" xmlns:pc="http://schemas.microsoft.com/office/powerpoint/2013/main/command">
   <pc:docChgLst>
     <pc:chgData name="Daniel Hoppe Hansen" userId="7e27af9d6bf8907d" providerId="LiveId" clId="{3BA28FE8-80BD-4BFB-9115-E8ABCDFD6868}"/>
     <pc:docChg chg="addSld modSld sldOrd">
-      <pc:chgData name="Daniel Hoppe Hansen" userId="7e27af9d6bf8907d" providerId="LiveId" clId="{3BA28FE8-80BD-4BFB-9115-E8ABCDFD6868}" dt="2023-09-27T10:53:07.523" v="68" actId="20577"/>
+      <pc:chgData name="Daniel Hoppe Hansen" userId="7e27af9d6bf8907d" providerId="LiveId" clId="{3BA28FE8-80BD-4BFB-9115-E8ABCDFD6868}" dt="2023-10-04T11:20:32.645" v="131" actId="20577"/>
       <pc:docMkLst>
         <pc:docMk/>
       </pc:docMkLst>
+      <pc:sldChg chg="modSp">
+        <pc:chgData name="Daniel Hoppe Hansen" userId="7e27af9d6bf8907d" providerId="LiveId" clId="{3BA28FE8-80BD-4BFB-9115-E8ABCDFD6868}" dt="2023-10-04T11:15:01.957" v="127"/>
+        <pc:sldMkLst>
+          <pc:docMk/>
+          <pc:sldMk cId="1083082300" sldId="258"/>
+        </pc:sldMkLst>
+        <pc:spChg chg="mod">
+          <ac:chgData name="Daniel Hoppe Hansen" userId="7e27af9d6bf8907d" providerId="LiveId" clId="{3BA28FE8-80BD-4BFB-9115-E8ABCDFD6868}" dt="2023-10-04T11:15:01.957" v="127"/>
+          <ac:spMkLst>
+            <pc:docMk/>
+            <pc:sldMk cId="1083082300" sldId="258"/>
+            <ac:spMk id="2" creationId="{2459D347-E621-2D79-65BF-E7A1307EE2A6}"/>
+          </ac:spMkLst>
+        </pc:spChg>
+        <pc:spChg chg="mod">
+          <ac:chgData name="Daniel Hoppe Hansen" userId="7e27af9d6bf8907d" providerId="LiveId" clId="{3BA28FE8-80BD-4BFB-9115-E8ABCDFD6868}" dt="2023-10-04T11:15:01.957" v="127"/>
+          <ac:spMkLst>
+            <pc:docMk/>
+            <pc:sldMk cId="1083082300" sldId="258"/>
+            <ac:spMk id="3" creationId="{0CA6F448-7A5B-A68C-1AC5-02E529243212}"/>
+          </ac:spMkLst>
+        </pc:spChg>
+      </pc:sldChg>
       <pc:sldChg chg="modSp new mod ord">
-        <pc:chgData name="Daniel Hoppe Hansen" userId="7e27af9d6bf8907d" providerId="LiveId" clId="{3BA28FE8-80BD-4BFB-9115-E8ABCDFD6868}" dt="2023-09-27T10:53:07.523" v="68" actId="20577"/>
+        <pc:chgData name="Daniel Hoppe Hansen" userId="7e27af9d6bf8907d" providerId="LiveId" clId="{3BA28FE8-80BD-4BFB-9115-E8ABCDFD6868}" dt="2023-10-04T11:15:01.957" v="127"/>
         <pc:sldMkLst>
           <pc:docMk/>
           <pc:sldMk cId="2740500751" sldId="259"/>
         </pc:sldMkLst>
         <pc:spChg chg="mod">
-          <ac:chgData name="Daniel Hoppe Hansen" userId="7e27af9d6bf8907d" providerId="LiveId" clId="{3BA28FE8-80BD-4BFB-9115-E8ABCDFD6868}" dt="2023-09-27T10:52:39.587" v="17" actId="122"/>
+          <ac:chgData name="Daniel Hoppe Hansen" userId="7e27af9d6bf8907d" providerId="LiveId" clId="{3BA28FE8-80BD-4BFB-9115-E8ABCDFD6868}" dt="2023-10-04T11:15:01.957" v="127"/>
           <ac:spMkLst>
             <pc:docMk/>
             <pc:sldMk cId="2740500751" sldId="259"/>
@@ -139,11 +171,34 @@
           </ac:spMkLst>
         </pc:spChg>
         <pc:spChg chg="mod">
-          <ac:chgData name="Daniel Hoppe Hansen" userId="7e27af9d6bf8907d" providerId="LiveId" clId="{3BA28FE8-80BD-4BFB-9115-E8ABCDFD6868}" dt="2023-09-27T10:53:07.523" v="68" actId="20577"/>
+          <ac:chgData name="Daniel Hoppe Hansen" userId="7e27af9d6bf8907d" providerId="LiveId" clId="{3BA28FE8-80BD-4BFB-9115-E8ABCDFD6868}" dt="2023-10-04T11:15:01.957" v="127"/>
           <ac:spMkLst>
             <pc:docMk/>
             <pc:sldMk cId="2740500751" sldId="259"/>
             <ac:spMk id="3" creationId="{3DAC1B8F-CA0B-DDF3-EBDA-910F3F3D0B42}"/>
+          </ac:spMkLst>
+        </pc:spChg>
+      </pc:sldChg>
+      <pc:sldChg chg="modSp new mod ord">
+        <pc:chgData name="Daniel Hoppe Hansen" userId="7e27af9d6bf8907d" providerId="LiveId" clId="{3BA28FE8-80BD-4BFB-9115-E8ABCDFD6868}" dt="2023-10-04T11:20:32.645" v="131" actId="20577"/>
+        <pc:sldMkLst>
+          <pc:docMk/>
+          <pc:sldMk cId="34195013" sldId="260"/>
+        </pc:sldMkLst>
+        <pc:spChg chg="mod">
+          <ac:chgData name="Daniel Hoppe Hansen" userId="7e27af9d6bf8907d" providerId="LiveId" clId="{3BA28FE8-80BD-4BFB-9115-E8ABCDFD6868}" dt="2023-10-04T11:15:01.957" v="127"/>
+          <ac:spMkLst>
+            <pc:docMk/>
+            <pc:sldMk cId="34195013" sldId="260"/>
+            <ac:spMk id="2" creationId="{43B4DB7C-C1A2-393E-DD3E-90D5A1753DC1}"/>
+          </ac:spMkLst>
+        </pc:spChg>
+        <pc:spChg chg="mod">
+          <ac:chgData name="Daniel Hoppe Hansen" userId="7e27af9d6bf8907d" providerId="LiveId" clId="{3BA28FE8-80BD-4BFB-9115-E8ABCDFD6868}" dt="2023-10-04T11:20:32.645" v="131" actId="20577"/>
+          <ac:spMkLst>
+            <pc:docMk/>
+            <pc:sldMk cId="34195013" sldId="260"/>
+            <ac:spMk id="3" creationId="{D46C6B92-47F9-EBAA-44D0-0886F961522E}"/>
           </ac:spMkLst>
         </pc:spChg>
       </pc:sldChg>
@@ -153,7 +208,7 @@
 </file>
 
 <file path=ppt/slideLayouts/slideLayout1.xml><?xml version="1.0" encoding="utf-8"?>
-<p:sldLayout xmlns:a="http://schemas.openxmlformats.org/drawingml/2006/main" xmlns:r="http://schemas.openxmlformats.org/officeDocument/2006/relationships" xmlns:p="http://schemas.openxmlformats.org/presentationml/2006/main" type="title" preserve="1">
+<p:sldLayout xmlns:a="http://schemas.openxmlformats.org/drawingml/2006/main" xmlns:r="http://schemas.openxmlformats.org/officeDocument/2006/relationships" xmlns:p="http://schemas.openxmlformats.org/presentationml/2006/main" showMasterSp="0" type="title" preserve="1">
   <p:cSld name="Titelslide">
     <p:spTree>
       <p:nvGrpSpPr>
@@ -169,15 +224,539 @@
           <a:chExt cx="0" cy="0"/>
         </a:xfrm>
       </p:grpSpPr>
-      <p:sp>
-        <p:nvSpPr>
-          <p:cNvPr id="2" name="Titel 1">
-            <a:extLst>
-              <a:ext uri="{FF2B5EF4-FFF2-40B4-BE49-F238E27FC236}">
-                <a16:creationId xmlns:a16="http://schemas.microsoft.com/office/drawing/2014/main" id="{CECB5F5C-FEC1-B19D-DFEB-1FADF218A267}"/>
-              </a:ext>
-            </a:extLst>
-          </p:cNvPr>
+      <p:grpSp>
+        <p:nvGrpSpPr>
+          <p:cNvPr id="7" name="Group 6"/>
+          <p:cNvGrpSpPr/>
+          <p:nvPr/>
+        </p:nvGrpSpPr>
+        <p:grpSpPr>
+          <a:xfrm>
+            <a:off x="0" y="-8467"/>
+            <a:ext cx="12192000" cy="6866467"/>
+            <a:chOff x="0" y="-8467"/>
+            <a:chExt cx="12192000" cy="6866467"/>
+          </a:xfrm>
+        </p:grpSpPr>
+        <p:cxnSp>
+          <p:nvCxnSpPr>
+            <p:cNvPr id="32" name="Straight Connector 31"/>
+            <p:cNvCxnSpPr/>
+            <p:nvPr/>
+          </p:nvCxnSpPr>
+          <p:spPr>
+            <a:xfrm>
+              <a:off x="9371012" y="0"/>
+              <a:ext cx="1219200" cy="6858000"/>
+            </a:xfrm>
+            <a:prstGeom prst="line">
+              <a:avLst/>
+            </a:prstGeom>
+            <a:ln w="9525">
+              <a:solidFill>
+                <a:schemeClr val="bg1">
+                  <a:lumMod val="75000"/>
+                </a:schemeClr>
+              </a:solidFill>
+            </a:ln>
+          </p:spPr>
+          <p:style>
+            <a:lnRef idx="2">
+              <a:schemeClr val="accent1"/>
+            </a:lnRef>
+            <a:fillRef idx="0">
+              <a:schemeClr val="accent1"/>
+            </a:fillRef>
+            <a:effectRef idx="1">
+              <a:schemeClr val="accent1"/>
+            </a:effectRef>
+            <a:fontRef idx="minor">
+              <a:schemeClr val="tx1"/>
+            </a:fontRef>
+          </p:style>
+        </p:cxnSp>
+        <p:cxnSp>
+          <p:nvCxnSpPr>
+            <p:cNvPr id="21" name="Straight Connector 20"/>
+            <p:cNvCxnSpPr/>
+            <p:nvPr/>
+          </p:nvCxnSpPr>
+          <p:spPr>
+            <a:xfrm flipH="1">
+              <a:off x="7425267" y="3681413"/>
+              <a:ext cx="4763558" cy="3176587"/>
+            </a:xfrm>
+            <a:prstGeom prst="line">
+              <a:avLst/>
+            </a:prstGeom>
+            <a:ln w="9525">
+              <a:solidFill>
+                <a:schemeClr val="bg1">
+                  <a:lumMod val="85000"/>
+                </a:schemeClr>
+              </a:solidFill>
+            </a:ln>
+          </p:spPr>
+          <p:style>
+            <a:lnRef idx="2">
+              <a:schemeClr val="accent1"/>
+            </a:lnRef>
+            <a:fillRef idx="0">
+              <a:schemeClr val="accent1"/>
+            </a:fillRef>
+            <a:effectRef idx="1">
+              <a:schemeClr val="accent1"/>
+            </a:effectRef>
+            <a:fontRef idx="minor">
+              <a:schemeClr val="tx1"/>
+            </a:fontRef>
+          </p:style>
+        </p:cxnSp>
+        <p:sp>
+          <p:nvSpPr>
+            <p:cNvPr id="24" name="Rectangle 23"/>
+            <p:cNvSpPr/>
+            <p:nvPr/>
+          </p:nvSpPr>
+          <p:spPr>
+            <a:xfrm>
+              <a:off x="9181476" y="-8467"/>
+              <a:ext cx="3007349" cy="6866467"/>
+            </a:xfrm>
+            <a:custGeom>
+              <a:avLst/>
+              <a:gdLst/>
+              <a:ahLst/>
+              <a:cxnLst/>
+              <a:rect l="l" t="t" r="r" b="b"/>
+              <a:pathLst>
+                <a:path w="3007349" h="6866467">
+                  <a:moveTo>
+                    <a:pt x="2045532" y="0"/>
+                  </a:moveTo>
+                  <a:lnTo>
+                    <a:pt x="3007349" y="0"/>
+                  </a:lnTo>
+                  <a:lnTo>
+                    <a:pt x="3007349" y="6866467"/>
+                  </a:lnTo>
+                  <a:lnTo>
+                    <a:pt x="0" y="6866467"/>
+                  </a:lnTo>
+                  <a:lnTo>
+                    <a:pt x="2045532" y="0"/>
+                  </a:lnTo>
+                  <a:close/>
+                </a:path>
+              </a:pathLst>
+            </a:custGeom>
+            <a:solidFill>
+              <a:schemeClr val="accent1">
+                <a:alpha val="30000"/>
+              </a:schemeClr>
+            </a:solidFill>
+            <a:ln>
+              <a:noFill/>
+            </a:ln>
+            <a:effectLst/>
+          </p:spPr>
+          <p:style>
+            <a:lnRef idx="1">
+              <a:schemeClr val="accent1"/>
+            </a:lnRef>
+            <a:fillRef idx="3">
+              <a:schemeClr val="accent1"/>
+            </a:fillRef>
+            <a:effectRef idx="2">
+              <a:schemeClr val="accent1"/>
+            </a:effectRef>
+            <a:fontRef idx="minor">
+              <a:schemeClr val="lt1"/>
+            </a:fontRef>
+          </p:style>
+        </p:sp>
+        <p:sp>
+          <p:nvSpPr>
+            <p:cNvPr id="26" name="Rectangle 25"/>
+            <p:cNvSpPr/>
+            <p:nvPr/>
+          </p:nvSpPr>
+          <p:spPr>
+            <a:xfrm>
+              <a:off x="9603442" y="-8467"/>
+              <a:ext cx="2588558" cy="6866467"/>
+            </a:xfrm>
+            <a:custGeom>
+              <a:avLst/>
+              <a:gdLst/>
+              <a:ahLst/>
+              <a:cxnLst/>
+              <a:rect l="l" t="t" r="r" b="b"/>
+              <a:pathLst>
+                <a:path w="2573311" h="6866467">
+                  <a:moveTo>
+                    <a:pt x="0" y="0"/>
+                  </a:moveTo>
+                  <a:lnTo>
+                    <a:pt x="2573311" y="0"/>
+                  </a:lnTo>
+                  <a:lnTo>
+                    <a:pt x="2573311" y="6866467"/>
+                  </a:lnTo>
+                  <a:lnTo>
+                    <a:pt x="1202336" y="6866467"/>
+                  </a:lnTo>
+                  <a:lnTo>
+                    <a:pt x="0" y="0"/>
+                  </a:lnTo>
+                  <a:close/>
+                </a:path>
+              </a:pathLst>
+            </a:custGeom>
+            <a:solidFill>
+              <a:schemeClr val="accent1">
+                <a:alpha val="20000"/>
+              </a:schemeClr>
+            </a:solidFill>
+            <a:ln>
+              <a:noFill/>
+            </a:ln>
+            <a:effectLst/>
+          </p:spPr>
+          <p:style>
+            <a:lnRef idx="1">
+              <a:schemeClr val="accent1"/>
+            </a:lnRef>
+            <a:fillRef idx="3">
+              <a:schemeClr val="accent1"/>
+            </a:fillRef>
+            <a:effectRef idx="2">
+              <a:schemeClr val="accent1"/>
+            </a:effectRef>
+            <a:fontRef idx="minor">
+              <a:schemeClr val="lt1"/>
+            </a:fontRef>
+          </p:style>
+        </p:sp>
+        <p:sp>
+          <p:nvSpPr>
+            <p:cNvPr id="27" name="Isosceles Triangle 26"/>
+            <p:cNvSpPr/>
+            <p:nvPr/>
+          </p:nvSpPr>
+          <p:spPr>
+            <a:xfrm>
+              <a:off x="8932333" y="3048000"/>
+              <a:ext cx="3259667" cy="3810000"/>
+            </a:xfrm>
+            <a:prstGeom prst="triangle">
+              <a:avLst>
+                <a:gd name="adj" fmla="val 100000"/>
+              </a:avLst>
+            </a:prstGeom>
+            <a:solidFill>
+              <a:schemeClr val="accent2">
+                <a:alpha val="72000"/>
+              </a:schemeClr>
+            </a:solidFill>
+            <a:ln>
+              <a:noFill/>
+            </a:ln>
+            <a:effectLst/>
+          </p:spPr>
+          <p:style>
+            <a:lnRef idx="1">
+              <a:schemeClr val="accent1"/>
+            </a:lnRef>
+            <a:fillRef idx="3">
+              <a:schemeClr val="accent1"/>
+            </a:fillRef>
+            <a:effectRef idx="2">
+              <a:schemeClr val="accent1"/>
+            </a:effectRef>
+            <a:fontRef idx="minor">
+              <a:schemeClr val="lt1"/>
+            </a:fontRef>
+          </p:style>
+        </p:sp>
+        <p:sp>
+          <p:nvSpPr>
+            <p:cNvPr id="28" name="Rectangle 27"/>
+            <p:cNvSpPr/>
+            <p:nvPr/>
+          </p:nvSpPr>
+          <p:spPr>
+            <a:xfrm>
+              <a:off x="9334500" y="-8467"/>
+              <a:ext cx="2854326" cy="6866467"/>
+            </a:xfrm>
+            <a:custGeom>
+              <a:avLst/>
+              <a:gdLst/>
+              <a:ahLst/>
+              <a:cxnLst/>
+              <a:rect l="l" t="t" r="r" b="b"/>
+              <a:pathLst>
+                <a:path w="2858013" h="6866467">
+                  <a:moveTo>
+                    <a:pt x="0" y="0"/>
+                  </a:moveTo>
+                  <a:lnTo>
+                    <a:pt x="2858013" y="0"/>
+                  </a:lnTo>
+                  <a:lnTo>
+                    <a:pt x="2858013" y="6866467"/>
+                  </a:lnTo>
+                  <a:lnTo>
+                    <a:pt x="2473942" y="6866467"/>
+                  </a:lnTo>
+                  <a:lnTo>
+                    <a:pt x="0" y="0"/>
+                  </a:lnTo>
+                  <a:close/>
+                </a:path>
+              </a:pathLst>
+            </a:custGeom>
+            <a:solidFill>
+              <a:schemeClr val="accent2">
+                <a:lumMod val="75000"/>
+                <a:alpha val="70000"/>
+              </a:schemeClr>
+            </a:solidFill>
+            <a:ln>
+              <a:noFill/>
+            </a:ln>
+            <a:effectLst/>
+          </p:spPr>
+          <p:style>
+            <a:lnRef idx="1">
+              <a:schemeClr val="accent1"/>
+            </a:lnRef>
+            <a:fillRef idx="3">
+              <a:schemeClr val="accent1"/>
+            </a:fillRef>
+            <a:effectRef idx="2">
+              <a:schemeClr val="accent1"/>
+            </a:effectRef>
+            <a:fontRef idx="minor">
+              <a:schemeClr val="lt1"/>
+            </a:fontRef>
+          </p:style>
+        </p:sp>
+        <p:sp>
+          <p:nvSpPr>
+            <p:cNvPr id="29" name="Rectangle 28"/>
+            <p:cNvSpPr/>
+            <p:nvPr/>
+          </p:nvSpPr>
+          <p:spPr>
+            <a:xfrm>
+              <a:off x="10898730" y="-8467"/>
+              <a:ext cx="1290094" cy="6866467"/>
+            </a:xfrm>
+            <a:custGeom>
+              <a:avLst/>
+              <a:gdLst/>
+              <a:ahLst/>
+              <a:cxnLst/>
+              <a:rect l="l" t="t" r="r" b="b"/>
+              <a:pathLst>
+                <a:path w="1290094" h="6858000">
+                  <a:moveTo>
+                    <a:pt x="1019735" y="0"/>
+                  </a:moveTo>
+                  <a:lnTo>
+                    <a:pt x="1290094" y="0"/>
+                  </a:lnTo>
+                  <a:lnTo>
+                    <a:pt x="1290094" y="6858000"/>
+                  </a:lnTo>
+                  <a:lnTo>
+                    <a:pt x="0" y="6858000"/>
+                  </a:lnTo>
+                  <a:lnTo>
+                    <a:pt x="1019735" y="0"/>
+                  </a:lnTo>
+                  <a:close/>
+                </a:path>
+              </a:pathLst>
+            </a:custGeom>
+            <a:solidFill>
+              <a:schemeClr val="accent1">
+                <a:lumMod val="60000"/>
+                <a:lumOff val="40000"/>
+                <a:alpha val="70000"/>
+              </a:schemeClr>
+            </a:solidFill>
+            <a:ln>
+              <a:noFill/>
+            </a:ln>
+            <a:effectLst/>
+          </p:spPr>
+          <p:style>
+            <a:lnRef idx="1">
+              <a:schemeClr val="accent1"/>
+            </a:lnRef>
+            <a:fillRef idx="3">
+              <a:schemeClr val="accent1"/>
+            </a:fillRef>
+            <a:effectRef idx="2">
+              <a:schemeClr val="accent1"/>
+            </a:effectRef>
+            <a:fontRef idx="minor">
+              <a:schemeClr val="lt1"/>
+            </a:fontRef>
+          </p:style>
+        </p:sp>
+        <p:sp>
+          <p:nvSpPr>
+            <p:cNvPr id="30" name="Rectangle 29"/>
+            <p:cNvSpPr/>
+            <p:nvPr/>
+          </p:nvSpPr>
+          <p:spPr>
+            <a:xfrm>
+              <a:off x="10938999" y="-8467"/>
+              <a:ext cx="1249825" cy="6866467"/>
+            </a:xfrm>
+            <a:custGeom>
+              <a:avLst/>
+              <a:gdLst/>
+              <a:ahLst/>
+              <a:cxnLst/>
+              <a:rect l="l" t="t" r="r" b="b"/>
+              <a:pathLst>
+                <a:path w="1249825" h="6858000">
+                  <a:moveTo>
+                    <a:pt x="0" y="0"/>
+                  </a:moveTo>
+                  <a:lnTo>
+                    <a:pt x="1249825" y="0"/>
+                  </a:lnTo>
+                  <a:lnTo>
+                    <a:pt x="1249825" y="6858000"/>
+                  </a:lnTo>
+                  <a:lnTo>
+                    <a:pt x="1109382" y="6858000"/>
+                  </a:lnTo>
+                  <a:lnTo>
+                    <a:pt x="0" y="0"/>
+                  </a:lnTo>
+                  <a:close/>
+                </a:path>
+              </a:pathLst>
+            </a:custGeom>
+            <a:solidFill>
+              <a:schemeClr val="accent1">
+                <a:alpha val="65000"/>
+              </a:schemeClr>
+            </a:solidFill>
+            <a:ln>
+              <a:noFill/>
+            </a:ln>
+            <a:effectLst/>
+          </p:spPr>
+          <p:style>
+            <a:lnRef idx="1">
+              <a:schemeClr val="accent1"/>
+            </a:lnRef>
+            <a:fillRef idx="3">
+              <a:schemeClr val="accent1"/>
+            </a:fillRef>
+            <a:effectRef idx="2">
+              <a:schemeClr val="accent1"/>
+            </a:effectRef>
+            <a:fontRef idx="minor">
+              <a:schemeClr val="lt1"/>
+            </a:fontRef>
+          </p:style>
+        </p:sp>
+        <p:sp>
+          <p:nvSpPr>
+            <p:cNvPr id="31" name="Isosceles Triangle 30"/>
+            <p:cNvSpPr/>
+            <p:nvPr/>
+          </p:nvSpPr>
+          <p:spPr>
+            <a:xfrm>
+              <a:off x="10371666" y="3589867"/>
+              <a:ext cx="1817159" cy="3268133"/>
+            </a:xfrm>
+            <a:prstGeom prst="triangle">
+              <a:avLst>
+                <a:gd name="adj" fmla="val 100000"/>
+              </a:avLst>
+            </a:prstGeom>
+            <a:solidFill>
+              <a:schemeClr val="accent1">
+                <a:alpha val="80000"/>
+              </a:schemeClr>
+            </a:solidFill>
+            <a:ln>
+              <a:noFill/>
+            </a:ln>
+            <a:effectLst/>
+          </p:spPr>
+          <p:style>
+            <a:lnRef idx="1">
+              <a:schemeClr val="accent1"/>
+            </a:lnRef>
+            <a:fillRef idx="3">
+              <a:schemeClr val="accent1"/>
+            </a:fillRef>
+            <a:effectRef idx="2">
+              <a:schemeClr val="accent1"/>
+            </a:effectRef>
+            <a:fontRef idx="minor">
+              <a:schemeClr val="lt1"/>
+            </a:fontRef>
+          </p:style>
+        </p:sp>
+        <p:sp>
+          <p:nvSpPr>
+            <p:cNvPr id="19" name="Isosceles Triangle 18"/>
+            <p:cNvSpPr/>
+            <p:nvPr/>
+          </p:nvSpPr>
+          <p:spPr>
+            <a:xfrm rot="10800000">
+              <a:off x="0" y="0"/>
+              <a:ext cx="842596" cy="5666154"/>
+            </a:xfrm>
+            <a:prstGeom prst="triangle">
+              <a:avLst>
+                <a:gd name="adj" fmla="val 100000"/>
+              </a:avLst>
+            </a:prstGeom>
+            <a:solidFill>
+              <a:schemeClr val="accent1">
+                <a:alpha val="85000"/>
+              </a:schemeClr>
+            </a:solidFill>
+            <a:ln>
+              <a:noFill/>
+            </a:ln>
+            <a:effectLst/>
+          </p:spPr>
+          <p:style>
+            <a:lnRef idx="1">
+              <a:schemeClr val="accent1"/>
+            </a:lnRef>
+            <a:fillRef idx="3">
+              <a:schemeClr val="accent1"/>
+            </a:fillRef>
+            <a:effectRef idx="2">
+              <a:schemeClr val="accent1"/>
+            </a:effectRef>
+            <a:fontRef idx="minor">
+              <a:schemeClr val="lt1"/>
+            </a:fontRef>
+          </p:style>
+        </p:sp>
+      </p:grpSp>
+      <p:sp>
+        <p:nvSpPr>
+          <p:cNvPr id="2" name="Title 1"/>
           <p:cNvSpPr>
             <a:spLocks noGrp="1"/>
           </p:cNvSpPr>
@@ -187,15 +766,21 @@
         </p:nvSpPr>
         <p:spPr>
           <a:xfrm>
-            <a:off x="1524000" y="1122363"/>
-            <a:ext cx="9144000" cy="2387600"/>
+            <a:off x="1507067" y="2404534"/>
+            <a:ext cx="7766936" cy="1646302"/>
           </a:xfrm>
         </p:spPr>
         <p:txBody>
-          <a:bodyPr anchor="b"/>
+          <a:bodyPr anchor="b">
+            <a:noAutofit/>
+          </a:bodyPr>
           <a:lstStyle>
-            <a:lvl1pPr algn="ctr">
-              <a:defRPr sz="6000"/>
+            <a:lvl1pPr algn="r">
+              <a:defRPr sz="5400">
+                <a:solidFill>
+                  <a:schemeClr val="accent1"/>
+                </a:solidFill>
+              </a:defRPr>
             </a:lvl1pPr>
           </a:lstStyle>
           <a:p>
@@ -203,18 +788,13 @@
               <a:rPr lang="da-DK"/>
               <a:t>Klik for at redigere titeltypografien i masteren</a:t>
             </a:r>
-          </a:p>
-        </p:txBody>
-      </p:sp>
-      <p:sp>
-        <p:nvSpPr>
-          <p:cNvPr id="3" name="Undertitel 2">
-            <a:extLst>
-              <a:ext uri="{FF2B5EF4-FFF2-40B4-BE49-F238E27FC236}">
-                <a16:creationId xmlns:a16="http://schemas.microsoft.com/office/drawing/2014/main" id="{19C13EE5-DF7C-0140-717E-279A0663FF52}"/>
-              </a:ext>
-            </a:extLst>
-          </p:cNvPr>
+            <a:endParaRPr lang="en-US" dirty="0"/>
+          </a:p>
+        </p:txBody>
+      </p:sp>
+      <p:sp>
+        <p:nvSpPr>
+          <p:cNvPr id="3" name="Subtitle 2"/>
           <p:cNvSpPr>
             <a:spLocks noGrp="1"/>
           </p:cNvSpPr>
@@ -224,48 +804,103 @@
         </p:nvSpPr>
         <p:spPr>
           <a:xfrm>
-            <a:off x="1524000" y="3602038"/>
-            <a:ext cx="9144000" cy="1655762"/>
+            <a:off x="1507067" y="4050833"/>
+            <a:ext cx="7766936" cy="1096899"/>
           </a:xfrm>
         </p:spPr>
         <p:txBody>
-          <a:bodyPr/>
+          <a:bodyPr anchor="t"/>
           <a:lstStyle>
-            <a:lvl1pPr marL="0" indent="0" algn="ctr">
-              <a:buNone/>
-              <a:defRPr sz="2400"/>
+            <a:lvl1pPr marL="0" indent="0" algn="r">
+              <a:buNone/>
+              <a:defRPr>
+                <a:solidFill>
+                  <a:schemeClr val="tx1">
+                    <a:lumMod val="50000"/>
+                    <a:lumOff val="50000"/>
+                  </a:schemeClr>
+                </a:solidFill>
+              </a:defRPr>
             </a:lvl1pPr>
             <a:lvl2pPr marL="457200" indent="0" algn="ctr">
               <a:buNone/>
-              <a:defRPr sz="2000"/>
+              <a:defRPr>
+                <a:solidFill>
+                  <a:schemeClr val="tx1">
+                    <a:tint val="75000"/>
+                  </a:schemeClr>
+                </a:solidFill>
+              </a:defRPr>
             </a:lvl2pPr>
             <a:lvl3pPr marL="914400" indent="0" algn="ctr">
               <a:buNone/>
-              <a:defRPr sz="1800"/>
+              <a:defRPr>
+                <a:solidFill>
+                  <a:schemeClr val="tx1">
+                    <a:tint val="75000"/>
+                  </a:schemeClr>
+                </a:solidFill>
+              </a:defRPr>
             </a:lvl3pPr>
             <a:lvl4pPr marL="1371600" indent="0" algn="ctr">
               <a:buNone/>
-              <a:defRPr sz="1600"/>
+              <a:defRPr>
+                <a:solidFill>
+                  <a:schemeClr val="tx1">
+                    <a:tint val="75000"/>
+                  </a:schemeClr>
+                </a:solidFill>
+              </a:defRPr>
             </a:lvl4pPr>
             <a:lvl5pPr marL="1828800" indent="0" algn="ctr">
               <a:buNone/>
-              <a:defRPr sz="1600"/>
+              <a:defRPr>
+                <a:solidFill>
+                  <a:schemeClr val="tx1">
+                    <a:tint val="75000"/>
+                  </a:schemeClr>
+                </a:solidFill>
+              </a:defRPr>
             </a:lvl5pPr>
             <a:lvl6pPr marL="2286000" indent="0" algn="ctr">
               <a:buNone/>
-              <a:defRPr sz="1600"/>
+              <a:defRPr>
+                <a:solidFill>
+                  <a:schemeClr val="tx1">
+                    <a:tint val="75000"/>
+                  </a:schemeClr>
+                </a:solidFill>
+              </a:defRPr>
             </a:lvl6pPr>
             <a:lvl7pPr marL="2743200" indent="0" algn="ctr">
               <a:buNone/>
-              <a:defRPr sz="1600"/>
+              <a:defRPr>
+                <a:solidFill>
+                  <a:schemeClr val="tx1">
+                    <a:tint val="75000"/>
+                  </a:schemeClr>
+                </a:solidFill>
+              </a:defRPr>
             </a:lvl7pPr>
             <a:lvl8pPr marL="3200400" indent="0" algn="ctr">
               <a:buNone/>
-              <a:defRPr sz="1600"/>
+              <a:defRPr>
+                <a:solidFill>
+                  <a:schemeClr val="tx1">
+                    <a:tint val="75000"/>
+                  </a:schemeClr>
+                </a:solidFill>
+              </a:defRPr>
             </a:lvl8pPr>
             <a:lvl9pPr marL="3657600" indent="0" algn="ctr">
               <a:buNone/>
-              <a:defRPr sz="1600"/>
+              <a:defRPr>
+                <a:solidFill>
+                  <a:schemeClr val="tx1">
+                    <a:tint val="75000"/>
+                  </a:schemeClr>
+                </a:solidFill>
+              </a:defRPr>
             </a:lvl9pPr>
           </a:lstStyle>
           <a:p>
@@ -273,18 +908,13 @@
               <a:rPr lang="da-DK"/>
               <a:t>Klik for at redigere undertiteltypografien i masteren</a:t>
             </a:r>
-          </a:p>
-        </p:txBody>
-      </p:sp>
-      <p:sp>
-        <p:nvSpPr>
-          <p:cNvPr id="4" name="Pladsholder til dato 3">
-            <a:extLst>
-              <a:ext uri="{FF2B5EF4-FFF2-40B4-BE49-F238E27FC236}">
-                <a16:creationId xmlns:a16="http://schemas.microsoft.com/office/drawing/2014/main" id="{22600CCE-5E20-70F6-4889-8F0F755D05A0}"/>
-              </a:ext>
-            </a:extLst>
-          </p:cNvPr>
+            <a:endParaRPr lang="en-US" dirty="0"/>
+          </a:p>
+        </p:txBody>
+      </p:sp>
+      <p:sp>
+        <p:nvSpPr>
+          <p:cNvPr id="4" name="Date Placeholder 3"/>
           <p:cNvSpPr>
             <a:spLocks noGrp="1"/>
           </p:cNvSpPr>
@@ -299,7 +929,7 @@
           <a:p>
             <a:fld id="{91030A3A-3FC1-45BF-B872-DDA6D7DD7D4B}" type="datetimeFigureOut">
               <a:rPr lang="da-DK" smtClean="0"/>
-              <a:t>27-09-2023</a:t>
+              <a:t>04-10-2023</a:t>
             </a:fld>
             <a:endParaRPr lang="da-DK"/>
           </a:p>
@@ -307,13 +937,7 @@
       </p:sp>
       <p:sp>
         <p:nvSpPr>
-          <p:cNvPr id="5" name="Pladsholder til sidefod 4">
-            <a:extLst>
-              <a:ext uri="{FF2B5EF4-FFF2-40B4-BE49-F238E27FC236}">
-                <a16:creationId xmlns:a16="http://schemas.microsoft.com/office/drawing/2014/main" id="{2A39C711-E02D-DE4E-4002-51BE9826E4E6}"/>
-              </a:ext>
-            </a:extLst>
-          </p:cNvPr>
+          <p:cNvPr id="5" name="Footer Placeholder 4"/>
           <p:cNvSpPr>
             <a:spLocks noGrp="1"/>
           </p:cNvSpPr>
@@ -332,13 +956,7 @@
       </p:sp>
       <p:sp>
         <p:nvSpPr>
-          <p:cNvPr id="6" name="Pladsholder til slidenummer 5">
-            <a:extLst>
-              <a:ext uri="{FF2B5EF4-FFF2-40B4-BE49-F238E27FC236}">
-                <a16:creationId xmlns:a16="http://schemas.microsoft.com/office/drawing/2014/main" id="{6C1792FF-2F23-4486-C532-FBBF430C8647}"/>
-              </a:ext>
-            </a:extLst>
-          </p:cNvPr>
+          <p:cNvPr id="6" name="Slide Number Placeholder 5"/>
           <p:cNvSpPr>
             <a:spLocks noGrp="1"/>
           </p:cNvSpPr>
@@ -362,7 +980,7 @@
     </p:spTree>
     <p:extLst>
       <p:ext uri="{BB962C8B-B14F-4D97-AF65-F5344CB8AC3E}">
-        <p14:creationId xmlns:p14="http://schemas.microsoft.com/office/powerpoint/2010/main" val="1155907910"/>
+        <p14:creationId xmlns:p14="http://schemas.microsoft.com/office/powerpoint/2010/main" val="428981877"/>
       </p:ext>
     </p:extLst>
   </p:cSld>
@@ -373,6 +991,1619 @@
 </file>
 
 <file path=ppt/slideLayouts/slideLayout10.xml><?xml version="1.0" encoding="utf-8"?>
+<p:sldLayout xmlns:a="http://schemas.openxmlformats.org/drawingml/2006/main" xmlns:r="http://schemas.openxmlformats.org/officeDocument/2006/relationships" xmlns:p="http://schemas.openxmlformats.org/presentationml/2006/main" preserve="1">
+  <p:cSld name="Titel og billedtekst">
+    <p:spTree>
+      <p:nvGrpSpPr>
+        <p:cNvPr id="1" name=""/>
+        <p:cNvGrpSpPr/>
+        <p:nvPr/>
+      </p:nvGrpSpPr>
+      <p:grpSpPr>
+        <a:xfrm>
+          <a:off x="0" y="0"/>
+          <a:ext cx="0" cy="0"/>
+          <a:chOff x="0" y="0"/>
+          <a:chExt cx="0" cy="0"/>
+        </a:xfrm>
+      </p:grpSpPr>
+      <p:sp>
+        <p:nvSpPr>
+          <p:cNvPr id="2" name="Title 1"/>
+          <p:cNvSpPr>
+            <a:spLocks noGrp="1"/>
+          </p:cNvSpPr>
+          <p:nvPr>
+            <p:ph type="title"/>
+          </p:nvPr>
+        </p:nvSpPr>
+        <p:spPr>
+          <a:xfrm>
+            <a:off x="677335" y="609600"/>
+            <a:ext cx="8596668" cy="3403600"/>
+          </a:xfrm>
+        </p:spPr>
+        <p:txBody>
+          <a:bodyPr anchor="ctr">
+            <a:normAutofit/>
+          </a:bodyPr>
+          <a:lstStyle>
+            <a:lvl1pPr algn="l">
+              <a:defRPr sz="4400" b="0" cap="none"/>
+            </a:lvl1pPr>
+          </a:lstStyle>
+          <a:p>
+            <a:r>
+              <a:rPr lang="da-DK"/>
+              <a:t>Klik for at redigere titeltypografien i masteren</a:t>
+            </a:r>
+            <a:endParaRPr lang="en-US" dirty="0"/>
+          </a:p>
+        </p:txBody>
+      </p:sp>
+      <p:sp>
+        <p:nvSpPr>
+          <p:cNvPr id="3" name="Text Placeholder 2"/>
+          <p:cNvSpPr>
+            <a:spLocks noGrp="1"/>
+          </p:cNvSpPr>
+          <p:nvPr>
+            <p:ph type="body" idx="1"/>
+          </p:nvPr>
+        </p:nvSpPr>
+        <p:spPr>
+          <a:xfrm>
+            <a:off x="677335" y="4470400"/>
+            <a:ext cx="8596668" cy="1570962"/>
+          </a:xfrm>
+        </p:spPr>
+        <p:txBody>
+          <a:bodyPr anchor="ctr">
+            <a:normAutofit/>
+          </a:bodyPr>
+          <a:lstStyle>
+            <a:lvl1pPr marL="0" indent="0" algn="l">
+              <a:buNone/>
+              <a:defRPr sz="1800">
+                <a:solidFill>
+                  <a:schemeClr val="tx1">
+                    <a:lumMod val="75000"/>
+                    <a:lumOff val="25000"/>
+                  </a:schemeClr>
+                </a:solidFill>
+              </a:defRPr>
+            </a:lvl1pPr>
+            <a:lvl2pPr marL="457200" indent="0">
+              <a:buNone/>
+              <a:defRPr sz="1800">
+                <a:solidFill>
+                  <a:schemeClr val="tx1">
+                    <a:tint val="75000"/>
+                  </a:schemeClr>
+                </a:solidFill>
+              </a:defRPr>
+            </a:lvl2pPr>
+            <a:lvl3pPr marL="914400" indent="0">
+              <a:buNone/>
+              <a:defRPr sz="1600">
+                <a:solidFill>
+                  <a:schemeClr val="tx1">
+                    <a:tint val="75000"/>
+                  </a:schemeClr>
+                </a:solidFill>
+              </a:defRPr>
+            </a:lvl3pPr>
+            <a:lvl4pPr marL="1371600" indent="0">
+              <a:buNone/>
+              <a:defRPr sz="1400">
+                <a:solidFill>
+                  <a:schemeClr val="tx1">
+                    <a:tint val="75000"/>
+                  </a:schemeClr>
+                </a:solidFill>
+              </a:defRPr>
+            </a:lvl4pPr>
+            <a:lvl5pPr marL="1828800" indent="0">
+              <a:buNone/>
+              <a:defRPr sz="1400">
+                <a:solidFill>
+                  <a:schemeClr val="tx1">
+                    <a:tint val="75000"/>
+                  </a:schemeClr>
+                </a:solidFill>
+              </a:defRPr>
+            </a:lvl5pPr>
+            <a:lvl6pPr marL="2286000" indent="0">
+              <a:buNone/>
+              <a:defRPr sz="1400">
+                <a:solidFill>
+                  <a:schemeClr val="tx1">
+                    <a:tint val="75000"/>
+                  </a:schemeClr>
+                </a:solidFill>
+              </a:defRPr>
+            </a:lvl6pPr>
+            <a:lvl7pPr marL="2743200" indent="0">
+              <a:buNone/>
+              <a:defRPr sz="1400">
+                <a:solidFill>
+                  <a:schemeClr val="tx1">
+                    <a:tint val="75000"/>
+                  </a:schemeClr>
+                </a:solidFill>
+              </a:defRPr>
+            </a:lvl7pPr>
+            <a:lvl8pPr marL="3200400" indent="0">
+              <a:buNone/>
+              <a:defRPr sz="1400">
+                <a:solidFill>
+                  <a:schemeClr val="tx1">
+                    <a:tint val="75000"/>
+                  </a:schemeClr>
+                </a:solidFill>
+              </a:defRPr>
+            </a:lvl8pPr>
+            <a:lvl9pPr marL="3657600" indent="0">
+              <a:buNone/>
+              <a:defRPr sz="1400">
+                <a:solidFill>
+                  <a:schemeClr val="tx1">
+                    <a:tint val="75000"/>
+                  </a:schemeClr>
+                </a:solidFill>
+              </a:defRPr>
+            </a:lvl9pPr>
+          </a:lstStyle>
+          <a:p>
+            <a:pPr lvl="0"/>
+            <a:r>
+              <a:rPr lang="da-DK"/>
+              <a:t>Klik for at redigere teksttypografierne i masteren</a:t>
+            </a:r>
+          </a:p>
+        </p:txBody>
+      </p:sp>
+      <p:sp>
+        <p:nvSpPr>
+          <p:cNvPr id="4" name="Date Placeholder 3"/>
+          <p:cNvSpPr>
+            <a:spLocks noGrp="1"/>
+          </p:cNvSpPr>
+          <p:nvPr>
+            <p:ph type="dt" sz="half" idx="10"/>
+          </p:nvPr>
+        </p:nvSpPr>
+        <p:spPr/>
+        <p:txBody>
+          <a:bodyPr/>
+          <a:lstStyle/>
+          <a:p>
+            <a:fld id="{91030A3A-3FC1-45BF-B872-DDA6D7DD7D4B}" type="datetimeFigureOut">
+              <a:rPr lang="da-DK" smtClean="0"/>
+              <a:t>04-10-2023</a:t>
+            </a:fld>
+            <a:endParaRPr lang="da-DK"/>
+          </a:p>
+        </p:txBody>
+      </p:sp>
+      <p:sp>
+        <p:nvSpPr>
+          <p:cNvPr id="5" name="Footer Placeholder 4"/>
+          <p:cNvSpPr>
+            <a:spLocks noGrp="1"/>
+          </p:cNvSpPr>
+          <p:nvPr>
+            <p:ph type="ftr" sz="quarter" idx="11"/>
+          </p:nvPr>
+        </p:nvSpPr>
+        <p:spPr/>
+        <p:txBody>
+          <a:bodyPr/>
+          <a:lstStyle/>
+          <a:p>
+            <a:endParaRPr lang="da-DK"/>
+          </a:p>
+        </p:txBody>
+      </p:sp>
+      <p:sp>
+        <p:nvSpPr>
+          <p:cNvPr id="6" name="Slide Number Placeholder 5"/>
+          <p:cNvSpPr>
+            <a:spLocks noGrp="1"/>
+          </p:cNvSpPr>
+          <p:nvPr>
+            <p:ph type="sldNum" sz="quarter" idx="12"/>
+          </p:nvPr>
+        </p:nvSpPr>
+        <p:spPr/>
+        <p:txBody>
+          <a:bodyPr/>
+          <a:lstStyle/>
+          <a:p>
+            <a:fld id="{BAC1FFA9-E0BA-472E-BF2F-9F4138DA0322}" type="slidenum">
+              <a:rPr lang="da-DK" smtClean="0"/>
+              <a:t>‹nr.›</a:t>
+            </a:fld>
+            <a:endParaRPr lang="da-DK"/>
+          </a:p>
+        </p:txBody>
+      </p:sp>
+    </p:spTree>
+    <p:extLst>
+      <p:ext uri="{BB962C8B-B14F-4D97-AF65-F5344CB8AC3E}">
+        <p14:creationId xmlns:p14="http://schemas.microsoft.com/office/powerpoint/2010/main" val="784691933"/>
+      </p:ext>
+    </p:extLst>
+  </p:cSld>
+  <p:clrMapOvr>
+    <a:masterClrMapping/>
+  </p:clrMapOvr>
+</p:sldLayout>
+</file>
+
+<file path=ppt/slideLayouts/slideLayout11.xml><?xml version="1.0" encoding="utf-8"?>
+<p:sldLayout xmlns:a="http://schemas.openxmlformats.org/drawingml/2006/main" xmlns:r="http://schemas.openxmlformats.org/officeDocument/2006/relationships" xmlns:p="http://schemas.openxmlformats.org/presentationml/2006/main" preserve="1">
+  <p:cSld name="Citat med billedtekst">
+    <p:spTree>
+      <p:nvGrpSpPr>
+        <p:cNvPr id="1" name=""/>
+        <p:cNvGrpSpPr/>
+        <p:nvPr/>
+      </p:nvGrpSpPr>
+      <p:grpSpPr>
+        <a:xfrm>
+          <a:off x="0" y="0"/>
+          <a:ext cx="0" cy="0"/>
+          <a:chOff x="0" y="0"/>
+          <a:chExt cx="0" cy="0"/>
+        </a:xfrm>
+      </p:grpSpPr>
+      <p:sp>
+        <p:nvSpPr>
+          <p:cNvPr id="2" name="Title 1"/>
+          <p:cNvSpPr>
+            <a:spLocks noGrp="1"/>
+          </p:cNvSpPr>
+          <p:nvPr>
+            <p:ph type="title"/>
+          </p:nvPr>
+        </p:nvSpPr>
+        <p:spPr>
+          <a:xfrm>
+            <a:off x="931334" y="609600"/>
+            <a:ext cx="8094134" cy="3022600"/>
+          </a:xfrm>
+        </p:spPr>
+        <p:txBody>
+          <a:bodyPr anchor="ctr">
+            <a:normAutofit/>
+          </a:bodyPr>
+          <a:lstStyle>
+            <a:lvl1pPr algn="l">
+              <a:defRPr sz="4400" b="0" cap="none"/>
+            </a:lvl1pPr>
+          </a:lstStyle>
+          <a:p>
+            <a:r>
+              <a:rPr lang="da-DK"/>
+              <a:t>Klik for at redigere titeltypografien i masteren</a:t>
+            </a:r>
+            <a:endParaRPr lang="en-US" dirty="0"/>
+          </a:p>
+        </p:txBody>
+      </p:sp>
+      <p:sp>
+        <p:nvSpPr>
+          <p:cNvPr id="23" name="Text Placeholder 9"/>
+          <p:cNvSpPr>
+            <a:spLocks noGrp="1"/>
+          </p:cNvSpPr>
+          <p:nvPr>
+            <p:ph type="body" sz="quarter" idx="13"/>
+          </p:nvPr>
+        </p:nvSpPr>
+        <p:spPr>
+          <a:xfrm>
+            <a:off x="1366139" y="3632200"/>
+            <a:ext cx="7224524" cy="381000"/>
+          </a:xfrm>
+        </p:spPr>
+        <p:txBody>
+          <a:bodyPr anchor="ctr">
+            <a:noAutofit/>
+          </a:bodyPr>
+          <a:lstStyle>
+            <a:lvl1pPr marL="0" indent="0">
+              <a:buFontTx/>
+              <a:buNone/>
+              <a:defRPr sz="1600">
+                <a:solidFill>
+                  <a:schemeClr val="tx1">
+                    <a:lumMod val="50000"/>
+                    <a:lumOff val="50000"/>
+                  </a:schemeClr>
+                </a:solidFill>
+              </a:defRPr>
+            </a:lvl1pPr>
+            <a:lvl2pPr marL="457200" indent="0">
+              <a:buFontTx/>
+              <a:buNone/>
+              <a:defRPr/>
+            </a:lvl2pPr>
+            <a:lvl3pPr marL="914400" indent="0">
+              <a:buFontTx/>
+              <a:buNone/>
+              <a:defRPr/>
+            </a:lvl3pPr>
+            <a:lvl4pPr marL="1371600" indent="0">
+              <a:buFontTx/>
+              <a:buNone/>
+              <a:defRPr/>
+            </a:lvl4pPr>
+            <a:lvl5pPr marL="1828800" indent="0">
+              <a:buFontTx/>
+              <a:buNone/>
+              <a:defRPr/>
+            </a:lvl5pPr>
+          </a:lstStyle>
+          <a:p>
+            <a:pPr lvl="0"/>
+            <a:r>
+              <a:rPr lang="da-DK"/>
+              <a:t>Klik for at redigere teksttypografierne i masteren</a:t>
+            </a:r>
+          </a:p>
+        </p:txBody>
+      </p:sp>
+      <p:sp>
+        <p:nvSpPr>
+          <p:cNvPr id="3" name="Text Placeholder 2"/>
+          <p:cNvSpPr>
+            <a:spLocks noGrp="1"/>
+          </p:cNvSpPr>
+          <p:nvPr>
+            <p:ph type="body" idx="1"/>
+          </p:nvPr>
+        </p:nvSpPr>
+        <p:spPr>
+          <a:xfrm>
+            <a:off x="677335" y="4470400"/>
+            <a:ext cx="8596668" cy="1570962"/>
+          </a:xfrm>
+        </p:spPr>
+        <p:txBody>
+          <a:bodyPr anchor="ctr">
+            <a:normAutofit/>
+          </a:bodyPr>
+          <a:lstStyle>
+            <a:lvl1pPr marL="0" indent="0" algn="l">
+              <a:buNone/>
+              <a:defRPr sz="1800">
+                <a:solidFill>
+                  <a:schemeClr val="tx1">
+                    <a:lumMod val="75000"/>
+                    <a:lumOff val="25000"/>
+                  </a:schemeClr>
+                </a:solidFill>
+              </a:defRPr>
+            </a:lvl1pPr>
+            <a:lvl2pPr marL="457200" indent="0">
+              <a:buNone/>
+              <a:defRPr sz="1800">
+                <a:solidFill>
+                  <a:schemeClr val="tx1">
+                    <a:tint val="75000"/>
+                  </a:schemeClr>
+                </a:solidFill>
+              </a:defRPr>
+            </a:lvl2pPr>
+            <a:lvl3pPr marL="914400" indent="0">
+              <a:buNone/>
+              <a:defRPr sz="1600">
+                <a:solidFill>
+                  <a:schemeClr val="tx1">
+                    <a:tint val="75000"/>
+                  </a:schemeClr>
+                </a:solidFill>
+              </a:defRPr>
+            </a:lvl3pPr>
+            <a:lvl4pPr marL="1371600" indent="0">
+              <a:buNone/>
+              <a:defRPr sz="1400">
+                <a:solidFill>
+                  <a:schemeClr val="tx1">
+                    <a:tint val="75000"/>
+                  </a:schemeClr>
+                </a:solidFill>
+              </a:defRPr>
+            </a:lvl4pPr>
+            <a:lvl5pPr marL="1828800" indent="0">
+              <a:buNone/>
+              <a:defRPr sz="1400">
+                <a:solidFill>
+                  <a:schemeClr val="tx1">
+                    <a:tint val="75000"/>
+                  </a:schemeClr>
+                </a:solidFill>
+              </a:defRPr>
+            </a:lvl5pPr>
+            <a:lvl6pPr marL="2286000" indent="0">
+              <a:buNone/>
+              <a:defRPr sz="1400">
+                <a:solidFill>
+                  <a:schemeClr val="tx1">
+                    <a:tint val="75000"/>
+                  </a:schemeClr>
+                </a:solidFill>
+              </a:defRPr>
+            </a:lvl6pPr>
+            <a:lvl7pPr marL="2743200" indent="0">
+              <a:buNone/>
+              <a:defRPr sz="1400">
+                <a:solidFill>
+                  <a:schemeClr val="tx1">
+                    <a:tint val="75000"/>
+                  </a:schemeClr>
+                </a:solidFill>
+              </a:defRPr>
+            </a:lvl7pPr>
+            <a:lvl8pPr marL="3200400" indent="0">
+              <a:buNone/>
+              <a:defRPr sz="1400">
+                <a:solidFill>
+                  <a:schemeClr val="tx1">
+                    <a:tint val="75000"/>
+                  </a:schemeClr>
+                </a:solidFill>
+              </a:defRPr>
+            </a:lvl8pPr>
+            <a:lvl9pPr marL="3657600" indent="0">
+              <a:buNone/>
+              <a:defRPr sz="1400">
+                <a:solidFill>
+                  <a:schemeClr val="tx1">
+                    <a:tint val="75000"/>
+                  </a:schemeClr>
+                </a:solidFill>
+              </a:defRPr>
+            </a:lvl9pPr>
+          </a:lstStyle>
+          <a:p>
+            <a:pPr lvl="0"/>
+            <a:r>
+              <a:rPr lang="da-DK"/>
+              <a:t>Klik for at redigere teksttypografierne i masteren</a:t>
+            </a:r>
+          </a:p>
+        </p:txBody>
+      </p:sp>
+      <p:sp>
+        <p:nvSpPr>
+          <p:cNvPr id="4" name="Date Placeholder 3"/>
+          <p:cNvSpPr>
+            <a:spLocks noGrp="1"/>
+          </p:cNvSpPr>
+          <p:nvPr>
+            <p:ph type="dt" sz="half" idx="10"/>
+          </p:nvPr>
+        </p:nvSpPr>
+        <p:spPr/>
+        <p:txBody>
+          <a:bodyPr/>
+          <a:lstStyle/>
+          <a:p>
+            <a:fld id="{91030A3A-3FC1-45BF-B872-DDA6D7DD7D4B}" type="datetimeFigureOut">
+              <a:rPr lang="da-DK" smtClean="0"/>
+              <a:t>04-10-2023</a:t>
+            </a:fld>
+            <a:endParaRPr lang="da-DK"/>
+          </a:p>
+        </p:txBody>
+      </p:sp>
+      <p:sp>
+        <p:nvSpPr>
+          <p:cNvPr id="5" name="Footer Placeholder 4"/>
+          <p:cNvSpPr>
+            <a:spLocks noGrp="1"/>
+          </p:cNvSpPr>
+          <p:nvPr>
+            <p:ph type="ftr" sz="quarter" idx="11"/>
+          </p:nvPr>
+        </p:nvSpPr>
+        <p:spPr/>
+        <p:txBody>
+          <a:bodyPr/>
+          <a:lstStyle/>
+          <a:p>
+            <a:endParaRPr lang="da-DK"/>
+          </a:p>
+        </p:txBody>
+      </p:sp>
+      <p:sp>
+        <p:nvSpPr>
+          <p:cNvPr id="6" name="Slide Number Placeholder 5"/>
+          <p:cNvSpPr>
+            <a:spLocks noGrp="1"/>
+          </p:cNvSpPr>
+          <p:nvPr>
+            <p:ph type="sldNum" sz="quarter" idx="12"/>
+          </p:nvPr>
+        </p:nvSpPr>
+        <p:spPr/>
+        <p:txBody>
+          <a:bodyPr/>
+          <a:lstStyle/>
+          <a:p>
+            <a:fld id="{BAC1FFA9-E0BA-472E-BF2F-9F4138DA0322}" type="slidenum">
+              <a:rPr lang="da-DK" smtClean="0"/>
+              <a:t>‹nr.›</a:t>
+            </a:fld>
+            <a:endParaRPr lang="da-DK"/>
+          </a:p>
+        </p:txBody>
+      </p:sp>
+      <p:sp>
+        <p:nvSpPr>
+          <p:cNvPr id="20" name="TextBox 19"/>
+          <p:cNvSpPr txBox="1"/>
+          <p:nvPr/>
+        </p:nvSpPr>
+        <p:spPr>
+          <a:xfrm>
+            <a:off x="541870" y="790378"/>
+            <a:ext cx="609600" cy="584776"/>
+          </a:xfrm>
+          <a:prstGeom prst="rect">
+            <a:avLst/>
+          </a:prstGeom>
+        </p:spPr>
+        <p:txBody>
+          <a:bodyPr vert="horz" lIns="91440" tIns="45720" rIns="91440" bIns="45720" rtlCol="0" anchor="ctr">
+            <a:noAutofit/>
+          </a:bodyPr>
+          <a:lstStyle/>
+          <a:p>
+            <a:pPr lvl="0"/>
+            <a:r>
+              <a:rPr lang="en-US" sz="8000" baseline="0" dirty="0">
+                <a:ln w="3175" cmpd="sng">
+                  <a:noFill/>
+                </a:ln>
+                <a:solidFill>
+                  <a:schemeClr val="accent1">
+                    <a:lumMod val="60000"/>
+                    <a:lumOff val="40000"/>
+                  </a:schemeClr>
+                </a:solidFill>
+                <a:effectLst/>
+                <a:latin typeface="Arial"/>
+              </a:rPr>
+              <a:t>“</a:t>
+            </a:r>
+          </a:p>
+        </p:txBody>
+      </p:sp>
+      <p:sp>
+        <p:nvSpPr>
+          <p:cNvPr id="22" name="TextBox 21"/>
+          <p:cNvSpPr txBox="1"/>
+          <p:nvPr/>
+        </p:nvSpPr>
+        <p:spPr>
+          <a:xfrm>
+            <a:off x="8893011" y="2886556"/>
+            <a:ext cx="609600" cy="584776"/>
+          </a:xfrm>
+          <a:prstGeom prst="rect">
+            <a:avLst/>
+          </a:prstGeom>
+        </p:spPr>
+        <p:txBody>
+          <a:bodyPr vert="horz" lIns="91440" tIns="45720" rIns="91440" bIns="45720" rtlCol="0" anchor="ctr">
+            <a:noAutofit/>
+          </a:bodyPr>
+          <a:lstStyle/>
+          <a:p>
+            <a:pPr lvl="0"/>
+            <a:r>
+              <a:rPr lang="en-US" sz="8000" baseline="0" dirty="0">
+                <a:ln w="3175" cmpd="sng">
+                  <a:noFill/>
+                </a:ln>
+                <a:solidFill>
+                  <a:schemeClr val="accent1">
+                    <a:lumMod val="60000"/>
+                    <a:lumOff val="40000"/>
+                  </a:schemeClr>
+                </a:solidFill>
+                <a:latin typeface="Arial"/>
+              </a:rPr>
+              <a:t>”</a:t>
+            </a:r>
+            <a:endParaRPr lang="en-US" dirty="0">
+              <a:solidFill>
+                <a:schemeClr val="accent1">
+                  <a:lumMod val="60000"/>
+                  <a:lumOff val="40000"/>
+                </a:schemeClr>
+              </a:solidFill>
+              <a:latin typeface="Arial"/>
+            </a:endParaRPr>
+          </a:p>
+        </p:txBody>
+      </p:sp>
+    </p:spTree>
+    <p:extLst>
+      <p:ext uri="{BB962C8B-B14F-4D97-AF65-F5344CB8AC3E}">
+        <p14:creationId xmlns:p14="http://schemas.microsoft.com/office/powerpoint/2010/main" val="481728674"/>
+      </p:ext>
+    </p:extLst>
+  </p:cSld>
+  <p:clrMapOvr>
+    <a:masterClrMapping/>
+  </p:clrMapOvr>
+</p:sldLayout>
+</file>
+
+<file path=ppt/slideLayouts/slideLayout12.xml><?xml version="1.0" encoding="utf-8"?>
+<p:sldLayout xmlns:a="http://schemas.openxmlformats.org/drawingml/2006/main" xmlns:r="http://schemas.openxmlformats.org/officeDocument/2006/relationships" xmlns:p="http://schemas.openxmlformats.org/presentationml/2006/main" preserve="1">
+  <p:cSld name="Navnekort">
+    <p:spTree>
+      <p:nvGrpSpPr>
+        <p:cNvPr id="1" name=""/>
+        <p:cNvGrpSpPr/>
+        <p:nvPr/>
+      </p:nvGrpSpPr>
+      <p:grpSpPr>
+        <a:xfrm>
+          <a:off x="0" y="0"/>
+          <a:ext cx="0" cy="0"/>
+          <a:chOff x="0" y="0"/>
+          <a:chExt cx="0" cy="0"/>
+        </a:xfrm>
+      </p:grpSpPr>
+      <p:sp>
+        <p:nvSpPr>
+          <p:cNvPr id="2" name="Title 1"/>
+          <p:cNvSpPr>
+            <a:spLocks noGrp="1"/>
+          </p:cNvSpPr>
+          <p:nvPr>
+            <p:ph type="title"/>
+          </p:nvPr>
+        </p:nvSpPr>
+        <p:spPr>
+          <a:xfrm>
+            <a:off x="677335" y="1931988"/>
+            <a:ext cx="8596668" cy="2595460"/>
+          </a:xfrm>
+        </p:spPr>
+        <p:txBody>
+          <a:bodyPr anchor="b">
+            <a:normAutofit/>
+          </a:bodyPr>
+          <a:lstStyle>
+            <a:lvl1pPr algn="l">
+              <a:defRPr sz="4400" b="0" cap="none"/>
+            </a:lvl1pPr>
+          </a:lstStyle>
+          <a:p>
+            <a:r>
+              <a:rPr lang="da-DK"/>
+              <a:t>Klik for at redigere titeltypografien i masteren</a:t>
+            </a:r>
+            <a:endParaRPr lang="en-US" dirty="0"/>
+          </a:p>
+        </p:txBody>
+      </p:sp>
+      <p:sp>
+        <p:nvSpPr>
+          <p:cNvPr id="3" name="Text Placeholder 2"/>
+          <p:cNvSpPr>
+            <a:spLocks noGrp="1"/>
+          </p:cNvSpPr>
+          <p:nvPr>
+            <p:ph type="body" idx="1"/>
+          </p:nvPr>
+        </p:nvSpPr>
+        <p:spPr>
+          <a:xfrm>
+            <a:off x="677335" y="4527448"/>
+            <a:ext cx="8596668" cy="1513914"/>
+          </a:xfrm>
+        </p:spPr>
+        <p:txBody>
+          <a:bodyPr anchor="t">
+            <a:normAutofit/>
+          </a:bodyPr>
+          <a:lstStyle>
+            <a:lvl1pPr marL="0" indent="0" algn="l">
+              <a:buNone/>
+              <a:defRPr sz="1800">
+                <a:solidFill>
+                  <a:schemeClr val="tx1">
+                    <a:lumMod val="75000"/>
+                    <a:lumOff val="25000"/>
+                  </a:schemeClr>
+                </a:solidFill>
+              </a:defRPr>
+            </a:lvl1pPr>
+            <a:lvl2pPr marL="457200" indent="0">
+              <a:buNone/>
+              <a:defRPr sz="1800">
+                <a:solidFill>
+                  <a:schemeClr val="tx1">
+                    <a:tint val="75000"/>
+                  </a:schemeClr>
+                </a:solidFill>
+              </a:defRPr>
+            </a:lvl2pPr>
+            <a:lvl3pPr marL="914400" indent="0">
+              <a:buNone/>
+              <a:defRPr sz="1600">
+                <a:solidFill>
+                  <a:schemeClr val="tx1">
+                    <a:tint val="75000"/>
+                  </a:schemeClr>
+                </a:solidFill>
+              </a:defRPr>
+            </a:lvl3pPr>
+            <a:lvl4pPr marL="1371600" indent="0">
+              <a:buNone/>
+              <a:defRPr sz="1400">
+                <a:solidFill>
+                  <a:schemeClr val="tx1">
+                    <a:tint val="75000"/>
+                  </a:schemeClr>
+                </a:solidFill>
+              </a:defRPr>
+            </a:lvl4pPr>
+            <a:lvl5pPr marL="1828800" indent="0">
+              <a:buNone/>
+              <a:defRPr sz="1400">
+                <a:solidFill>
+                  <a:schemeClr val="tx1">
+                    <a:tint val="75000"/>
+                  </a:schemeClr>
+                </a:solidFill>
+              </a:defRPr>
+            </a:lvl5pPr>
+            <a:lvl6pPr marL="2286000" indent="0">
+              <a:buNone/>
+              <a:defRPr sz="1400">
+                <a:solidFill>
+                  <a:schemeClr val="tx1">
+                    <a:tint val="75000"/>
+                  </a:schemeClr>
+                </a:solidFill>
+              </a:defRPr>
+            </a:lvl6pPr>
+            <a:lvl7pPr marL="2743200" indent="0">
+              <a:buNone/>
+              <a:defRPr sz="1400">
+                <a:solidFill>
+                  <a:schemeClr val="tx1">
+                    <a:tint val="75000"/>
+                  </a:schemeClr>
+                </a:solidFill>
+              </a:defRPr>
+            </a:lvl7pPr>
+            <a:lvl8pPr marL="3200400" indent="0">
+              <a:buNone/>
+              <a:defRPr sz="1400">
+                <a:solidFill>
+                  <a:schemeClr val="tx1">
+                    <a:tint val="75000"/>
+                  </a:schemeClr>
+                </a:solidFill>
+              </a:defRPr>
+            </a:lvl8pPr>
+            <a:lvl9pPr marL="3657600" indent="0">
+              <a:buNone/>
+              <a:defRPr sz="1400">
+                <a:solidFill>
+                  <a:schemeClr val="tx1">
+                    <a:tint val="75000"/>
+                  </a:schemeClr>
+                </a:solidFill>
+              </a:defRPr>
+            </a:lvl9pPr>
+          </a:lstStyle>
+          <a:p>
+            <a:pPr lvl="0"/>
+            <a:r>
+              <a:rPr lang="da-DK"/>
+              <a:t>Klik for at redigere teksttypografierne i masteren</a:t>
+            </a:r>
+          </a:p>
+        </p:txBody>
+      </p:sp>
+      <p:sp>
+        <p:nvSpPr>
+          <p:cNvPr id="4" name="Date Placeholder 3"/>
+          <p:cNvSpPr>
+            <a:spLocks noGrp="1"/>
+          </p:cNvSpPr>
+          <p:nvPr>
+            <p:ph type="dt" sz="half" idx="10"/>
+          </p:nvPr>
+        </p:nvSpPr>
+        <p:spPr/>
+        <p:txBody>
+          <a:bodyPr/>
+          <a:lstStyle/>
+          <a:p>
+            <a:fld id="{91030A3A-3FC1-45BF-B872-DDA6D7DD7D4B}" type="datetimeFigureOut">
+              <a:rPr lang="da-DK" smtClean="0"/>
+              <a:t>04-10-2023</a:t>
+            </a:fld>
+            <a:endParaRPr lang="da-DK"/>
+          </a:p>
+        </p:txBody>
+      </p:sp>
+      <p:sp>
+        <p:nvSpPr>
+          <p:cNvPr id="5" name="Footer Placeholder 4"/>
+          <p:cNvSpPr>
+            <a:spLocks noGrp="1"/>
+          </p:cNvSpPr>
+          <p:nvPr>
+            <p:ph type="ftr" sz="quarter" idx="11"/>
+          </p:nvPr>
+        </p:nvSpPr>
+        <p:spPr/>
+        <p:txBody>
+          <a:bodyPr/>
+          <a:lstStyle/>
+          <a:p>
+            <a:endParaRPr lang="da-DK"/>
+          </a:p>
+        </p:txBody>
+      </p:sp>
+      <p:sp>
+        <p:nvSpPr>
+          <p:cNvPr id="6" name="Slide Number Placeholder 5"/>
+          <p:cNvSpPr>
+            <a:spLocks noGrp="1"/>
+          </p:cNvSpPr>
+          <p:nvPr>
+            <p:ph type="sldNum" sz="quarter" idx="12"/>
+          </p:nvPr>
+        </p:nvSpPr>
+        <p:spPr/>
+        <p:txBody>
+          <a:bodyPr/>
+          <a:lstStyle/>
+          <a:p>
+            <a:fld id="{BAC1FFA9-E0BA-472E-BF2F-9F4138DA0322}" type="slidenum">
+              <a:rPr lang="da-DK" smtClean="0"/>
+              <a:t>‹nr.›</a:t>
+            </a:fld>
+            <a:endParaRPr lang="da-DK"/>
+          </a:p>
+        </p:txBody>
+      </p:sp>
+    </p:spTree>
+    <p:extLst>
+      <p:ext uri="{BB962C8B-B14F-4D97-AF65-F5344CB8AC3E}">
+        <p14:creationId xmlns:p14="http://schemas.microsoft.com/office/powerpoint/2010/main" val="1462261513"/>
+      </p:ext>
+    </p:extLst>
+  </p:cSld>
+  <p:clrMapOvr>
+    <a:masterClrMapping/>
+  </p:clrMapOvr>
+</p:sldLayout>
+</file>
+
+<file path=ppt/slideLayouts/slideLayout13.xml><?xml version="1.0" encoding="utf-8"?>
+<p:sldLayout xmlns:a="http://schemas.openxmlformats.org/drawingml/2006/main" xmlns:r="http://schemas.openxmlformats.org/officeDocument/2006/relationships" xmlns:p="http://schemas.openxmlformats.org/presentationml/2006/main" preserve="1">
+  <p:cSld name="Kort med citat og navn">
+    <p:spTree>
+      <p:nvGrpSpPr>
+        <p:cNvPr id="1" name=""/>
+        <p:cNvGrpSpPr/>
+        <p:nvPr/>
+      </p:nvGrpSpPr>
+      <p:grpSpPr>
+        <a:xfrm>
+          <a:off x="0" y="0"/>
+          <a:ext cx="0" cy="0"/>
+          <a:chOff x="0" y="0"/>
+          <a:chExt cx="0" cy="0"/>
+        </a:xfrm>
+      </p:grpSpPr>
+      <p:sp>
+        <p:nvSpPr>
+          <p:cNvPr id="2" name="Title 1"/>
+          <p:cNvSpPr>
+            <a:spLocks noGrp="1"/>
+          </p:cNvSpPr>
+          <p:nvPr>
+            <p:ph type="title"/>
+          </p:nvPr>
+        </p:nvSpPr>
+        <p:spPr>
+          <a:xfrm>
+            <a:off x="931334" y="609600"/>
+            <a:ext cx="8094134" cy="3022600"/>
+          </a:xfrm>
+        </p:spPr>
+        <p:txBody>
+          <a:bodyPr anchor="ctr">
+            <a:normAutofit/>
+          </a:bodyPr>
+          <a:lstStyle>
+            <a:lvl1pPr algn="l">
+              <a:defRPr sz="4400" b="0" cap="none"/>
+            </a:lvl1pPr>
+          </a:lstStyle>
+          <a:p>
+            <a:r>
+              <a:rPr lang="da-DK"/>
+              <a:t>Klik for at redigere titeltypografien i masteren</a:t>
+            </a:r>
+            <a:endParaRPr lang="en-US" dirty="0"/>
+          </a:p>
+        </p:txBody>
+      </p:sp>
+      <p:sp>
+        <p:nvSpPr>
+          <p:cNvPr id="23" name="Text Placeholder 9"/>
+          <p:cNvSpPr>
+            <a:spLocks noGrp="1"/>
+          </p:cNvSpPr>
+          <p:nvPr>
+            <p:ph type="body" sz="quarter" idx="13"/>
+          </p:nvPr>
+        </p:nvSpPr>
+        <p:spPr>
+          <a:xfrm>
+            <a:off x="677332" y="4013200"/>
+            <a:ext cx="8596669" cy="514248"/>
+          </a:xfrm>
+        </p:spPr>
+        <p:txBody>
+          <a:bodyPr anchor="b">
+            <a:noAutofit/>
+          </a:bodyPr>
+          <a:lstStyle>
+            <a:lvl1pPr marL="0" indent="0">
+              <a:buFontTx/>
+              <a:buNone/>
+              <a:defRPr sz="2400">
+                <a:solidFill>
+                  <a:schemeClr val="tx1">
+                    <a:lumMod val="75000"/>
+                    <a:lumOff val="25000"/>
+                  </a:schemeClr>
+                </a:solidFill>
+              </a:defRPr>
+            </a:lvl1pPr>
+            <a:lvl2pPr marL="457200" indent="0">
+              <a:buFontTx/>
+              <a:buNone/>
+              <a:defRPr/>
+            </a:lvl2pPr>
+            <a:lvl3pPr marL="914400" indent="0">
+              <a:buFontTx/>
+              <a:buNone/>
+              <a:defRPr/>
+            </a:lvl3pPr>
+            <a:lvl4pPr marL="1371600" indent="0">
+              <a:buFontTx/>
+              <a:buNone/>
+              <a:defRPr/>
+            </a:lvl4pPr>
+            <a:lvl5pPr marL="1828800" indent="0">
+              <a:buFontTx/>
+              <a:buNone/>
+              <a:defRPr/>
+            </a:lvl5pPr>
+          </a:lstStyle>
+          <a:p>
+            <a:pPr lvl="0"/>
+            <a:r>
+              <a:rPr lang="da-DK"/>
+              <a:t>Klik for at redigere teksttypografierne i masteren</a:t>
+            </a:r>
+          </a:p>
+        </p:txBody>
+      </p:sp>
+      <p:sp>
+        <p:nvSpPr>
+          <p:cNvPr id="3" name="Text Placeholder 2"/>
+          <p:cNvSpPr>
+            <a:spLocks noGrp="1"/>
+          </p:cNvSpPr>
+          <p:nvPr>
+            <p:ph type="body" idx="1"/>
+          </p:nvPr>
+        </p:nvSpPr>
+        <p:spPr>
+          <a:xfrm>
+            <a:off x="677335" y="4527448"/>
+            <a:ext cx="8596668" cy="1513914"/>
+          </a:xfrm>
+        </p:spPr>
+        <p:txBody>
+          <a:bodyPr anchor="t">
+            <a:normAutofit/>
+          </a:bodyPr>
+          <a:lstStyle>
+            <a:lvl1pPr marL="0" indent="0" algn="l">
+              <a:buNone/>
+              <a:defRPr sz="1800">
+                <a:solidFill>
+                  <a:schemeClr val="tx1">
+                    <a:lumMod val="50000"/>
+                    <a:lumOff val="50000"/>
+                  </a:schemeClr>
+                </a:solidFill>
+              </a:defRPr>
+            </a:lvl1pPr>
+            <a:lvl2pPr marL="457200" indent="0">
+              <a:buNone/>
+              <a:defRPr sz="1800">
+                <a:solidFill>
+                  <a:schemeClr val="tx1">
+                    <a:tint val="75000"/>
+                  </a:schemeClr>
+                </a:solidFill>
+              </a:defRPr>
+            </a:lvl2pPr>
+            <a:lvl3pPr marL="914400" indent="0">
+              <a:buNone/>
+              <a:defRPr sz="1600">
+                <a:solidFill>
+                  <a:schemeClr val="tx1">
+                    <a:tint val="75000"/>
+                  </a:schemeClr>
+                </a:solidFill>
+              </a:defRPr>
+            </a:lvl3pPr>
+            <a:lvl4pPr marL="1371600" indent="0">
+              <a:buNone/>
+              <a:defRPr sz="1400">
+                <a:solidFill>
+                  <a:schemeClr val="tx1">
+                    <a:tint val="75000"/>
+                  </a:schemeClr>
+                </a:solidFill>
+              </a:defRPr>
+            </a:lvl4pPr>
+            <a:lvl5pPr marL="1828800" indent="0">
+              <a:buNone/>
+              <a:defRPr sz="1400">
+                <a:solidFill>
+                  <a:schemeClr val="tx1">
+                    <a:tint val="75000"/>
+                  </a:schemeClr>
+                </a:solidFill>
+              </a:defRPr>
+            </a:lvl5pPr>
+            <a:lvl6pPr marL="2286000" indent="0">
+              <a:buNone/>
+              <a:defRPr sz="1400">
+                <a:solidFill>
+                  <a:schemeClr val="tx1">
+                    <a:tint val="75000"/>
+                  </a:schemeClr>
+                </a:solidFill>
+              </a:defRPr>
+            </a:lvl6pPr>
+            <a:lvl7pPr marL="2743200" indent="0">
+              <a:buNone/>
+              <a:defRPr sz="1400">
+                <a:solidFill>
+                  <a:schemeClr val="tx1">
+                    <a:tint val="75000"/>
+                  </a:schemeClr>
+                </a:solidFill>
+              </a:defRPr>
+            </a:lvl7pPr>
+            <a:lvl8pPr marL="3200400" indent="0">
+              <a:buNone/>
+              <a:defRPr sz="1400">
+                <a:solidFill>
+                  <a:schemeClr val="tx1">
+                    <a:tint val="75000"/>
+                  </a:schemeClr>
+                </a:solidFill>
+              </a:defRPr>
+            </a:lvl8pPr>
+            <a:lvl9pPr marL="3657600" indent="0">
+              <a:buNone/>
+              <a:defRPr sz="1400">
+                <a:solidFill>
+                  <a:schemeClr val="tx1">
+                    <a:tint val="75000"/>
+                  </a:schemeClr>
+                </a:solidFill>
+              </a:defRPr>
+            </a:lvl9pPr>
+          </a:lstStyle>
+          <a:p>
+            <a:pPr lvl="0"/>
+            <a:r>
+              <a:rPr lang="da-DK"/>
+              <a:t>Klik for at redigere teksttypografierne i masteren</a:t>
+            </a:r>
+          </a:p>
+        </p:txBody>
+      </p:sp>
+      <p:sp>
+        <p:nvSpPr>
+          <p:cNvPr id="4" name="Date Placeholder 3"/>
+          <p:cNvSpPr>
+            <a:spLocks noGrp="1"/>
+          </p:cNvSpPr>
+          <p:nvPr>
+            <p:ph type="dt" sz="half" idx="10"/>
+          </p:nvPr>
+        </p:nvSpPr>
+        <p:spPr/>
+        <p:txBody>
+          <a:bodyPr/>
+          <a:lstStyle/>
+          <a:p>
+            <a:fld id="{91030A3A-3FC1-45BF-B872-DDA6D7DD7D4B}" type="datetimeFigureOut">
+              <a:rPr lang="da-DK" smtClean="0"/>
+              <a:t>04-10-2023</a:t>
+            </a:fld>
+            <a:endParaRPr lang="da-DK"/>
+          </a:p>
+        </p:txBody>
+      </p:sp>
+      <p:sp>
+        <p:nvSpPr>
+          <p:cNvPr id="5" name="Footer Placeholder 4"/>
+          <p:cNvSpPr>
+            <a:spLocks noGrp="1"/>
+          </p:cNvSpPr>
+          <p:nvPr>
+            <p:ph type="ftr" sz="quarter" idx="11"/>
+          </p:nvPr>
+        </p:nvSpPr>
+        <p:spPr/>
+        <p:txBody>
+          <a:bodyPr/>
+          <a:lstStyle/>
+          <a:p>
+            <a:endParaRPr lang="da-DK"/>
+          </a:p>
+        </p:txBody>
+      </p:sp>
+      <p:sp>
+        <p:nvSpPr>
+          <p:cNvPr id="6" name="Slide Number Placeholder 5"/>
+          <p:cNvSpPr>
+            <a:spLocks noGrp="1"/>
+          </p:cNvSpPr>
+          <p:nvPr>
+            <p:ph type="sldNum" sz="quarter" idx="12"/>
+          </p:nvPr>
+        </p:nvSpPr>
+        <p:spPr/>
+        <p:txBody>
+          <a:bodyPr/>
+          <a:lstStyle/>
+          <a:p>
+            <a:fld id="{BAC1FFA9-E0BA-472E-BF2F-9F4138DA0322}" type="slidenum">
+              <a:rPr lang="da-DK" smtClean="0"/>
+              <a:t>‹nr.›</a:t>
+            </a:fld>
+            <a:endParaRPr lang="da-DK"/>
+          </a:p>
+        </p:txBody>
+      </p:sp>
+      <p:sp>
+        <p:nvSpPr>
+          <p:cNvPr id="24" name="TextBox 23"/>
+          <p:cNvSpPr txBox="1"/>
+          <p:nvPr/>
+        </p:nvSpPr>
+        <p:spPr>
+          <a:xfrm>
+            <a:off x="541870" y="790378"/>
+            <a:ext cx="609600" cy="584776"/>
+          </a:xfrm>
+          <a:prstGeom prst="rect">
+            <a:avLst/>
+          </a:prstGeom>
+        </p:spPr>
+        <p:txBody>
+          <a:bodyPr vert="horz" lIns="91440" tIns="45720" rIns="91440" bIns="45720" rtlCol="0" anchor="ctr">
+            <a:noAutofit/>
+          </a:bodyPr>
+          <a:lstStyle/>
+          <a:p>
+            <a:pPr lvl="0"/>
+            <a:r>
+              <a:rPr lang="en-US" sz="8000" baseline="0" dirty="0">
+                <a:ln w="3175" cmpd="sng">
+                  <a:noFill/>
+                </a:ln>
+                <a:solidFill>
+                  <a:schemeClr val="accent1">
+                    <a:lumMod val="60000"/>
+                    <a:lumOff val="40000"/>
+                  </a:schemeClr>
+                </a:solidFill>
+                <a:effectLst/>
+                <a:latin typeface="Arial"/>
+              </a:rPr>
+              <a:t>“</a:t>
+            </a:r>
+          </a:p>
+        </p:txBody>
+      </p:sp>
+      <p:sp>
+        <p:nvSpPr>
+          <p:cNvPr id="25" name="TextBox 24"/>
+          <p:cNvSpPr txBox="1"/>
+          <p:nvPr/>
+        </p:nvSpPr>
+        <p:spPr>
+          <a:xfrm>
+            <a:off x="8893011" y="2886556"/>
+            <a:ext cx="609600" cy="584776"/>
+          </a:xfrm>
+          <a:prstGeom prst="rect">
+            <a:avLst/>
+          </a:prstGeom>
+        </p:spPr>
+        <p:txBody>
+          <a:bodyPr vert="horz" lIns="91440" tIns="45720" rIns="91440" bIns="45720" rtlCol="0" anchor="ctr">
+            <a:noAutofit/>
+          </a:bodyPr>
+          <a:lstStyle/>
+          <a:p>
+            <a:pPr lvl="0"/>
+            <a:r>
+              <a:rPr lang="en-US" sz="8000" baseline="0" dirty="0">
+                <a:ln w="3175" cmpd="sng">
+                  <a:noFill/>
+                </a:ln>
+                <a:solidFill>
+                  <a:schemeClr val="accent1">
+                    <a:lumMod val="60000"/>
+                    <a:lumOff val="40000"/>
+                  </a:schemeClr>
+                </a:solidFill>
+                <a:effectLst/>
+                <a:latin typeface="Arial"/>
+              </a:rPr>
+              <a:t>”</a:t>
+            </a:r>
+          </a:p>
+        </p:txBody>
+      </p:sp>
+    </p:spTree>
+    <p:extLst>
+      <p:ext uri="{BB962C8B-B14F-4D97-AF65-F5344CB8AC3E}">
+        <p14:creationId xmlns:p14="http://schemas.microsoft.com/office/powerpoint/2010/main" val="2423963253"/>
+      </p:ext>
+    </p:extLst>
+  </p:cSld>
+  <p:clrMapOvr>
+    <a:masterClrMapping/>
+  </p:clrMapOvr>
+</p:sldLayout>
+</file>
+
+<file path=ppt/slideLayouts/slideLayout14.xml><?xml version="1.0" encoding="utf-8"?>
+<p:sldLayout xmlns:a="http://schemas.openxmlformats.org/drawingml/2006/main" xmlns:r="http://schemas.openxmlformats.org/officeDocument/2006/relationships" xmlns:p="http://schemas.openxmlformats.org/presentationml/2006/main" preserve="1">
+  <p:cSld name="Sandt eller falsk">
+    <p:spTree>
+      <p:nvGrpSpPr>
+        <p:cNvPr id="1" name=""/>
+        <p:cNvGrpSpPr/>
+        <p:nvPr/>
+      </p:nvGrpSpPr>
+      <p:grpSpPr>
+        <a:xfrm>
+          <a:off x="0" y="0"/>
+          <a:ext cx="0" cy="0"/>
+          <a:chOff x="0" y="0"/>
+          <a:chExt cx="0" cy="0"/>
+        </a:xfrm>
+      </p:grpSpPr>
+      <p:sp>
+        <p:nvSpPr>
+          <p:cNvPr id="2" name="Title 1"/>
+          <p:cNvSpPr>
+            <a:spLocks noGrp="1"/>
+          </p:cNvSpPr>
+          <p:nvPr>
+            <p:ph type="title"/>
+          </p:nvPr>
+        </p:nvSpPr>
+        <p:spPr>
+          <a:xfrm>
+            <a:off x="685799" y="609600"/>
+            <a:ext cx="8588203" cy="3022600"/>
+          </a:xfrm>
+        </p:spPr>
+        <p:txBody>
+          <a:bodyPr anchor="ctr">
+            <a:normAutofit/>
+          </a:bodyPr>
+          <a:lstStyle>
+            <a:lvl1pPr algn="l">
+              <a:defRPr sz="4400" b="0" cap="none"/>
+            </a:lvl1pPr>
+          </a:lstStyle>
+          <a:p>
+            <a:r>
+              <a:rPr lang="da-DK"/>
+              <a:t>Klik for at redigere titeltypografien i masteren</a:t>
+            </a:r>
+            <a:endParaRPr lang="en-US" dirty="0"/>
+          </a:p>
+        </p:txBody>
+      </p:sp>
+      <p:sp>
+        <p:nvSpPr>
+          <p:cNvPr id="23" name="Text Placeholder 9"/>
+          <p:cNvSpPr>
+            <a:spLocks noGrp="1"/>
+          </p:cNvSpPr>
+          <p:nvPr>
+            <p:ph type="body" sz="quarter" idx="13"/>
+          </p:nvPr>
+        </p:nvSpPr>
+        <p:spPr>
+          <a:xfrm>
+            <a:off x="677332" y="4013200"/>
+            <a:ext cx="8596669" cy="514248"/>
+          </a:xfrm>
+        </p:spPr>
+        <p:txBody>
+          <a:bodyPr anchor="b">
+            <a:noAutofit/>
+          </a:bodyPr>
+          <a:lstStyle>
+            <a:lvl1pPr marL="0" indent="0">
+              <a:buFontTx/>
+              <a:buNone/>
+              <a:defRPr sz="2400">
+                <a:solidFill>
+                  <a:schemeClr val="accent1"/>
+                </a:solidFill>
+              </a:defRPr>
+            </a:lvl1pPr>
+            <a:lvl2pPr marL="457200" indent="0">
+              <a:buFontTx/>
+              <a:buNone/>
+              <a:defRPr/>
+            </a:lvl2pPr>
+            <a:lvl3pPr marL="914400" indent="0">
+              <a:buFontTx/>
+              <a:buNone/>
+              <a:defRPr/>
+            </a:lvl3pPr>
+            <a:lvl4pPr marL="1371600" indent="0">
+              <a:buFontTx/>
+              <a:buNone/>
+              <a:defRPr/>
+            </a:lvl4pPr>
+            <a:lvl5pPr marL="1828800" indent="0">
+              <a:buFontTx/>
+              <a:buNone/>
+              <a:defRPr/>
+            </a:lvl5pPr>
+          </a:lstStyle>
+          <a:p>
+            <a:pPr lvl="0"/>
+            <a:r>
+              <a:rPr lang="da-DK"/>
+              <a:t>Klik for at redigere teksttypografierne i masteren</a:t>
+            </a:r>
+          </a:p>
+        </p:txBody>
+      </p:sp>
+      <p:sp>
+        <p:nvSpPr>
+          <p:cNvPr id="3" name="Text Placeholder 2"/>
+          <p:cNvSpPr>
+            <a:spLocks noGrp="1"/>
+          </p:cNvSpPr>
+          <p:nvPr>
+            <p:ph type="body" idx="1"/>
+          </p:nvPr>
+        </p:nvSpPr>
+        <p:spPr>
+          <a:xfrm>
+            <a:off x="677335" y="4527448"/>
+            <a:ext cx="8596668" cy="1513914"/>
+          </a:xfrm>
+        </p:spPr>
+        <p:txBody>
+          <a:bodyPr anchor="t">
+            <a:normAutofit/>
+          </a:bodyPr>
+          <a:lstStyle>
+            <a:lvl1pPr marL="0" indent="0" algn="l">
+              <a:buNone/>
+              <a:defRPr sz="1800">
+                <a:solidFill>
+                  <a:schemeClr val="tx1">
+                    <a:lumMod val="50000"/>
+                    <a:lumOff val="50000"/>
+                  </a:schemeClr>
+                </a:solidFill>
+              </a:defRPr>
+            </a:lvl1pPr>
+            <a:lvl2pPr marL="457200" indent="0">
+              <a:buNone/>
+              <a:defRPr sz="1800">
+                <a:solidFill>
+                  <a:schemeClr val="tx1">
+                    <a:tint val="75000"/>
+                  </a:schemeClr>
+                </a:solidFill>
+              </a:defRPr>
+            </a:lvl2pPr>
+            <a:lvl3pPr marL="914400" indent="0">
+              <a:buNone/>
+              <a:defRPr sz="1600">
+                <a:solidFill>
+                  <a:schemeClr val="tx1">
+                    <a:tint val="75000"/>
+                  </a:schemeClr>
+                </a:solidFill>
+              </a:defRPr>
+            </a:lvl3pPr>
+            <a:lvl4pPr marL="1371600" indent="0">
+              <a:buNone/>
+              <a:defRPr sz="1400">
+                <a:solidFill>
+                  <a:schemeClr val="tx1">
+                    <a:tint val="75000"/>
+                  </a:schemeClr>
+                </a:solidFill>
+              </a:defRPr>
+            </a:lvl4pPr>
+            <a:lvl5pPr marL="1828800" indent="0">
+              <a:buNone/>
+              <a:defRPr sz="1400">
+                <a:solidFill>
+                  <a:schemeClr val="tx1">
+                    <a:tint val="75000"/>
+                  </a:schemeClr>
+                </a:solidFill>
+              </a:defRPr>
+            </a:lvl5pPr>
+            <a:lvl6pPr marL="2286000" indent="0">
+              <a:buNone/>
+              <a:defRPr sz="1400">
+                <a:solidFill>
+                  <a:schemeClr val="tx1">
+                    <a:tint val="75000"/>
+                  </a:schemeClr>
+                </a:solidFill>
+              </a:defRPr>
+            </a:lvl6pPr>
+            <a:lvl7pPr marL="2743200" indent="0">
+              <a:buNone/>
+              <a:defRPr sz="1400">
+                <a:solidFill>
+                  <a:schemeClr val="tx1">
+                    <a:tint val="75000"/>
+                  </a:schemeClr>
+                </a:solidFill>
+              </a:defRPr>
+            </a:lvl7pPr>
+            <a:lvl8pPr marL="3200400" indent="0">
+              <a:buNone/>
+              <a:defRPr sz="1400">
+                <a:solidFill>
+                  <a:schemeClr val="tx1">
+                    <a:tint val="75000"/>
+                  </a:schemeClr>
+                </a:solidFill>
+              </a:defRPr>
+            </a:lvl8pPr>
+            <a:lvl9pPr marL="3657600" indent="0">
+              <a:buNone/>
+              <a:defRPr sz="1400">
+                <a:solidFill>
+                  <a:schemeClr val="tx1">
+                    <a:tint val="75000"/>
+                  </a:schemeClr>
+                </a:solidFill>
+              </a:defRPr>
+            </a:lvl9pPr>
+          </a:lstStyle>
+          <a:p>
+            <a:pPr lvl="0"/>
+            <a:r>
+              <a:rPr lang="da-DK"/>
+              <a:t>Klik for at redigere teksttypografierne i masteren</a:t>
+            </a:r>
+          </a:p>
+        </p:txBody>
+      </p:sp>
+      <p:sp>
+        <p:nvSpPr>
+          <p:cNvPr id="4" name="Date Placeholder 3"/>
+          <p:cNvSpPr>
+            <a:spLocks noGrp="1"/>
+          </p:cNvSpPr>
+          <p:nvPr>
+            <p:ph type="dt" sz="half" idx="10"/>
+          </p:nvPr>
+        </p:nvSpPr>
+        <p:spPr/>
+        <p:txBody>
+          <a:bodyPr/>
+          <a:lstStyle/>
+          <a:p>
+            <a:fld id="{91030A3A-3FC1-45BF-B872-DDA6D7DD7D4B}" type="datetimeFigureOut">
+              <a:rPr lang="da-DK" smtClean="0"/>
+              <a:t>04-10-2023</a:t>
+            </a:fld>
+            <a:endParaRPr lang="da-DK"/>
+          </a:p>
+        </p:txBody>
+      </p:sp>
+      <p:sp>
+        <p:nvSpPr>
+          <p:cNvPr id="5" name="Footer Placeholder 4"/>
+          <p:cNvSpPr>
+            <a:spLocks noGrp="1"/>
+          </p:cNvSpPr>
+          <p:nvPr>
+            <p:ph type="ftr" sz="quarter" idx="11"/>
+          </p:nvPr>
+        </p:nvSpPr>
+        <p:spPr/>
+        <p:txBody>
+          <a:bodyPr/>
+          <a:lstStyle/>
+          <a:p>
+            <a:endParaRPr lang="da-DK"/>
+          </a:p>
+        </p:txBody>
+      </p:sp>
+      <p:sp>
+        <p:nvSpPr>
+          <p:cNvPr id="6" name="Slide Number Placeholder 5"/>
+          <p:cNvSpPr>
+            <a:spLocks noGrp="1"/>
+          </p:cNvSpPr>
+          <p:nvPr>
+            <p:ph type="sldNum" sz="quarter" idx="12"/>
+          </p:nvPr>
+        </p:nvSpPr>
+        <p:spPr/>
+        <p:txBody>
+          <a:bodyPr/>
+          <a:lstStyle/>
+          <a:p>
+            <a:fld id="{BAC1FFA9-E0BA-472E-BF2F-9F4138DA0322}" type="slidenum">
+              <a:rPr lang="da-DK" smtClean="0"/>
+              <a:t>‹nr.›</a:t>
+            </a:fld>
+            <a:endParaRPr lang="da-DK"/>
+          </a:p>
+        </p:txBody>
+      </p:sp>
+    </p:spTree>
+    <p:extLst>
+      <p:ext uri="{BB962C8B-B14F-4D97-AF65-F5344CB8AC3E}">
+        <p14:creationId xmlns:p14="http://schemas.microsoft.com/office/powerpoint/2010/main" val="952667847"/>
+      </p:ext>
+    </p:extLst>
+  </p:cSld>
+  <p:clrMapOvr>
+    <a:masterClrMapping/>
+  </p:clrMapOvr>
+</p:sldLayout>
+</file>
+
+<file path=ppt/slideLayouts/slideLayout15.xml><?xml version="1.0" encoding="utf-8"?>
 <p:sldLayout xmlns:a="http://schemas.openxmlformats.org/drawingml/2006/main" xmlns:r="http://schemas.openxmlformats.org/officeDocument/2006/relationships" xmlns:p="http://schemas.openxmlformats.org/presentationml/2006/main" type="vertTx" preserve="1">
   <p:cSld name="Titel og lodret tekst">
     <p:spTree>
@@ -391,13 +2622,7 @@
       </p:grpSpPr>
       <p:sp>
         <p:nvSpPr>
-          <p:cNvPr id="2" name="Titel 1">
-            <a:extLst>
-              <a:ext uri="{FF2B5EF4-FFF2-40B4-BE49-F238E27FC236}">
-                <a16:creationId xmlns:a16="http://schemas.microsoft.com/office/drawing/2014/main" id="{B6A0535E-69BF-4292-0FA1-36CDF4314285}"/>
-              </a:ext>
-            </a:extLst>
-          </p:cNvPr>
+          <p:cNvPr id="2" name="Title 1"/>
           <p:cNvSpPr>
             <a:spLocks noGrp="1"/>
           </p:cNvSpPr>
@@ -414,18 +2639,13 @@
               <a:rPr lang="da-DK"/>
               <a:t>Klik for at redigere titeltypografien i masteren</a:t>
             </a:r>
-          </a:p>
-        </p:txBody>
-      </p:sp>
-      <p:sp>
-        <p:nvSpPr>
-          <p:cNvPr id="3" name="Pladsholder til lodret titel 2">
-            <a:extLst>
-              <a:ext uri="{FF2B5EF4-FFF2-40B4-BE49-F238E27FC236}">
-                <a16:creationId xmlns:a16="http://schemas.microsoft.com/office/drawing/2014/main" id="{E55D3EA9-C179-D58C-BA54-72CDEC1B7D99}"/>
-              </a:ext>
-            </a:extLst>
-          </p:cNvPr>
+            <a:endParaRPr lang="en-US" dirty="0"/>
+          </a:p>
+        </p:txBody>
+      </p:sp>
+      <p:sp>
+        <p:nvSpPr>
+          <p:cNvPr id="3" name="Vertical Text Placeholder 2"/>
           <p:cNvSpPr>
             <a:spLocks noGrp="1"/>
           </p:cNvSpPr>
@@ -471,18 +2691,13 @@
               <a:rPr lang="da-DK"/>
               <a:t>Femte niveau</a:t>
             </a:r>
-          </a:p>
-        </p:txBody>
-      </p:sp>
-      <p:sp>
-        <p:nvSpPr>
-          <p:cNvPr id="4" name="Pladsholder til dato 3">
-            <a:extLst>
-              <a:ext uri="{FF2B5EF4-FFF2-40B4-BE49-F238E27FC236}">
-                <a16:creationId xmlns:a16="http://schemas.microsoft.com/office/drawing/2014/main" id="{6C44C2D6-602C-0D3E-AD64-101BF68A4E8D}"/>
-              </a:ext>
-            </a:extLst>
-          </p:cNvPr>
+            <a:endParaRPr lang="en-US" dirty="0"/>
+          </a:p>
+        </p:txBody>
+      </p:sp>
+      <p:sp>
+        <p:nvSpPr>
+          <p:cNvPr id="4" name="Date Placeholder 3"/>
           <p:cNvSpPr>
             <a:spLocks noGrp="1"/>
           </p:cNvSpPr>
@@ -497,7 +2712,7 @@
           <a:p>
             <a:fld id="{91030A3A-3FC1-45BF-B872-DDA6D7DD7D4B}" type="datetimeFigureOut">
               <a:rPr lang="da-DK" smtClean="0"/>
-              <a:t>27-09-2023</a:t>
+              <a:t>04-10-2023</a:t>
             </a:fld>
             <a:endParaRPr lang="da-DK"/>
           </a:p>
@@ -505,13 +2720,7 @@
       </p:sp>
       <p:sp>
         <p:nvSpPr>
-          <p:cNvPr id="5" name="Pladsholder til sidefod 4">
-            <a:extLst>
-              <a:ext uri="{FF2B5EF4-FFF2-40B4-BE49-F238E27FC236}">
-                <a16:creationId xmlns:a16="http://schemas.microsoft.com/office/drawing/2014/main" id="{0AF6C910-3E92-4C68-BBAB-98CFEBFD6852}"/>
-              </a:ext>
-            </a:extLst>
-          </p:cNvPr>
+          <p:cNvPr id="5" name="Footer Placeholder 4"/>
           <p:cNvSpPr>
             <a:spLocks noGrp="1"/>
           </p:cNvSpPr>
@@ -530,13 +2739,7 @@
       </p:sp>
       <p:sp>
         <p:nvSpPr>
-          <p:cNvPr id="6" name="Pladsholder til slidenummer 5">
-            <a:extLst>
-              <a:ext uri="{FF2B5EF4-FFF2-40B4-BE49-F238E27FC236}">
-                <a16:creationId xmlns:a16="http://schemas.microsoft.com/office/drawing/2014/main" id="{1C1D405B-9CF1-BC29-F823-E90F01FD1AC3}"/>
-              </a:ext>
-            </a:extLst>
-          </p:cNvPr>
+          <p:cNvPr id="6" name="Slide Number Placeholder 5"/>
           <p:cNvSpPr>
             <a:spLocks noGrp="1"/>
           </p:cNvSpPr>
@@ -560,7 +2763,7 @@
     </p:spTree>
     <p:extLst>
       <p:ext uri="{BB962C8B-B14F-4D97-AF65-F5344CB8AC3E}">
-        <p14:creationId xmlns:p14="http://schemas.microsoft.com/office/powerpoint/2010/main" val="2363654387"/>
+        <p14:creationId xmlns:p14="http://schemas.microsoft.com/office/powerpoint/2010/main" val="730732802"/>
       </p:ext>
     </p:extLst>
   </p:cSld>
@@ -570,7 +2773,7 @@
 </p:sldLayout>
 </file>
 
-<file path=ppt/slideLayouts/slideLayout11.xml><?xml version="1.0" encoding="utf-8"?>
+<file path=ppt/slideLayouts/slideLayout16.xml><?xml version="1.0" encoding="utf-8"?>
 <p:sldLayout xmlns:a="http://schemas.openxmlformats.org/drawingml/2006/main" xmlns:r="http://schemas.openxmlformats.org/officeDocument/2006/relationships" xmlns:p="http://schemas.openxmlformats.org/presentationml/2006/main" type="vertTitleAndTx" preserve="1">
   <p:cSld name="Lodret titel og tekst">
     <p:spTree>
@@ -589,13 +2792,7 @@
       </p:grpSpPr>
       <p:sp>
         <p:nvSpPr>
-          <p:cNvPr id="2" name="Lodret titel 1">
-            <a:extLst>
-              <a:ext uri="{FF2B5EF4-FFF2-40B4-BE49-F238E27FC236}">
-                <a16:creationId xmlns:a16="http://schemas.microsoft.com/office/drawing/2014/main" id="{463A76DC-ABD7-A47A-8DAA-1D31866AEC26}"/>
-              </a:ext>
-            </a:extLst>
-          </p:cNvPr>
+          <p:cNvPr id="2" name="Vertical Title 1"/>
           <p:cNvSpPr>
             <a:spLocks noGrp="1"/>
           </p:cNvSpPr>
@@ -605,30 +2802,25 @@
         </p:nvSpPr>
         <p:spPr>
           <a:xfrm>
-            <a:off x="8724900" y="365125"/>
-            <a:ext cx="2628900" cy="5811838"/>
+            <a:off x="7967673" y="609599"/>
+            <a:ext cx="1304743" cy="5251451"/>
           </a:xfrm>
         </p:spPr>
         <p:txBody>
-          <a:bodyPr vert="eaVert"/>
+          <a:bodyPr vert="eaVert" anchor="ctr"/>
           <a:lstStyle/>
           <a:p>
             <a:r>
               <a:rPr lang="da-DK"/>
               <a:t>Klik for at redigere titeltypografien i masteren</a:t>
             </a:r>
-          </a:p>
-        </p:txBody>
-      </p:sp>
-      <p:sp>
-        <p:nvSpPr>
-          <p:cNvPr id="3" name="Pladsholder til lodret titel 2">
-            <a:extLst>
-              <a:ext uri="{FF2B5EF4-FFF2-40B4-BE49-F238E27FC236}">
-                <a16:creationId xmlns:a16="http://schemas.microsoft.com/office/drawing/2014/main" id="{E66A3856-1596-AD93-C7BB-2149560A42C5}"/>
-              </a:ext>
-            </a:extLst>
-          </p:cNvPr>
+            <a:endParaRPr lang="en-US" dirty="0"/>
+          </a:p>
+        </p:txBody>
+      </p:sp>
+      <p:sp>
+        <p:nvSpPr>
+          <p:cNvPr id="3" name="Vertical Text Placeholder 2"/>
           <p:cNvSpPr>
             <a:spLocks noGrp="1"/>
           </p:cNvSpPr>
@@ -638,8 +2830,8 @@
         </p:nvSpPr>
         <p:spPr>
           <a:xfrm>
-            <a:off x="838200" y="365125"/>
-            <a:ext cx="7734300" cy="5811838"/>
+            <a:off x="677335" y="609600"/>
+            <a:ext cx="7060150" cy="5251450"/>
           </a:xfrm>
         </p:spPr>
         <p:txBody>
@@ -679,18 +2871,13 @@
               <a:rPr lang="da-DK"/>
               <a:t>Femte niveau</a:t>
             </a:r>
-          </a:p>
-        </p:txBody>
-      </p:sp>
-      <p:sp>
-        <p:nvSpPr>
-          <p:cNvPr id="4" name="Pladsholder til dato 3">
-            <a:extLst>
-              <a:ext uri="{FF2B5EF4-FFF2-40B4-BE49-F238E27FC236}">
-                <a16:creationId xmlns:a16="http://schemas.microsoft.com/office/drawing/2014/main" id="{69770D18-87FF-21B6-7270-C3CF6A746F63}"/>
-              </a:ext>
-            </a:extLst>
-          </p:cNvPr>
+            <a:endParaRPr lang="en-US" dirty="0"/>
+          </a:p>
+        </p:txBody>
+      </p:sp>
+      <p:sp>
+        <p:nvSpPr>
+          <p:cNvPr id="4" name="Date Placeholder 3"/>
           <p:cNvSpPr>
             <a:spLocks noGrp="1"/>
           </p:cNvSpPr>
@@ -705,7 +2892,7 @@
           <a:p>
             <a:fld id="{91030A3A-3FC1-45BF-B872-DDA6D7DD7D4B}" type="datetimeFigureOut">
               <a:rPr lang="da-DK" smtClean="0"/>
-              <a:t>27-09-2023</a:t>
+              <a:t>04-10-2023</a:t>
             </a:fld>
             <a:endParaRPr lang="da-DK"/>
           </a:p>
@@ -713,13 +2900,7 @@
       </p:sp>
       <p:sp>
         <p:nvSpPr>
-          <p:cNvPr id="5" name="Pladsholder til sidefod 4">
-            <a:extLst>
-              <a:ext uri="{FF2B5EF4-FFF2-40B4-BE49-F238E27FC236}">
-                <a16:creationId xmlns:a16="http://schemas.microsoft.com/office/drawing/2014/main" id="{21990600-797D-3227-962F-2720A491FFD0}"/>
-              </a:ext>
-            </a:extLst>
-          </p:cNvPr>
+          <p:cNvPr id="5" name="Footer Placeholder 4"/>
           <p:cNvSpPr>
             <a:spLocks noGrp="1"/>
           </p:cNvSpPr>
@@ -738,13 +2919,7 @@
       </p:sp>
       <p:sp>
         <p:nvSpPr>
-          <p:cNvPr id="6" name="Pladsholder til slidenummer 5">
-            <a:extLst>
-              <a:ext uri="{FF2B5EF4-FFF2-40B4-BE49-F238E27FC236}">
-                <a16:creationId xmlns:a16="http://schemas.microsoft.com/office/drawing/2014/main" id="{6EB0F64D-4638-D28F-5C2F-E66B6F934314}"/>
-              </a:ext>
-            </a:extLst>
-          </p:cNvPr>
+          <p:cNvPr id="6" name="Slide Number Placeholder 5"/>
           <p:cNvSpPr>
             <a:spLocks noGrp="1"/>
           </p:cNvSpPr>
@@ -768,7 +2943,7 @@
     </p:spTree>
     <p:extLst>
       <p:ext uri="{BB962C8B-B14F-4D97-AF65-F5344CB8AC3E}">
-        <p14:creationId xmlns:p14="http://schemas.microsoft.com/office/powerpoint/2010/main" val="3305212067"/>
+        <p14:creationId xmlns:p14="http://schemas.microsoft.com/office/powerpoint/2010/main" val="1113220391"/>
       </p:ext>
     </p:extLst>
   </p:cSld>
@@ -797,13 +2972,7 @@
       </p:grpSpPr>
       <p:sp>
         <p:nvSpPr>
-          <p:cNvPr id="2" name="Titel 1">
-            <a:extLst>
-              <a:ext uri="{FF2B5EF4-FFF2-40B4-BE49-F238E27FC236}">
-                <a16:creationId xmlns:a16="http://schemas.microsoft.com/office/drawing/2014/main" id="{B97448E5-9AA5-0292-4D30-F39A156F4F89}"/>
-              </a:ext>
-            </a:extLst>
-          </p:cNvPr>
+          <p:cNvPr id="2" name="Title 1"/>
           <p:cNvSpPr>
             <a:spLocks noGrp="1"/>
           </p:cNvSpPr>
@@ -813,37 +2982,38 @@
         </p:nvSpPr>
         <p:spPr/>
         <p:txBody>
+          <a:bodyPr>
+            <a:normAutofit/>
+          </a:bodyPr>
+          <a:lstStyle>
+            <a:lvl1pPr>
+              <a:defRPr sz="3600"/>
+            </a:lvl1pPr>
+          </a:lstStyle>
+          <a:p>
+            <a:r>
+              <a:rPr lang="da-DK"/>
+              <a:t>Klik for at redigere titeltypografien i masteren</a:t>
+            </a:r>
+            <a:endParaRPr lang="en-US" dirty="0"/>
+          </a:p>
+        </p:txBody>
+      </p:sp>
+      <p:sp>
+        <p:nvSpPr>
+          <p:cNvPr id="3" name="Content Placeholder 2"/>
+          <p:cNvSpPr>
+            <a:spLocks noGrp="1"/>
+          </p:cNvSpPr>
+          <p:nvPr>
+            <p:ph idx="1"/>
+          </p:nvPr>
+        </p:nvSpPr>
+        <p:spPr/>
+        <p:txBody>
           <a:bodyPr/>
           <a:lstStyle/>
           <a:p>
-            <a:r>
-              <a:rPr lang="da-DK"/>
-              <a:t>Klik for at redigere titeltypografien i masteren</a:t>
-            </a:r>
-          </a:p>
-        </p:txBody>
-      </p:sp>
-      <p:sp>
-        <p:nvSpPr>
-          <p:cNvPr id="3" name="Pladsholder til indhold 2">
-            <a:extLst>
-              <a:ext uri="{FF2B5EF4-FFF2-40B4-BE49-F238E27FC236}">
-                <a16:creationId xmlns:a16="http://schemas.microsoft.com/office/drawing/2014/main" id="{0CDC71B3-95AD-CD38-3B7D-AD470D7623BE}"/>
-              </a:ext>
-            </a:extLst>
-          </p:cNvPr>
-          <p:cNvSpPr>
-            <a:spLocks noGrp="1"/>
-          </p:cNvSpPr>
-          <p:nvPr>
-            <p:ph idx="1"/>
-          </p:nvPr>
-        </p:nvSpPr>
-        <p:spPr/>
-        <p:txBody>
-          <a:bodyPr/>
-          <a:lstStyle/>
-          <a:p>
             <a:pPr lvl="0"/>
             <a:r>
               <a:rPr lang="da-DK"/>
@@ -877,18 +3047,13 @@
               <a:rPr lang="da-DK"/>
               <a:t>Femte niveau</a:t>
             </a:r>
-          </a:p>
-        </p:txBody>
-      </p:sp>
-      <p:sp>
-        <p:nvSpPr>
-          <p:cNvPr id="4" name="Pladsholder til dato 3">
-            <a:extLst>
-              <a:ext uri="{FF2B5EF4-FFF2-40B4-BE49-F238E27FC236}">
-                <a16:creationId xmlns:a16="http://schemas.microsoft.com/office/drawing/2014/main" id="{77C25E68-4A25-F746-A95D-5E71F10557D0}"/>
-              </a:ext>
-            </a:extLst>
-          </p:cNvPr>
+            <a:endParaRPr lang="en-US" dirty="0"/>
+          </a:p>
+        </p:txBody>
+      </p:sp>
+      <p:sp>
+        <p:nvSpPr>
+          <p:cNvPr id="4" name="Date Placeholder 3"/>
           <p:cNvSpPr>
             <a:spLocks noGrp="1"/>
           </p:cNvSpPr>
@@ -903,7 +3068,7 @@
           <a:p>
             <a:fld id="{91030A3A-3FC1-45BF-B872-DDA6D7DD7D4B}" type="datetimeFigureOut">
               <a:rPr lang="da-DK" smtClean="0"/>
-              <a:t>27-09-2023</a:t>
+              <a:t>04-10-2023</a:t>
             </a:fld>
             <a:endParaRPr lang="da-DK"/>
           </a:p>
@@ -911,13 +3076,7 @@
       </p:sp>
       <p:sp>
         <p:nvSpPr>
-          <p:cNvPr id="5" name="Pladsholder til sidefod 4">
-            <a:extLst>
-              <a:ext uri="{FF2B5EF4-FFF2-40B4-BE49-F238E27FC236}">
-                <a16:creationId xmlns:a16="http://schemas.microsoft.com/office/drawing/2014/main" id="{1CD8CC91-806A-0EB6-4D24-753B71EA30E1}"/>
-              </a:ext>
-            </a:extLst>
-          </p:cNvPr>
+          <p:cNvPr id="5" name="Footer Placeholder 4"/>
           <p:cNvSpPr>
             <a:spLocks noGrp="1"/>
           </p:cNvSpPr>
@@ -936,13 +3095,7 @@
       </p:sp>
       <p:sp>
         <p:nvSpPr>
-          <p:cNvPr id="6" name="Pladsholder til slidenummer 5">
-            <a:extLst>
-              <a:ext uri="{FF2B5EF4-FFF2-40B4-BE49-F238E27FC236}">
-                <a16:creationId xmlns:a16="http://schemas.microsoft.com/office/drawing/2014/main" id="{2FF11582-1B11-1D06-311B-E3320C6D318C}"/>
-              </a:ext>
-            </a:extLst>
-          </p:cNvPr>
+          <p:cNvPr id="6" name="Slide Number Placeholder 5"/>
           <p:cNvSpPr>
             <a:spLocks noGrp="1"/>
           </p:cNvSpPr>
@@ -966,7 +3119,7 @@
     </p:spTree>
     <p:extLst>
       <p:ext uri="{BB962C8B-B14F-4D97-AF65-F5344CB8AC3E}">
-        <p14:creationId xmlns:p14="http://schemas.microsoft.com/office/powerpoint/2010/main" val="402707379"/>
+        <p14:creationId xmlns:p14="http://schemas.microsoft.com/office/powerpoint/2010/main" val="30139022"/>
       </p:ext>
     </p:extLst>
   </p:cSld>
@@ -995,13 +3148,7 @@
       </p:grpSpPr>
       <p:sp>
         <p:nvSpPr>
-          <p:cNvPr id="2" name="Titel 1">
-            <a:extLst>
-              <a:ext uri="{FF2B5EF4-FFF2-40B4-BE49-F238E27FC236}">
-                <a16:creationId xmlns:a16="http://schemas.microsoft.com/office/drawing/2014/main" id="{F9CAAC51-A325-2006-034B-F99AE11F76DD}"/>
-              </a:ext>
-            </a:extLst>
-          </p:cNvPr>
+          <p:cNvPr id="2" name="Title 1"/>
           <p:cNvSpPr>
             <a:spLocks noGrp="1"/>
           </p:cNvSpPr>
@@ -1011,15 +3158,15 @@
         </p:nvSpPr>
         <p:spPr>
           <a:xfrm>
-            <a:off x="831850" y="1709738"/>
-            <a:ext cx="10515600" cy="2852737"/>
+            <a:off x="677335" y="2700867"/>
+            <a:ext cx="8596668" cy="1826581"/>
           </a:xfrm>
         </p:spPr>
         <p:txBody>
           <a:bodyPr anchor="b"/>
           <a:lstStyle>
-            <a:lvl1pPr>
-              <a:defRPr sz="6000"/>
+            <a:lvl1pPr algn="l">
+              <a:defRPr sz="4000" b="0" cap="none"/>
             </a:lvl1pPr>
           </a:lstStyle>
           <a:p>
@@ -1027,18 +3174,13 @@
               <a:rPr lang="da-DK"/>
               <a:t>Klik for at redigere titeltypografien i masteren</a:t>
             </a:r>
-          </a:p>
-        </p:txBody>
-      </p:sp>
-      <p:sp>
-        <p:nvSpPr>
-          <p:cNvPr id="3" name="Pladsholder til tekst 2">
-            <a:extLst>
-              <a:ext uri="{FF2B5EF4-FFF2-40B4-BE49-F238E27FC236}">
-                <a16:creationId xmlns:a16="http://schemas.microsoft.com/office/drawing/2014/main" id="{15AAB7F8-A23E-DB60-9353-8752CFD68311}"/>
-              </a:ext>
-            </a:extLst>
-          </p:cNvPr>
+            <a:endParaRPr lang="en-US" dirty="0"/>
+          </a:p>
+        </p:txBody>
+      </p:sp>
+      <p:sp>
+        <p:nvSpPr>
+          <p:cNvPr id="3" name="Text Placeholder 2"/>
           <p:cNvSpPr>
             <a:spLocks noGrp="1"/>
           </p:cNvSpPr>
@@ -1048,26 +3190,27 @@
         </p:nvSpPr>
         <p:spPr>
           <a:xfrm>
-            <a:off x="831850" y="4589463"/>
-            <a:ext cx="10515600" cy="1500187"/>
+            <a:off x="677335" y="4527448"/>
+            <a:ext cx="8596668" cy="860400"/>
           </a:xfrm>
         </p:spPr>
         <p:txBody>
-          <a:bodyPr/>
+          <a:bodyPr anchor="t"/>
           <a:lstStyle>
-            <a:lvl1pPr marL="0" indent="0">
-              <a:buNone/>
-              <a:defRPr sz="2400">
-                <a:solidFill>
-                  <a:schemeClr val="tx1">
-                    <a:tint val="75000"/>
+            <a:lvl1pPr marL="0" indent="0" algn="l">
+              <a:buNone/>
+              <a:defRPr sz="2000">
+                <a:solidFill>
+                  <a:schemeClr val="tx1">
+                    <a:lumMod val="50000"/>
+                    <a:lumOff val="50000"/>
                   </a:schemeClr>
                 </a:solidFill>
               </a:defRPr>
             </a:lvl1pPr>
             <a:lvl2pPr marL="457200" indent="0">
               <a:buNone/>
-              <a:defRPr sz="2000">
+              <a:defRPr sz="1800">
                 <a:solidFill>
                   <a:schemeClr val="tx1">
                     <a:tint val="75000"/>
@@ -1077,7 +3220,7 @@
             </a:lvl2pPr>
             <a:lvl3pPr marL="914400" indent="0">
               <a:buNone/>
-              <a:defRPr sz="1800">
+              <a:defRPr sz="1600">
                 <a:solidFill>
                   <a:schemeClr val="tx1">
                     <a:tint val="75000"/>
@@ -1087,7 +3230,7 @@
             </a:lvl3pPr>
             <a:lvl4pPr marL="1371600" indent="0">
               <a:buNone/>
-              <a:defRPr sz="1600">
+              <a:defRPr sz="1400">
                 <a:solidFill>
                   <a:schemeClr val="tx1">
                     <a:tint val="75000"/>
@@ -1097,7 +3240,7 @@
             </a:lvl4pPr>
             <a:lvl5pPr marL="1828800" indent="0">
               <a:buNone/>
-              <a:defRPr sz="1600">
+              <a:defRPr sz="1400">
                 <a:solidFill>
                   <a:schemeClr val="tx1">
                     <a:tint val="75000"/>
@@ -1107,7 +3250,7 @@
             </a:lvl5pPr>
             <a:lvl6pPr marL="2286000" indent="0">
               <a:buNone/>
-              <a:defRPr sz="1600">
+              <a:defRPr sz="1400">
                 <a:solidFill>
                   <a:schemeClr val="tx1">
                     <a:tint val="75000"/>
@@ -1117,7 +3260,7 @@
             </a:lvl6pPr>
             <a:lvl7pPr marL="2743200" indent="0">
               <a:buNone/>
-              <a:defRPr sz="1600">
+              <a:defRPr sz="1400">
                 <a:solidFill>
                   <a:schemeClr val="tx1">
                     <a:tint val="75000"/>
@@ -1127,7 +3270,7 @@
             </a:lvl7pPr>
             <a:lvl8pPr marL="3200400" indent="0">
               <a:buNone/>
-              <a:defRPr sz="1600">
+              <a:defRPr sz="1400">
                 <a:solidFill>
                   <a:schemeClr val="tx1">
                     <a:tint val="75000"/>
@@ -1137,7 +3280,7 @@
             </a:lvl8pPr>
             <a:lvl9pPr marL="3657600" indent="0">
               <a:buNone/>
-              <a:defRPr sz="1600">
+              <a:defRPr sz="1400">
                 <a:solidFill>
                   <a:schemeClr val="tx1">
                     <a:tint val="75000"/>
@@ -1157,13 +3300,7 @@
       </p:sp>
       <p:sp>
         <p:nvSpPr>
-          <p:cNvPr id="4" name="Pladsholder til dato 3">
-            <a:extLst>
-              <a:ext uri="{FF2B5EF4-FFF2-40B4-BE49-F238E27FC236}">
-                <a16:creationId xmlns:a16="http://schemas.microsoft.com/office/drawing/2014/main" id="{04112630-21EB-CF1B-FD3B-C980E544CFF6}"/>
-              </a:ext>
-            </a:extLst>
-          </p:cNvPr>
+          <p:cNvPr id="4" name="Date Placeholder 3"/>
           <p:cNvSpPr>
             <a:spLocks noGrp="1"/>
           </p:cNvSpPr>
@@ -1178,7 +3315,7 @@
           <a:p>
             <a:fld id="{91030A3A-3FC1-45BF-B872-DDA6D7DD7D4B}" type="datetimeFigureOut">
               <a:rPr lang="da-DK" smtClean="0"/>
-              <a:t>27-09-2023</a:t>
+              <a:t>04-10-2023</a:t>
             </a:fld>
             <a:endParaRPr lang="da-DK"/>
           </a:p>
@@ -1186,13 +3323,7 @@
       </p:sp>
       <p:sp>
         <p:nvSpPr>
-          <p:cNvPr id="5" name="Pladsholder til sidefod 4">
-            <a:extLst>
-              <a:ext uri="{FF2B5EF4-FFF2-40B4-BE49-F238E27FC236}">
-                <a16:creationId xmlns:a16="http://schemas.microsoft.com/office/drawing/2014/main" id="{637BAC80-5972-7811-79AD-1A989E23D262}"/>
-              </a:ext>
-            </a:extLst>
-          </p:cNvPr>
+          <p:cNvPr id="5" name="Footer Placeholder 4"/>
           <p:cNvSpPr>
             <a:spLocks noGrp="1"/>
           </p:cNvSpPr>
@@ -1211,13 +3342,7 @@
       </p:sp>
       <p:sp>
         <p:nvSpPr>
-          <p:cNvPr id="6" name="Pladsholder til slidenummer 5">
-            <a:extLst>
-              <a:ext uri="{FF2B5EF4-FFF2-40B4-BE49-F238E27FC236}">
-                <a16:creationId xmlns:a16="http://schemas.microsoft.com/office/drawing/2014/main" id="{8425487D-71C8-878C-0778-6EBF3E3A7057}"/>
-              </a:ext>
-            </a:extLst>
-          </p:cNvPr>
+          <p:cNvPr id="6" name="Slide Number Placeholder 5"/>
           <p:cNvSpPr>
             <a:spLocks noGrp="1"/>
           </p:cNvSpPr>
@@ -1241,7 +3366,7 @@
     </p:spTree>
     <p:extLst>
       <p:ext uri="{BB962C8B-B14F-4D97-AF65-F5344CB8AC3E}">
-        <p14:creationId xmlns:p14="http://schemas.microsoft.com/office/powerpoint/2010/main" val="2257086872"/>
+        <p14:creationId xmlns:p14="http://schemas.microsoft.com/office/powerpoint/2010/main" val="1648725473"/>
       </p:ext>
     </p:extLst>
   </p:cSld>
@@ -1270,13 +3395,7 @@
       </p:grpSpPr>
       <p:sp>
         <p:nvSpPr>
-          <p:cNvPr id="2" name="Titel 1">
-            <a:extLst>
-              <a:ext uri="{FF2B5EF4-FFF2-40B4-BE49-F238E27FC236}">
-                <a16:creationId xmlns:a16="http://schemas.microsoft.com/office/drawing/2014/main" id="{E0A1E774-6F76-3EE7-0F66-99DAC3B64A32}"/>
-              </a:ext>
-            </a:extLst>
-          </p:cNvPr>
+          <p:cNvPr id="2" name="Title 1"/>
           <p:cNvSpPr>
             <a:spLocks noGrp="1"/>
           </p:cNvSpPr>
@@ -1293,18 +3412,13 @@
               <a:rPr lang="da-DK"/>
               <a:t>Klik for at redigere titeltypografien i masteren</a:t>
             </a:r>
-          </a:p>
-        </p:txBody>
-      </p:sp>
-      <p:sp>
-        <p:nvSpPr>
-          <p:cNvPr id="3" name="Pladsholder til indhold 2">
-            <a:extLst>
-              <a:ext uri="{FF2B5EF4-FFF2-40B4-BE49-F238E27FC236}">
-                <a16:creationId xmlns:a16="http://schemas.microsoft.com/office/drawing/2014/main" id="{2B20CB76-93A3-AA7C-67B6-36533DEC62DE}"/>
-              </a:ext>
-            </a:extLst>
-          </p:cNvPr>
+            <a:endParaRPr lang="en-US" dirty="0"/>
+          </a:p>
+        </p:txBody>
+      </p:sp>
+      <p:sp>
+        <p:nvSpPr>
+          <p:cNvPr id="3" name="Content Placeholder 2"/>
           <p:cNvSpPr>
             <a:spLocks noGrp="1"/>
           </p:cNvSpPr>
@@ -1314,8 +3428,8 @@
         </p:nvSpPr>
         <p:spPr>
           <a:xfrm>
-            <a:off x="838200" y="1825625"/>
-            <a:ext cx="5181600" cy="4351338"/>
+            <a:off x="677334" y="2160589"/>
+            <a:ext cx="4184035" cy="3880772"/>
           </a:xfrm>
         </p:spPr>
         <p:txBody>
@@ -1355,18 +3469,13 @@
               <a:rPr lang="da-DK"/>
               <a:t>Femte niveau</a:t>
             </a:r>
-          </a:p>
-        </p:txBody>
-      </p:sp>
-      <p:sp>
-        <p:nvSpPr>
-          <p:cNvPr id="4" name="Pladsholder til indhold 3">
-            <a:extLst>
-              <a:ext uri="{FF2B5EF4-FFF2-40B4-BE49-F238E27FC236}">
-                <a16:creationId xmlns:a16="http://schemas.microsoft.com/office/drawing/2014/main" id="{57CF5C96-1894-83AC-690A-9B5E641D6AB8}"/>
-              </a:ext>
-            </a:extLst>
-          </p:cNvPr>
+            <a:endParaRPr lang="en-US" dirty="0"/>
+          </a:p>
+        </p:txBody>
+      </p:sp>
+      <p:sp>
+        <p:nvSpPr>
+          <p:cNvPr id="4" name="Content Placeholder 3"/>
           <p:cNvSpPr>
             <a:spLocks noGrp="1"/>
           </p:cNvSpPr>
@@ -1376,8 +3485,8 @@
         </p:nvSpPr>
         <p:spPr>
           <a:xfrm>
-            <a:off x="6172200" y="1825625"/>
-            <a:ext cx="5181600" cy="4351338"/>
+            <a:off x="5089970" y="2160589"/>
+            <a:ext cx="4184034" cy="3880773"/>
           </a:xfrm>
         </p:spPr>
         <p:txBody>
@@ -1417,18 +3526,13 @@
               <a:rPr lang="da-DK"/>
               <a:t>Femte niveau</a:t>
             </a:r>
-          </a:p>
-        </p:txBody>
-      </p:sp>
-      <p:sp>
-        <p:nvSpPr>
-          <p:cNvPr id="5" name="Pladsholder til dato 4">
-            <a:extLst>
-              <a:ext uri="{FF2B5EF4-FFF2-40B4-BE49-F238E27FC236}">
-                <a16:creationId xmlns:a16="http://schemas.microsoft.com/office/drawing/2014/main" id="{9606338F-635C-46E1-2FB6-EEBDED2CB1F1}"/>
-              </a:ext>
-            </a:extLst>
-          </p:cNvPr>
+            <a:endParaRPr lang="en-US" dirty="0"/>
+          </a:p>
+        </p:txBody>
+      </p:sp>
+      <p:sp>
+        <p:nvSpPr>
+          <p:cNvPr id="5" name="Date Placeholder 4"/>
           <p:cNvSpPr>
             <a:spLocks noGrp="1"/>
           </p:cNvSpPr>
@@ -1443,7 +3547,7 @@
           <a:p>
             <a:fld id="{91030A3A-3FC1-45BF-B872-DDA6D7DD7D4B}" type="datetimeFigureOut">
               <a:rPr lang="da-DK" smtClean="0"/>
-              <a:t>27-09-2023</a:t>
+              <a:t>04-10-2023</a:t>
             </a:fld>
             <a:endParaRPr lang="da-DK"/>
           </a:p>
@@ -1451,13 +3555,7 @@
       </p:sp>
       <p:sp>
         <p:nvSpPr>
-          <p:cNvPr id="6" name="Pladsholder til sidefod 5">
-            <a:extLst>
-              <a:ext uri="{FF2B5EF4-FFF2-40B4-BE49-F238E27FC236}">
-                <a16:creationId xmlns:a16="http://schemas.microsoft.com/office/drawing/2014/main" id="{8AF56B00-0496-F1D9-C477-B7D91300C2F4}"/>
-              </a:ext>
-            </a:extLst>
-          </p:cNvPr>
+          <p:cNvPr id="6" name="Footer Placeholder 5"/>
           <p:cNvSpPr>
             <a:spLocks noGrp="1"/>
           </p:cNvSpPr>
@@ -1476,13 +3574,7 @@
       </p:sp>
       <p:sp>
         <p:nvSpPr>
-          <p:cNvPr id="7" name="Pladsholder til slidenummer 6">
-            <a:extLst>
-              <a:ext uri="{FF2B5EF4-FFF2-40B4-BE49-F238E27FC236}">
-                <a16:creationId xmlns:a16="http://schemas.microsoft.com/office/drawing/2014/main" id="{77336A01-631F-9B6F-EBA0-96CD1FC78FEC}"/>
-              </a:ext>
-            </a:extLst>
-          </p:cNvPr>
+          <p:cNvPr id="7" name="Slide Number Placeholder 6"/>
           <p:cNvSpPr>
             <a:spLocks noGrp="1"/>
           </p:cNvSpPr>
@@ -1506,7 +3598,7 @@
     </p:spTree>
     <p:extLst>
       <p:ext uri="{BB962C8B-B14F-4D97-AF65-F5344CB8AC3E}">
-        <p14:creationId xmlns:p14="http://schemas.microsoft.com/office/powerpoint/2010/main" val="4032985805"/>
+        <p14:creationId xmlns:p14="http://schemas.microsoft.com/office/powerpoint/2010/main" val="1621438651"/>
       </p:ext>
     </p:extLst>
   </p:cSld>
@@ -1535,65 +3627,55 @@
       </p:grpSpPr>
       <p:sp>
         <p:nvSpPr>
-          <p:cNvPr id="2" name="Titel 1">
-            <a:extLst>
-              <a:ext uri="{FF2B5EF4-FFF2-40B4-BE49-F238E27FC236}">
-                <a16:creationId xmlns:a16="http://schemas.microsoft.com/office/drawing/2014/main" id="{BEBF135B-5654-DA3A-BE7C-C6A46418D165}"/>
-              </a:ext>
-            </a:extLst>
-          </p:cNvPr>
+          <p:cNvPr id="2" name="Title 1"/>
           <p:cNvSpPr>
             <a:spLocks noGrp="1"/>
           </p:cNvSpPr>
           <p:nvPr>
             <p:ph type="title"/>
+          </p:nvPr>
+        </p:nvSpPr>
+        <p:spPr/>
+        <p:txBody>
+          <a:bodyPr/>
+          <a:lstStyle>
+            <a:lvl1pPr>
+              <a:defRPr/>
+            </a:lvl1pPr>
+          </a:lstStyle>
+          <a:p>
+            <a:r>
+              <a:rPr lang="da-DK"/>
+              <a:t>Klik for at redigere titeltypografien i masteren</a:t>
+            </a:r>
+            <a:endParaRPr lang="en-US" dirty="0"/>
+          </a:p>
+        </p:txBody>
+      </p:sp>
+      <p:sp>
+        <p:nvSpPr>
+          <p:cNvPr id="3" name="Text Placeholder 2"/>
+          <p:cNvSpPr>
+            <a:spLocks noGrp="1"/>
+          </p:cNvSpPr>
+          <p:nvPr>
+            <p:ph type="body" idx="1"/>
           </p:nvPr>
         </p:nvSpPr>
         <p:spPr>
           <a:xfrm>
-            <a:off x="839788" y="365125"/>
-            <a:ext cx="10515600" cy="1325563"/>
+            <a:off x="675745" y="2160983"/>
+            <a:ext cx="4185623" cy="576262"/>
           </a:xfrm>
         </p:spPr>
         <p:txBody>
-          <a:bodyPr/>
-          <a:lstStyle/>
-          <a:p>
-            <a:r>
-              <a:rPr lang="da-DK"/>
-              <a:t>Klik for at redigere titeltypografien i masteren</a:t>
-            </a:r>
-          </a:p>
-        </p:txBody>
-      </p:sp>
-      <p:sp>
-        <p:nvSpPr>
-          <p:cNvPr id="3" name="Pladsholder til tekst 2">
-            <a:extLst>
-              <a:ext uri="{FF2B5EF4-FFF2-40B4-BE49-F238E27FC236}">
-                <a16:creationId xmlns:a16="http://schemas.microsoft.com/office/drawing/2014/main" id="{50151063-D51E-C664-6398-D9C0879620B8}"/>
-              </a:ext>
-            </a:extLst>
-          </p:cNvPr>
-          <p:cNvSpPr>
-            <a:spLocks noGrp="1"/>
-          </p:cNvSpPr>
-          <p:nvPr>
-            <p:ph type="body" idx="1"/>
-          </p:nvPr>
-        </p:nvSpPr>
-        <p:spPr>
-          <a:xfrm>
-            <a:off x="839788" y="1681163"/>
-            <a:ext cx="5157787" cy="823912"/>
-          </a:xfrm>
-        </p:spPr>
-        <p:txBody>
-          <a:bodyPr anchor="b"/>
+          <a:bodyPr anchor="b">
+            <a:noAutofit/>
+          </a:bodyPr>
           <a:lstStyle>
             <a:lvl1pPr marL="0" indent="0">
               <a:buNone/>
-              <a:defRPr sz="2400" b="1"/>
+              <a:defRPr sz="2400" b="0"/>
             </a:lvl1pPr>
             <a:lvl2pPr marL="457200" indent="0">
               <a:buNone/>
@@ -1639,13 +3721,7 @@
       </p:sp>
       <p:sp>
         <p:nvSpPr>
-          <p:cNvPr id="4" name="Pladsholder til indhold 3">
-            <a:extLst>
-              <a:ext uri="{FF2B5EF4-FFF2-40B4-BE49-F238E27FC236}">
-                <a16:creationId xmlns:a16="http://schemas.microsoft.com/office/drawing/2014/main" id="{F584DB61-85C4-437C-8F04-A34FD4B049A2}"/>
-              </a:ext>
-            </a:extLst>
-          </p:cNvPr>
+          <p:cNvPr id="4" name="Content Placeholder 3"/>
           <p:cNvSpPr>
             <a:spLocks noGrp="1"/>
           </p:cNvSpPr>
@@ -1655,12 +3731,14 @@
         </p:nvSpPr>
         <p:spPr>
           <a:xfrm>
-            <a:off x="839788" y="2505075"/>
-            <a:ext cx="5157787" cy="3684588"/>
+            <a:off x="675745" y="2737245"/>
+            <a:ext cx="4185623" cy="3304117"/>
           </a:xfrm>
         </p:spPr>
         <p:txBody>
-          <a:bodyPr/>
+          <a:bodyPr>
+            <a:normAutofit/>
+          </a:bodyPr>
           <a:lstStyle/>
           <a:p>
             <a:pPr lvl="0"/>
@@ -1696,18 +3774,13 @@
               <a:rPr lang="da-DK"/>
               <a:t>Femte niveau</a:t>
             </a:r>
-          </a:p>
-        </p:txBody>
-      </p:sp>
-      <p:sp>
-        <p:nvSpPr>
-          <p:cNvPr id="5" name="Pladsholder til tekst 4">
-            <a:extLst>
-              <a:ext uri="{FF2B5EF4-FFF2-40B4-BE49-F238E27FC236}">
-                <a16:creationId xmlns:a16="http://schemas.microsoft.com/office/drawing/2014/main" id="{509C9C48-8DB4-D9C4-F0E0-9650E3514B83}"/>
-              </a:ext>
-            </a:extLst>
-          </p:cNvPr>
+            <a:endParaRPr lang="en-US" dirty="0"/>
+          </a:p>
+        </p:txBody>
+      </p:sp>
+      <p:sp>
+        <p:nvSpPr>
+          <p:cNvPr id="5" name="Text Placeholder 4"/>
           <p:cNvSpPr>
             <a:spLocks noGrp="1"/>
           </p:cNvSpPr>
@@ -1717,16 +3790,18 @@
         </p:nvSpPr>
         <p:spPr>
           <a:xfrm>
-            <a:off x="6172200" y="1681163"/>
-            <a:ext cx="5183188" cy="823912"/>
+            <a:off x="5088383" y="2160983"/>
+            <a:ext cx="4185618" cy="576262"/>
           </a:xfrm>
         </p:spPr>
         <p:txBody>
-          <a:bodyPr anchor="b"/>
+          <a:bodyPr anchor="b">
+            <a:noAutofit/>
+          </a:bodyPr>
           <a:lstStyle>
             <a:lvl1pPr marL="0" indent="0">
               <a:buNone/>
-              <a:defRPr sz="2400" b="1"/>
+              <a:defRPr sz="2400" b="0"/>
             </a:lvl1pPr>
             <a:lvl2pPr marL="457200" indent="0">
               <a:buNone/>
@@ -1772,13 +3847,7 @@
       </p:sp>
       <p:sp>
         <p:nvSpPr>
-          <p:cNvPr id="6" name="Pladsholder til indhold 5">
-            <a:extLst>
-              <a:ext uri="{FF2B5EF4-FFF2-40B4-BE49-F238E27FC236}">
-                <a16:creationId xmlns:a16="http://schemas.microsoft.com/office/drawing/2014/main" id="{B1551B16-F01E-5755-921F-BD42CAD64D38}"/>
-              </a:ext>
-            </a:extLst>
-          </p:cNvPr>
+          <p:cNvPr id="6" name="Content Placeholder 5"/>
           <p:cNvSpPr>
             <a:spLocks noGrp="1"/>
           </p:cNvSpPr>
@@ -1788,12 +3857,14 @@
         </p:nvSpPr>
         <p:spPr>
           <a:xfrm>
-            <a:off x="6172200" y="2505075"/>
-            <a:ext cx="5183188" cy="3684588"/>
+            <a:off x="5088384" y="2737245"/>
+            <a:ext cx="4185617" cy="3304117"/>
           </a:xfrm>
         </p:spPr>
         <p:txBody>
-          <a:bodyPr/>
+          <a:bodyPr>
+            <a:normAutofit/>
+          </a:bodyPr>
           <a:lstStyle/>
           <a:p>
             <a:pPr lvl="0"/>
@@ -1829,18 +3900,13 @@
               <a:rPr lang="da-DK"/>
               <a:t>Femte niveau</a:t>
             </a:r>
-          </a:p>
-        </p:txBody>
-      </p:sp>
-      <p:sp>
-        <p:nvSpPr>
-          <p:cNvPr id="7" name="Pladsholder til dato 6">
-            <a:extLst>
-              <a:ext uri="{FF2B5EF4-FFF2-40B4-BE49-F238E27FC236}">
-                <a16:creationId xmlns:a16="http://schemas.microsoft.com/office/drawing/2014/main" id="{8DE67BC1-0597-756F-5903-532AF2745273}"/>
-              </a:ext>
-            </a:extLst>
-          </p:cNvPr>
+            <a:endParaRPr lang="en-US" dirty="0"/>
+          </a:p>
+        </p:txBody>
+      </p:sp>
+      <p:sp>
+        <p:nvSpPr>
+          <p:cNvPr id="7" name="Date Placeholder 6"/>
           <p:cNvSpPr>
             <a:spLocks noGrp="1"/>
           </p:cNvSpPr>
@@ -1855,7 +3921,7 @@
           <a:p>
             <a:fld id="{91030A3A-3FC1-45BF-B872-DDA6D7DD7D4B}" type="datetimeFigureOut">
               <a:rPr lang="da-DK" smtClean="0"/>
-              <a:t>27-09-2023</a:t>
+              <a:t>04-10-2023</a:t>
             </a:fld>
             <a:endParaRPr lang="da-DK"/>
           </a:p>
@@ -1863,13 +3929,7 @@
       </p:sp>
       <p:sp>
         <p:nvSpPr>
-          <p:cNvPr id="8" name="Pladsholder til sidefod 7">
-            <a:extLst>
-              <a:ext uri="{FF2B5EF4-FFF2-40B4-BE49-F238E27FC236}">
-                <a16:creationId xmlns:a16="http://schemas.microsoft.com/office/drawing/2014/main" id="{32419DE1-C38F-C98E-DEE8-B75E4DB20E75}"/>
-              </a:ext>
-            </a:extLst>
-          </p:cNvPr>
+          <p:cNvPr id="8" name="Footer Placeholder 7"/>
           <p:cNvSpPr>
             <a:spLocks noGrp="1"/>
           </p:cNvSpPr>
@@ -1888,13 +3948,7 @@
       </p:sp>
       <p:sp>
         <p:nvSpPr>
-          <p:cNvPr id="9" name="Pladsholder til slidenummer 8">
-            <a:extLst>
-              <a:ext uri="{FF2B5EF4-FFF2-40B4-BE49-F238E27FC236}">
-                <a16:creationId xmlns:a16="http://schemas.microsoft.com/office/drawing/2014/main" id="{686BD34A-3E98-502F-1C4A-9A688CE67CA8}"/>
-              </a:ext>
-            </a:extLst>
-          </p:cNvPr>
+          <p:cNvPr id="9" name="Slide Number Placeholder 8"/>
           <p:cNvSpPr>
             <a:spLocks noGrp="1"/>
           </p:cNvSpPr>
@@ -1918,7 +3972,7 @@
     </p:spTree>
     <p:extLst>
       <p:ext uri="{BB962C8B-B14F-4D97-AF65-F5344CB8AC3E}">
-        <p14:creationId xmlns:p14="http://schemas.microsoft.com/office/powerpoint/2010/main" val="3027981258"/>
+        <p14:creationId xmlns:p14="http://schemas.microsoft.com/office/powerpoint/2010/main" val="2287995125"/>
       </p:ext>
     </p:extLst>
   </p:cSld>
@@ -1947,13 +4001,7 @@
       </p:grpSpPr>
       <p:sp>
         <p:nvSpPr>
-          <p:cNvPr id="2" name="Titel 1">
-            <a:extLst>
-              <a:ext uri="{FF2B5EF4-FFF2-40B4-BE49-F238E27FC236}">
-                <a16:creationId xmlns:a16="http://schemas.microsoft.com/office/drawing/2014/main" id="{FAB12C4E-D0D3-D0FC-86E9-8D17D8EB60A6}"/>
-              </a:ext>
-            </a:extLst>
-          </p:cNvPr>
+          <p:cNvPr id="2" name="Title 1"/>
           <p:cNvSpPr>
             <a:spLocks noGrp="1"/>
           </p:cNvSpPr>
@@ -1961,7 +4009,12 @@
             <p:ph type="title"/>
           </p:nvPr>
         </p:nvSpPr>
-        <p:spPr/>
+        <p:spPr>
+          <a:xfrm>
+            <a:off x="677334" y="609600"/>
+            <a:ext cx="8596668" cy="1320800"/>
+          </a:xfrm>
+        </p:spPr>
         <p:txBody>
           <a:bodyPr/>
           <a:lstStyle/>
@@ -1970,18 +4023,13 @@
               <a:rPr lang="da-DK"/>
               <a:t>Klik for at redigere titeltypografien i masteren</a:t>
             </a:r>
-          </a:p>
-        </p:txBody>
-      </p:sp>
-      <p:sp>
-        <p:nvSpPr>
-          <p:cNvPr id="3" name="Pladsholder til dato 2">
-            <a:extLst>
-              <a:ext uri="{FF2B5EF4-FFF2-40B4-BE49-F238E27FC236}">
-                <a16:creationId xmlns:a16="http://schemas.microsoft.com/office/drawing/2014/main" id="{01C8C23B-5662-2F6F-C826-3F589A86DF15}"/>
-              </a:ext>
-            </a:extLst>
-          </p:cNvPr>
+            <a:endParaRPr lang="en-US" dirty="0"/>
+          </a:p>
+        </p:txBody>
+      </p:sp>
+      <p:sp>
+        <p:nvSpPr>
+          <p:cNvPr id="3" name="Date Placeholder 2"/>
           <p:cNvSpPr>
             <a:spLocks noGrp="1"/>
           </p:cNvSpPr>
@@ -1996,7 +4044,7 @@
           <a:p>
             <a:fld id="{91030A3A-3FC1-45BF-B872-DDA6D7DD7D4B}" type="datetimeFigureOut">
               <a:rPr lang="da-DK" smtClean="0"/>
-              <a:t>27-09-2023</a:t>
+              <a:t>04-10-2023</a:t>
             </a:fld>
             <a:endParaRPr lang="da-DK"/>
           </a:p>
@@ -2004,13 +4052,7 @@
       </p:sp>
       <p:sp>
         <p:nvSpPr>
-          <p:cNvPr id="4" name="Pladsholder til sidefod 3">
-            <a:extLst>
-              <a:ext uri="{FF2B5EF4-FFF2-40B4-BE49-F238E27FC236}">
-                <a16:creationId xmlns:a16="http://schemas.microsoft.com/office/drawing/2014/main" id="{9007661B-DF72-4E71-FE88-4CB3414A4D72}"/>
-              </a:ext>
-            </a:extLst>
-          </p:cNvPr>
+          <p:cNvPr id="4" name="Footer Placeholder 3"/>
           <p:cNvSpPr>
             <a:spLocks noGrp="1"/>
           </p:cNvSpPr>
@@ -2029,13 +4071,7 @@
       </p:sp>
       <p:sp>
         <p:nvSpPr>
-          <p:cNvPr id="5" name="Pladsholder til slidenummer 4">
-            <a:extLst>
-              <a:ext uri="{FF2B5EF4-FFF2-40B4-BE49-F238E27FC236}">
-                <a16:creationId xmlns:a16="http://schemas.microsoft.com/office/drawing/2014/main" id="{4D0C9865-D264-53C1-1A24-437891B77F0E}"/>
-              </a:ext>
-            </a:extLst>
-          </p:cNvPr>
+          <p:cNvPr id="5" name="Slide Number Placeholder 4"/>
           <p:cNvSpPr>
             <a:spLocks noGrp="1"/>
           </p:cNvSpPr>
@@ -2059,7 +4095,7 @@
     </p:spTree>
     <p:extLst>
       <p:ext uri="{BB962C8B-B14F-4D97-AF65-F5344CB8AC3E}">
-        <p14:creationId xmlns:p14="http://schemas.microsoft.com/office/powerpoint/2010/main" val="4273645124"/>
+        <p14:creationId xmlns:p14="http://schemas.microsoft.com/office/powerpoint/2010/main" val="556094339"/>
       </p:ext>
     </p:extLst>
   </p:cSld>
@@ -2088,13 +4124,7 @@
       </p:grpSpPr>
       <p:sp>
         <p:nvSpPr>
-          <p:cNvPr id="2" name="Pladsholder til dato 1">
-            <a:extLst>
-              <a:ext uri="{FF2B5EF4-FFF2-40B4-BE49-F238E27FC236}">
-                <a16:creationId xmlns:a16="http://schemas.microsoft.com/office/drawing/2014/main" id="{1F18E330-4DF0-0173-E276-ABCCA0C67930}"/>
-              </a:ext>
-            </a:extLst>
-          </p:cNvPr>
+          <p:cNvPr id="2" name="Date Placeholder 1"/>
           <p:cNvSpPr>
             <a:spLocks noGrp="1"/>
           </p:cNvSpPr>
@@ -2109,7 +4139,7 @@
           <a:p>
             <a:fld id="{91030A3A-3FC1-45BF-B872-DDA6D7DD7D4B}" type="datetimeFigureOut">
               <a:rPr lang="da-DK" smtClean="0"/>
-              <a:t>27-09-2023</a:t>
+              <a:t>04-10-2023</a:t>
             </a:fld>
             <a:endParaRPr lang="da-DK"/>
           </a:p>
@@ -2117,13 +4147,7 @@
       </p:sp>
       <p:sp>
         <p:nvSpPr>
-          <p:cNvPr id="3" name="Pladsholder til sidefod 2">
-            <a:extLst>
-              <a:ext uri="{FF2B5EF4-FFF2-40B4-BE49-F238E27FC236}">
-                <a16:creationId xmlns:a16="http://schemas.microsoft.com/office/drawing/2014/main" id="{EB5516E0-7264-B488-0037-02212732CDF8}"/>
-              </a:ext>
-            </a:extLst>
-          </p:cNvPr>
+          <p:cNvPr id="3" name="Footer Placeholder 2"/>
           <p:cNvSpPr>
             <a:spLocks noGrp="1"/>
           </p:cNvSpPr>
@@ -2142,13 +4166,7 @@
       </p:sp>
       <p:sp>
         <p:nvSpPr>
-          <p:cNvPr id="4" name="Pladsholder til slidenummer 3">
-            <a:extLst>
-              <a:ext uri="{FF2B5EF4-FFF2-40B4-BE49-F238E27FC236}">
-                <a16:creationId xmlns:a16="http://schemas.microsoft.com/office/drawing/2014/main" id="{3E3A54AC-C3B3-3F17-1D3A-696432DA3079}"/>
-              </a:ext>
-            </a:extLst>
-          </p:cNvPr>
+          <p:cNvPr id="4" name="Slide Number Placeholder 3"/>
           <p:cNvSpPr>
             <a:spLocks noGrp="1"/>
           </p:cNvSpPr>
@@ -2172,7 +4190,7 @@
     </p:spTree>
     <p:extLst>
       <p:ext uri="{BB962C8B-B14F-4D97-AF65-F5344CB8AC3E}">
-        <p14:creationId xmlns:p14="http://schemas.microsoft.com/office/powerpoint/2010/main" val="2857380816"/>
+        <p14:creationId xmlns:p14="http://schemas.microsoft.com/office/powerpoint/2010/main" val="2580360253"/>
       </p:ext>
     </p:extLst>
   </p:cSld>
@@ -2201,13 +4219,7 @@
       </p:grpSpPr>
       <p:sp>
         <p:nvSpPr>
-          <p:cNvPr id="2" name="Titel 1">
-            <a:extLst>
-              <a:ext uri="{FF2B5EF4-FFF2-40B4-BE49-F238E27FC236}">
-                <a16:creationId xmlns:a16="http://schemas.microsoft.com/office/drawing/2014/main" id="{A3D5CBF0-8119-AF8A-5379-E0CDFFA23B09}"/>
-              </a:ext>
-            </a:extLst>
-          </p:cNvPr>
+          <p:cNvPr id="2" name="Title 1"/>
           <p:cNvSpPr>
             <a:spLocks noGrp="1"/>
           </p:cNvSpPr>
@@ -2217,15 +4229,17 @@
         </p:nvSpPr>
         <p:spPr>
           <a:xfrm>
-            <a:off x="839788" y="457200"/>
-            <a:ext cx="3932237" cy="1600200"/>
+            <a:off x="677334" y="1498604"/>
+            <a:ext cx="3854528" cy="1278466"/>
           </a:xfrm>
         </p:spPr>
         <p:txBody>
-          <a:bodyPr anchor="b"/>
+          <a:bodyPr anchor="b">
+            <a:normAutofit/>
+          </a:bodyPr>
           <a:lstStyle>
             <a:lvl1pPr>
-              <a:defRPr sz="3200"/>
+              <a:defRPr sz="2000"/>
             </a:lvl1pPr>
           </a:lstStyle>
           <a:p>
@@ -2233,18 +4247,13 @@
               <a:rPr lang="da-DK"/>
               <a:t>Klik for at redigere titeltypografien i masteren</a:t>
             </a:r>
-          </a:p>
-        </p:txBody>
-      </p:sp>
-      <p:sp>
-        <p:nvSpPr>
-          <p:cNvPr id="3" name="Pladsholder til indhold 2">
-            <a:extLst>
-              <a:ext uri="{FF2B5EF4-FFF2-40B4-BE49-F238E27FC236}">
-                <a16:creationId xmlns:a16="http://schemas.microsoft.com/office/drawing/2014/main" id="{CA0AA11F-F4DF-96D1-9CB3-DCE25FDFF53C}"/>
-              </a:ext>
-            </a:extLst>
-          </p:cNvPr>
+            <a:endParaRPr lang="en-US" dirty="0"/>
+          </a:p>
+        </p:txBody>
+      </p:sp>
+      <p:sp>
+        <p:nvSpPr>
+          <p:cNvPr id="3" name="Content Placeholder 2"/>
           <p:cNvSpPr>
             <a:spLocks noGrp="1"/>
           </p:cNvSpPr>
@@ -2254,41 +4263,15 @@
         </p:nvSpPr>
         <p:spPr>
           <a:xfrm>
-            <a:off x="5183188" y="987425"/>
-            <a:ext cx="6172200" cy="4873625"/>
+            <a:off x="4760461" y="514924"/>
+            <a:ext cx="4513541" cy="5526437"/>
           </a:xfrm>
         </p:spPr>
         <p:txBody>
-          <a:bodyPr/>
-          <a:lstStyle>
-            <a:lvl1pPr>
-              <a:defRPr sz="3200"/>
-            </a:lvl1pPr>
-            <a:lvl2pPr>
-              <a:defRPr sz="2800"/>
-            </a:lvl2pPr>
-            <a:lvl3pPr>
-              <a:defRPr sz="2400"/>
-            </a:lvl3pPr>
-            <a:lvl4pPr>
-              <a:defRPr sz="2000"/>
-            </a:lvl4pPr>
-            <a:lvl5pPr>
-              <a:defRPr sz="2000"/>
-            </a:lvl5pPr>
-            <a:lvl6pPr>
-              <a:defRPr sz="2000"/>
-            </a:lvl6pPr>
-            <a:lvl7pPr>
-              <a:defRPr sz="2000"/>
-            </a:lvl7pPr>
-            <a:lvl8pPr>
-              <a:defRPr sz="2000"/>
-            </a:lvl8pPr>
-            <a:lvl9pPr>
-              <a:defRPr sz="2000"/>
-            </a:lvl9pPr>
-          </a:lstStyle>
+          <a:bodyPr>
+            <a:normAutofit/>
+          </a:bodyPr>
+          <a:lstStyle/>
           <a:p>
             <a:pPr lvl="0"/>
             <a:r>
@@ -2323,18 +4306,13 @@
               <a:rPr lang="da-DK"/>
               <a:t>Femte niveau</a:t>
             </a:r>
-          </a:p>
-        </p:txBody>
-      </p:sp>
-      <p:sp>
-        <p:nvSpPr>
-          <p:cNvPr id="4" name="Pladsholder til tekst 3">
-            <a:extLst>
-              <a:ext uri="{FF2B5EF4-FFF2-40B4-BE49-F238E27FC236}">
-                <a16:creationId xmlns:a16="http://schemas.microsoft.com/office/drawing/2014/main" id="{58CD8412-FC0D-A1F6-A290-109E6249E2FE}"/>
-              </a:ext>
-            </a:extLst>
-          </p:cNvPr>
+            <a:endParaRPr lang="en-US" dirty="0"/>
+          </a:p>
+        </p:txBody>
+      </p:sp>
+      <p:sp>
+        <p:nvSpPr>
+          <p:cNvPr id="4" name="Text Placeholder 3"/>
           <p:cNvSpPr>
             <a:spLocks noGrp="1"/>
           </p:cNvSpPr>
@@ -2344,46 +4322,48 @@
         </p:nvSpPr>
         <p:spPr>
           <a:xfrm>
-            <a:off x="839788" y="2057400"/>
-            <a:ext cx="3932237" cy="3811588"/>
+            <a:off x="677334" y="2777069"/>
+            <a:ext cx="3854528" cy="2584449"/>
           </a:xfrm>
         </p:spPr>
         <p:txBody>
-          <a:bodyPr/>
+          <a:bodyPr>
+            <a:normAutofit/>
+          </a:bodyPr>
           <a:lstStyle>
             <a:lvl1pPr marL="0" indent="0">
               <a:buNone/>
-              <a:defRPr sz="1600"/>
+              <a:defRPr sz="1400"/>
             </a:lvl1pPr>
-            <a:lvl2pPr marL="457200" indent="0">
+            <a:lvl2pPr marL="457063" indent="0">
               <a:buNone/>
               <a:defRPr sz="1400"/>
             </a:lvl2pPr>
-            <a:lvl3pPr marL="914400" indent="0">
+            <a:lvl3pPr marL="914126" indent="0">
               <a:buNone/>
               <a:defRPr sz="1200"/>
             </a:lvl3pPr>
-            <a:lvl4pPr marL="1371600" indent="0">
+            <a:lvl4pPr marL="1371189" indent="0">
               <a:buNone/>
               <a:defRPr sz="1000"/>
             </a:lvl4pPr>
-            <a:lvl5pPr marL="1828800" indent="0">
+            <a:lvl5pPr marL="1828251" indent="0">
               <a:buNone/>
               <a:defRPr sz="1000"/>
             </a:lvl5pPr>
-            <a:lvl6pPr marL="2286000" indent="0">
+            <a:lvl6pPr marL="2285314" indent="0">
               <a:buNone/>
               <a:defRPr sz="1000"/>
             </a:lvl6pPr>
-            <a:lvl7pPr marL="2743200" indent="0">
+            <a:lvl7pPr marL="2742377" indent="0">
               <a:buNone/>
               <a:defRPr sz="1000"/>
             </a:lvl7pPr>
-            <a:lvl8pPr marL="3200400" indent="0">
+            <a:lvl8pPr marL="3199440" indent="0">
               <a:buNone/>
               <a:defRPr sz="1000"/>
             </a:lvl8pPr>
-            <a:lvl9pPr marL="3657600" indent="0">
+            <a:lvl9pPr marL="3656503" indent="0">
               <a:buNone/>
               <a:defRPr sz="1000"/>
             </a:lvl9pPr>
@@ -2399,13 +4379,7 @@
       </p:sp>
       <p:sp>
         <p:nvSpPr>
-          <p:cNvPr id="5" name="Pladsholder til dato 4">
-            <a:extLst>
-              <a:ext uri="{FF2B5EF4-FFF2-40B4-BE49-F238E27FC236}">
-                <a16:creationId xmlns:a16="http://schemas.microsoft.com/office/drawing/2014/main" id="{CD0C4806-47FE-8612-BBC3-DA8AC63541D0}"/>
-              </a:ext>
-            </a:extLst>
-          </p:cNvPr>
+          <p:cNvPr id="5" name="Date Placeholder 4"/>
           <p:cNvSpPr>
             <a:spLocks noGrp="1"/>
           </p:cNvSpPr>
@@ -2420,7 +4394,7 @@
           <a:p>
             <a:fld id="{91030A3A-3FC1-45BF-B872-DDA6D7DD7D4B}" type="datetimeFigureOut">
               <a:rPr lang="da-DK" smtClean="0"/>
-              <a:t>27-09-2023</a:t>
+              <a:t>04-10-2023</a:t>
             </a:fld>
             <a:endParaRPr lang="da-DK"/>
           </a:p>
@@ -2428,13 +4402,7 @@
       </p:sp>
       <p:sp>
         <p:nvSpPr>
-          <p:cNvPr id="6" name="Pladsholder til sidefod 5">
-            <a:extLst>
-              <a:ext uri="{FF2B5EF4-FFF2-40B4-BE49-F238E27FC236}">
-                <a16:creationId xmlns:a16="http://schemas.microsoft.com/office/drawing/2014/main" id="{CA0F3D2D-E6D6-1453-A210-F4BBD7DBA4EF}"/>
-              </a:ext>
-            </a:extLst>
-          </p:cNvPr>
+          <p:cNvPr id="6" name="Footer Placeholder 5"/>
           <p:cNvSpPr>
             <a:spLocks noGrp="1"/>
           </p:cNvSpPr>
@@ -2453,13 +4421,7 @@
       </p:sp>
       <p:sp>
         <p:nvSpPr>
-          <p:cNvPr id="7" name="Pladsholder til slidenummer 6">
-            <a:extLst>
-              <a:ext uri="{FF2B5EF4-FFF2-40B4-BE49-F238E27FC236}">
-                <a16:creationId xmlns:a16="http://schemas.microsoft.com/office/drawing/2014/main" id="{570A02A0-AA18-2B65-003C-5F0B5B3291FE}"/>
-              </a:ext>
-            </a:extLst>
-          </p:cNvPr>
+          <p:cNvPr id="7" name="Slide Number Placeholder 6"/>
           <p:cNvSpPr>
             <a:spLocks noGrp="1"/>
           </p:cNvSpPr>
@@ -2483,7 +4445,7 @@
     </p:spTree>
     <p:extLst>
       <p:ext uri="{BB962C8B-B14F-4D97-AF65-F5344CB8AC3E}">
-        <p14:creationId xmlns:p14="http://schemas.microsoft.com/office/powerpoint/2010/main" val="524932338"/>
+        <p14:creationId xmlns:p14="http://schemas.microsoft.com/office/powerpoint/2010/main" val="4148514742"/>
       </p:ext>
     </p:extLst>
   </p:cSld>
@@ -2512,13 +4474,7 @@
       </p:grpSpPr>
       <p:sp>
         <p:nvSpPr>
-          <p:cNvPr id="2" name="Titel 1">
-            <a:extLst>
-              <a:ext uri="{FF2B5EF4-FFF2-40B4-BE49-F238E27FC236}">
-                <a16:creationId xmlns:a16="http://schemas.microsoft.com/office/drawing/2014/main" id="{BDF9067E-16E4-8B23-0B33-9EB0B2401218}"/>
-              </a:ext>
-            </a:extLst>
-          </p:cNvPr>
+          <p:cNvPr id="2" name="Title 1"/>
           <p:cNvSpPr>
             <a:spLocks noGrp="1"/>
           </p:cNvSpPr>
@@ -2528,15 +4484,17 @@
         </p:nvSpPr>
         <p:spPr>
           <a:xfrm>
-            <a:off x="839788" y="457200"/>
-            <a:ext cx="3932237" cy="1600200"/>
+            <a:off x="677334" y="4800600"/>
+            <a:ext cx="8596667" cy="566738"/>
           </a:xfrm>
         </p:spPr>
         <p:txBody>
-          <a:bodyPr anchor="b"/>
+          <a:bodyPr anchor="b">
+            <a:normAutofit/>
+          </a:bodyPr>
           <a:lstStyle>
-            <a:lvl1pPr>
-              <a:defRPr sz="3200"/>
+            <a:lvl1pPr algn="l">
+              <a:defRPr sz="2400" b="0"/>
             </a:lvl1pPr>
           </a:lstStyle>
           <a:p>
@@ -2544,20 +4502,15 @@
               <a:rPr lang="da-DK"/>
               <a:t>Klik for at redigere titeltypografien i masteren</a:t>
             </a:r>
-          </a:p>
-        </p:txBody>
-      </p:sp>
-      <p:sp>
-        <p:nvSpPr>
-          <p:cNvPr id="3" name="Pladsholder til billede 2">
-            <a:extLst>
-              <a:ext uri="{FF2B5EF4-FFF2-40B4-BE49-F238E27FC236}">
-                <a16:creationId xmlns:a16="http://schemas.microsoft.com/office/drawing/2014/main" id="{4FC50B46-C244-5C27-16B0-D15DC201D4AB}"/>
-              </a:ext>
-            </a:extLst>
-          </p:cNvPr>
-          <p:cNvSpPr>
-            <a:spLocks noGrp="1"/>
+            <a:endParaRPr lang="en-US" dirty="0"/>
+          </a:p>
+        </p:txBody>
+      </p:sp>
+      <p:sp>
+        <p:nvSpPr>
+          <p:cNvPr id="3" name="Picture Placeholder 2"/>
+          <p:cNvSpPr>
+            <a:spLocks noGrp="1" noChangeAspect="1"/>
           </p:cNvSpPr>
           <p:nvPr>
             <p:ph type="pic" idx="1"/>
@@ -2565,118 +4518,120 @@
         </p:nvSpPr>
         <p:spPr>
           <a:xfrm>
-            <a:off x="5183188" y="987425"/>
-            <a:ext cx="6172200" cy="4873625"/>
+            <a:off x="677334" y="609600"/>
+            <a:ext cx="8596668" cy="3845718"/>
           </a:xfrm>
         </p:spPr>
         <p:txBody>
-          <a:bodyPr/>
+          <a:bodyPr anchor="t">
+            <a:normAutofit/>
+          </a:bodyPr>
           <a:lstStyle>
-            <a:lvl1pPr marL="0" indent="0">
-              <a:buNone/>
-              <a:defRPr sz="3200"/>
-            </a:lvl1pPr>
-            <a:lvl2pPr marL="457200" indent="0">
-              <a:buNone/>
-              <a:defRPr sz="2800"/>
-            </a:lvl2pPr>
-            <a:lvl3pPr marL="914400" indent="0">
-              <a:buNone/>
-              <a:defRPr sz="2400"/>
-            </a:lvl3pPr>
-            <a:lvl4pPr marL="1371600" indent="0">
-              <a:buNone/>
-              <a:defRPr sz="2000"/>
-            </a:lvl4pPr>
-            <a:lvl5pPr marL="1828800" indent="0">
-              <a:buNone/>
-              <a:defRPr sz="2000"/>
-            </a:lvl5pPr>
-            <a:lvl6pPr marL="2286000" indent="0">
-              <a:buNone/>
-              <a:defRPr sz="2000"/>
-            </a:lvl6pPr>
-            <a:lvl7pPr marL="2743200" indent="0">
-              <a:buNone/>
-              <a:defRPr sz="2000"/>
-            </a:lvl7pPr>
-            <a:lvl8pPr marL="3200400" indent="0">
-              <a:buNone/>
-              <a:defRPr sz="2000"/>
-            </a:lvl8pPr>
-            <a:lvl9pPr marL="3657600" indent="0">
-              <a:buNone/>
-              <a:defRPr sz="2000"/>
-            </a:lvl9pPr>
-          </a:lstStyle>
-          <a:p>
-            <a:endParaRPr lang="da-DK"/>
-          </a:p>
-        </p:txBody>
-      </p:sp>
-      <p:sp>
-        <p:nvSpPr>
-          <p:cNvPr id="4" name="Pladsholder til tekst 3">
-            <a:extLst>
-              <a:ext uri="{FF2B5EF4-FFF2-40B4-BE49-F238E27FC236}">
-                <a16:creationId xmlns:a16="http://schemas.microsoft.com/office/drawing/2014/main" id="{F6C3B59B-49B9-8585-C4DC-8E15AE8DCD38}"/>
-              </a:ext>
-            </a:extLst>
-          </p:cNvPr>
-          <p:cNvSpPr>
-            <a:spLocks noGrp="1"/>
-          </p:cNvSpPr>
-          <p:nvPr>
-            <p:ph type="body" sz="half" idx="2"/>
-          </p:nvPr>
-        </p:nvSpPr>
-        <p:spPr>
-          <a:xfrm>
-            <a:off x="839788" y="2057400"/>
-            <a:ext cx="3932237" cy="3811588"/>
-          </a:xfrm>
-        </p:spPr>
-        <p:txBody>
-          <a:bodyPr/>
-          <a:lstStyle>
-            <a:lvl1pPr marL="0" indent="0">
+            <a:lvl1pPr marL="0" indent="0" algn="ctr">
               <a:buNone/>
               <a:defRPr sz="1600"/>
             </a:lvl1pPr>
             <a:lvl2pPr marL="457200" indent="0">
               <a:buNone/>
-              <a:defRPr sz="1400"/>
+              <a:defRPr sz="1600"/>
             </a:lvl2pPr>
             <a:lvl3pPr marL="914400" indent="0">
               <a:buNone/>
-              <a:defRPr sz="1200"/>
+              <a:defRPr sz="1600"/>
             </a:lvl3pPr>
             <a:lvl4pPr marL="1371600" indent="0">
               <a:buNone/>
-              <a:defRPr sz="1000"/>
+              <a:defRPr sz="1600"/>
             </a:lvl4pPr>
             <a:lvl5pPr marL="1828800" indent="0">
               <a:buNone/>
-              <a:defRPr sz="1000"/>
+              <a:defRPr sz="1600"/>
             </a:lvl5pPr>
             <a:lvl6pPr marL="2286000" indent="0">
               <a:buNone/>
-              <a:defRPr sz="1000"/>
+              <a:defRPr sz="1600"/>
             </a:lvl6pPr>
             <a:lvl7pPr marL="2743200" indent="0">
               <a:buNone/>
-              <a:defRPr sz="1000"/>
+              <a:defRPr sz="1600"/>
             </a:lvl7pPr>
             <a:lvl8pPr marL="3200400" indent="0">
               <a:buNone/>
-              <a:defRPr sz="1000"/>
+              <a:defRPr sz="1600"/>
             </a:lvl8pPr>
             <a:lvl9pPr marL="3657600" indent="0">
               <a:buNone/>
-              <a:defRPr sz="1000"/>
+              <a:defRPr sz="1600"/>
             </a:lvl9pPr>
           </a:lstStyle>
           <a:p>
+            <a:r>
+              <a:rPr lang="da-DK"/>
+              <a:t>Klik på ikonet for at tilføje et billede</a:t>
+            </a:r>
+            <a:endParaRPr lang="en-US" dirty="0"/>
+          </a:p>
+        </p:txBody>
+      </p:sp>
+      <p:sp>
+        <p:nvSpPr>
+          <p:cNvPr id="4" name="Text Placeholder 3"/>
+          <p:cNvSpPr>
+            <a:spLocks noGrp="1"/>
+          </p:cNvSpPr>
+          <p:nvPr>
+            <p:ph type="body" sz="half" idx="2"/>
+          </p:nvPr>
+        </p:nvSpPr>
+        <p:spPr>
+          <a:xfrm>
+            <a:off x="677334" y="5367338"/>
+            <a:ext cx="8596667" cy="674024"/>
+          </a:xfrm>
+        </p:spPr>
+        <p:txBody>
+          <a:bodyPr>
+            <a:normAutofit/>
+          </a:bodyPr>
+          <a:lstStyle>
+            <a:lvl1pPr marL="0" indent="0">
+              <a:buNone/>
+              <a:defRPr sz="1200"/>
+            </a:lvl1pPr>
+            <a:lvl2pPr marL="457200" indent="0">
+              <a:buNone/>
+              <a:defRPr sz="1200"/>
+            </a:lvl2pPr>
+            <a:lvl3pPr marL="914400" indent="0">
+              <a:buNone/>
+              <a:defRPr sz="1000"/>
+            </a:lvl3pPr>
+            <a:lvl4pPr marL="1371600" indent="0">
+              <a:buNone/>
+              <a:defRPr sz="900"/>
+            </a:lvl4pPr>
+            <a:lvl5pPr marL="1828800" indent="0">
+              <a:buNone/>
+              <a:defRPr sz="900"/>
+            </a:lvl5pPr>
+            <a:lvl6pPr marL="2286000" indent="0">
+              <a:buNone/>
+              <a:defRPr sz="900"/>
+            </a:lvl6pPr>
+            <a:lvl7pPr marL="2743200" indent="0">
+              <a:buNone/>
+              <a:defRPr sz="900"/>
+            </a:lvl7pPr>
+            <a:lvl8pPr marL="3200400" indent="0">
+              <a:buNone/>
+              <a:defRPr sz="900"/>
+            </a:lvl8pPr>
+            <a:lvl9pPr marL="3657600" indent="0">
+              <a:buNone/>
+              <a:defRPr sz="900"/>
+            </a:lvl9pPr>
+          </a:lstStyle>
+          <a:p>
             <a:pPr lvl="0"/>
             <a:r>
               <a:rPr lang="da-DK"/>
@@ -2687,13 +4642,7 @@
       </p:sp>
       <p:sp>
         <p:nvSpPr>
-          <p:cNvPr id="5" name="Pladsholder til dato 4">
-            <a:extLst>
-              <a:ext uri="{FF2B5EF4-FFF2-40B4-BE49-F238E27FC236}">
-                <a16:creationId xmlns:a16="http://schemas.microsoft.com/office/drawing/2014/main" id="{96B38748-B8C1-2235-B266-7D7B69B13321}"/>
-              </a:ext>
-            </a:extLst>
-          </p:cNvPr>
+          <p:cNvPr id="5" name="Date Placeholder 4"/>
           <p:cNvSpPr>
             <a:spLocks noGrp="1"/>
           </p:cNvSpPr>
@@ -2708,7 +4657,7 @@
           <a:p>
             <a:fld id="{91030A3A-3FC1-45BF-B872-DDA6D7DD7D4B}" type="datetimeFigureOut">
               <a:rPr lang="da-DK" smtClean="0"/>
-              <a:t>27-09-2023</a:t>
+              <a:t>04-10-2023</a:t>
             </a:fld>
             <a:endParaRPr lang="da-DK"/>
           </a:p>
@@ -2716,13 +4665,7 @@
       </p:sp>
       <p:sp>
         <p:nvSpPr>
-          <p:cNvPr id="6" name="Pladsholder til sidefod 5">
-            <a:extLst>
-              <a:ext uri="{FF2B5EF4-FFF2-40B4-BE49-F238E27FC236}">
-                <a16:creationId xmlns:a16="http://schemas.microsoft.com/office/drawing/2014/main" id="{2C0F073E-414D-A65D-6C76-EC2B40BBE64C}"/>
-              </a:ext>
-            </a:extLst>
-          </p:cNvPr>
+          <p:cNvPr id="6" name="Footer Placeholder 5"/>
           <p:cNvSpPr>
             <a:spLocks noGrp="1"/>
           </p:cNvSpPr>
@@ -2741,13 +4684,7 @@
       </p:sp>
       <p:sp>
         <p:nvSpPr>
-          <p:cNvPr id="7" name="Pladsholder til slidenummer 6">
-            <a:extLst>
-              <a:ext uri="{FF2B5EF4-FFF2-40B4-BE49-F238E27FC236}">
-                <a16:creationId xmlns:a16="http://schemas.microsoft.com/office/drawing/2014/main" id="{CCB0D46B-CF71-9BF8-1965-C68B3FC3C1B9}"/>
-              </a:ext>
-            </a:extLst>
-          </p:cNvPr>
+          <p:cNvPr id="7" name="Slide Number Placeholder 6"/>
           <p:cNvSpPr>
             <a:spLocks noGrp="1"/>
           </p:cNvSpPr>
@@ -2771,7 +4708,7 @@
     </p:spTree>
     <p:extLst>
       <p:ext uri="{BB962C8B-B14F-4D97-AF65-F5344CB8AC3E}">
-        <p14:creationId xmlns:p14="http://schemas.microsoft.com/office/powerpoint/2010/main" val="2263938685"/>
+        <p14:creationId xmlns:p14="http://schemas.microsoft.com/office/powerpoint/2010/main" val="3254802340"/>
       </p:ext>
     </p:extLst>
   </p:cSld>
@@ -2803,15 +4740,539 @@
           <a:chExt cx="0" cy="0"/>
         </a:xfrm>
       </p:grpSpPr>
-      <p:sp>
-        <p:nvSpPr>
-          <p:cNvPr id="2" name="Pladsholder til titel 1">
-            <a:extLst>
-              <a:ext uri="{FF2B5EF4-FFF2-40B4-BE49-F238E27FC236}">
-                <a16:creationId xmlns:a16="http://schemas.microsoft.com/office/drawing/2014/main" id="{CE23E17F-B780-9F97-9FF7-22D6C1A8FC94}"/>
-              </a:ext>
-            </a:extLst>
-          </p:cNvPr>
+      <p:grpSp>
+        <p:nvGrpSpPr>
+          <p:cNvPr id="7" name="Group 6"/>
+          <p:cNvGrpSpPr/>
+          <p:nvPr/>
+        </p:nvGrpSpPr>
+        <p:grpSpPr>
+          <a:xfrm>
+            <a:off x="0" y="-8467"/>
+            <a:ext cx="12192000" cy="6866467"/>
+            <a:chOff x="0" y="-8467"/>
+            <a:chExt cx="12192000" cy="6866467"/>
+          </a:xfrm>
+        </p:grpSpPr>
+        <p:cxnSp>
+          <p:nvCxnSpPr>
+            <p:cNvPr id="20" name="Straight Connector 19"/>
+            <p:cNvCxnSpPr/>
+            <p:nvPr/>
+          </p:nvCxnSpPr>
+          <p:spPr>
+            <a:xfrm>
+              <a:off x="9371012" y="0"/>
+              <a:ext cx="1219200" cy="6858000"/>
+            </a:xfrm>
+            <a:prstGeom prst="line">
+              <a:avLst/>
+            </a:prstGeom>
+            <a:ln w="9525">
+              <a:solidFill>
+                <a:schemeClr val="bg1">
+                  <a:lumMod val="75000"/>
+                </a:schemeClr>
+              </a:solidFill>
+            </a:ln>
+          </p:spPr>
+          <p:style>
+            <a:lnRef idx="2">
+              <a:schemeClr val="accent1"/>
+            </a:lnRef>
+            <a:fillRef idx="0">
+              <a:schemeClr val="accent1"/>
+            </a:fillRef>
+            <a:effectRef idx="1">
+              <a:schemeClr val="accent1"/>
+            </a:effectRef>
+            <a:fontRef idx="minor">
+              <a:schemeClr val="tx1"/>
+            </a:fontRef>
+          </p:style>
+        </p:cxnSp>
+        <p:cxnSp>
+          <p:nvCxnSpPr>
+            <p:cNvPr id="21" name="Straight Connector 20"/>
+            <p:cNvCxnSpPr/>
+            <p:nvPr/>
+          </p:nvCxnSpPr>
+          <p:spPr>
+            <a:xfrm flipH="1">
+              <a:off x="7425267" y="3681413"/>
+              <a:ext cx="4763558" cy="3176587"/>
+            </a:xfrm>
+            <a:prstGeom prst="line">
+              <a:avLst/>
+            </a:prstGeom>
+            <a:ln w="9525">
+              <a:solidFill>
+                <a:schemeClr val="bg1">
+                  <a:lumMod val="85000"/>
+                </a:schemeClr>
+              </a:solidFill>
+            </a:ln>
+          </p:spPr>
+          <p:style>
+            <a:lnRef idx="2">
+              <a:schemeClr val="accent1"/>
+            </a:lnRef>
+            <a:fillRef idx="0">
+              <a:schemeClr val="accent1"/>
+            </a:fillRef>
+            <a:effectRef idx="1">
+              <a:schemeClr val="accent1"/>
+            </a:effectRef>
+            <a:fontRef idx="minor">
+              <a:schemeClr val="tx1"/>
+            </a:fontRef>
+          </p:style>
+        </p:cxnSp>
+        <p:sp>
+          <p:nvSpPr>
+            <p:cNvPr id="22" name="Rectangle 23"/>
+            <p:cNvSpPr/>
+            <p:nvPr/>
+          </p:nvSpPr>
+          <p:spPr>
+            <a:xfrm>
+              <a:off x="9181476" y="-8467"/>
+              <a:ext cx="3007349" cy="6866467"/>
+            </a:xfrm>
+            <a:custGeom>
+              <a:avLst/>
+              <a:gdLst/>
+              <a:ahLst/>
+              <a:cxnLst/>
+              <a:rect l="l" t="t" r="r" b="b"/>
+              <a:pathLst>
+                <a:path w="3007349" h="6866467">
+                  <a:moveTo>
+                    <a:pt x="2045532" y="0"/>
+                  </a:moveTo>
+                  <a:lnTo>
+                    <a:pt x="3007349" y="0"/>
+                  </a:lnTo>
+                  <a:lnTo>
+                    <a:pt x="3007349" y="6866467"/>
+                  </a:lnTo>
+                  <a:lnTo>
+                    <a:pt x="0" y="6866467"/>
+                  </a:lnTo>
+                  <a:lnTo>
+                    <a:pt x="2045532" y="0"/>
+                  </a:lnTo>
+                  <a:close/>
+                </a:path>
+              </a:pathLst>
+            </a:custGeom>
+            <a:solidFill>
+              <a:schemeClr val="accent1">
+                <a:alpha val="30000"/>
+              </a:schemeClr>
+            </a:solidFill>
+            <a:ln>
+              <a:noFill/>
+            </a:ln>
+            <a:effectLst/>
+          </p:spPr>
+          <p:style>
+            <a:lnRef idx="1">
+              <a:schemeClr val="accent1"/>
+            </a:lnRef>
+            <a:fillRef idx="3">
+              <a:schemeClr val="accent1"/>
+            </a:fillRef>
+            <a:effectRef idx="2">
+              <a:schemeClr val="accent1"/>
+            </a:effectRef>
+            <a:fontRef idx="minor">
+              <a:schemeClr val="lt1"/>
+            </a:fontRef>
+          </p:style>
+        </p:sp>
+        <p:sp>
+          <p:nvSpPr>
+            <p:cNvPr id="23" name="Rectangle 25"/>
+            <p:cNvSpPr/>
+            <p:nvPr/>
+          </p:nvSpPr>
+          <p:spPr>
+            <a:xfrm>
+              <a:off x="9603442" y="-8467"/>
+              <a:ext cx="2588558" cy="6866467"/>
+            </a:xfrm>
+            <a:custGeom>
+              <a:avLst/>
+              <a:gdLst/>
+              <a:ahLst/>
+              <a:cxnLst/>
+              <a:rect l="l" t="t" r="r" b="b"/>
+              <a:pathLst>
+                <a:path w="2573311" h="6866467">
+                  <a:moveTo>
+                    <a:pt x="0" y="0"/>
+                  </a:moveTo>
+                  <a:lnTo>
+                    <a:pt x="2573311" y="0"/>
+                  </a:lnTo>
+                  <a:lnTo>
+                    <a:pt x="2573311" y="6866467"/>
+                  </a:lnTo>
+                  <a:lnTo>
+                    <a:pt x="1202336" y="6866467"/>
+                  </a:lnTo>
+                  <a:lnTo>
+                    <a:pt x="0" y="0"/>
+                  </a:lnTo>
+                  <a:close/>
+                </a:path>
+              </a:pathLst>
+            </a:custGeom>
+            <a:solidFill>
+              <a:schemeClr val="accent1">
+                <a:alpha val="20000"/>
+              </a:schemeClr>
+            </a:solidFill>
+            <a:ln>
+              <a:noFill/>
+            </a:ln>
+            <a:effectLst/>
+          </p:spPr>
+          <p:style>
+            <a:lnRef idx="1">
+              <a:schemeClr val="accent1"/>
+            </a:lnRef>
+            <a:fillRef idx="3">
+              <a:schemeClr val="accent1"/>
+            </a:fillRef>
+            <a:effectRef idx="2">
+              <a:schemeClr val="accent1"/>
+            </a:effectRef>
+            <a:fontRef idx="minor">
+              <a:schemeClr val="lt1"/>
+            </a:fontRef>
+          </p:style>
+        </p:sp>
+        <p:sp>
+          <p:nvSpPr>
+            <p:cNvPr id="24" name="Isosceles Triangle 23"/>
+            <p:cNvSpPr/>
+            <p:nvPr/>
+          </p:nvSpPr>
+          <p:spPr>
+            <a:xfrm>
+              <a:off x="8932333" y="3048000"/>
+              <a:ext cx="3259667" cy="3810000"/>
+            </a:xfrm>
+            <a:prstGeom prst="triangle">
+              <a:avLst>
+                <a:gd name="adj" fmla="val 100000"/>
+              </a:avLst>
+            </a:prstGeom>
+            <a:solidFill>
+              <a:schemeClr val="accent2">
+                <a:alpha val="72000"/>
+              </a:schemeClr>
+            </a:solidFill>
+            <a:ln>
+              <a:noFill/>
+            </a:ln>
+            <a:effectLst/>
+          </p:spPr>
+          <p:style>
+            <a:lnRef idx="1">
+              <a:schemeClr val="accent1"/>
+            </a:lnRef>
+            <a:fillRef idx="3">
+              <a:schemeClr val="accent1"/>
+            </a:fillRef>
+            <a:effectRef idx="2">
+              <a:schemeClr val="accent1"/>
+            </a:effectRef>
+            <a:fontRef idx="minor">
+              <a:schemeClr val="lt1"/>
+            </a:fontRef>
+          </p:style>
+        </p:sp>
+        <p:sp>
+          <p:nvSpPr>
+            <p:cNvPr id="25" name="Rectangle 27"/>
+            <p:cNvSpPr/>
+            <p:nvPr/>
+          </p:nvSpPr>
+          <p:spPr>
+            <a:xfrm>
+              <a:off x="9334500" y="-8467"/>
+              <a:ext cx="2854326" cy="6866467"/>
+            </a:xfrm>
+            <a:custGeom>
+              <a:avLst/>
+              <a:gdLst/>
+              <a:ahLst/>
+              <a:cxnLst/>
+              <a:rect l="l" t="t" r="r" b="b"/>
+              <a:pathLst>
+                <a:path w="2858013" h="6866467">
+                  <a:moveTo>
+                    <a:pt x="0" y="0"/>
+                  </a:moveTo>
+                  <a:lnTo>
+                    <a:pt x="2858013" y="0"/>
+                  </a:lnTo>
+                  <a:lnTo>
+                    <a:pt x="2858013" y="6866467"/>
+                  </a:lnTo>
+                  <a:lnTo>
+                    <a:pt x="2473942" y="6866467"/>
+                  </a:lnTo>
+                  <a:lnTo>
+                    <a:pt x="0" y="0"/>
+                  </a:lnTo>
+                  <a:close/>
+                </a:path>
+              </a:pathLst>
+            </a:custGeom>
+            <a:solidFill>
+              <a:schemeClr val="accent2">
+                <a:lumMod val="75000"/>
+                <a:alpha val="70000"/>
+              </a:schemeClr>
+            </a:solidFill>
+            <a:ln>
+              <a:noFill/>
+            </a:ln>
+            <a:effectLst/>
+          </p:spPr>
+          <p:style>
+            <a:lnRef idx="1">
+              <a:schemeClr val="accent1"/>
+            </a:lnRef>
+            <a:fillRef idx="3">
+              <a:schemeClr val="accent1"/>
+            </a:fillRef>
+            <a:effectRef idx="2">
+              <a:schemeClr val="accent1"/>
+            </a:effectRef>
+            <a:fontRef idx="minor">
+              <a:schemeClr val="lt1"/>
+            </a:fontRef>
+          </p:style>
+        </p:sp>
+        <p:sp>
+          <p:nvSpPr>
+            <p:cNvPr id="26" name="Rectangle 28"/>
+            <p:cNvSpPr/>
+            <p:nvPr/>
+          </p:nvSpPr>
+          <p:spPr>
+            <a:xfrm>
+              <a:off x="10898730" y="-8467"/>
+              <a:ext cx="1290094" cy="6866467"/>
+            </a:xfrm>
+            <a:custGeom>
+              <a:avLst/>
+              <a:gdLst/>
+              <a:ahLst/>
+              <a:cxnLst/>
+              <a:rect l="l" t="t" r="r" b="b"/>
+              <a:pathLst>
+                <a:path w="1290094" h="6858000">
+                  <a:moveTo>
+                    <a:pt x="1019735" y="0"/>
+                  </a:moveTo>
+                  <a:lnTo>
+                    <a:pt x="1290094" y="0"/>
+                  </a:lnTo>
+                  <a:lnTo>
+                    <a:pt x="1290094" y="6858000"/>
+                  </a:lnTo>
+                  <a:lnTo>
+                    <a:pt x="0" y="6858000"/>
+                  </a:lnTo>
+                  <a:lnTo>
+                    <a:pt x="1019735" y="0"/>
+                  </a:lnTo>
+                  <a:close/>
+                </a:path>
+              </a:pathLst>
+            </a:custGeom>
+            <a:solidFill>
+              <a:schemeClr val="accent1">
+                <a:lumMod val="60000"/>
+                <a:lumOff val="40000"/>
+                <a:alpha val="70000"/>
+              </a:schemeClr>
+            </a:solidFill>
+            <a:ln>
+              <a:noFill/>
+            </a:ln>
+            <a:effectLst/>
+          </p:spPr>
+          <p:style>
+            <a:lnRef idx="1">
+              <a:schemeClr val="accent1"/>
+            </a:lnRef>
+            <a:fillRef idx="3">
+              <a:schemeClr val="accent1"/>
+            </a:fillRef>
+            <a:effectRef idx="2">
+              <a:schemeClr val="accent1"/>
+            </a:effectRef>
+            <a:fontRef idx="minor">
+              <a:schemeClr val="lt1"/>
+            </a:fontRef>
+          </p:style>
+        </p:sp>
+        <p:sp>
+          <p:nvSpPr>
+            <p:cNvPr id="27" name="Rectangle 29"/>
+            <p:cNvSpPr/>
+            <p:nvPr/>
+          </p:nvSpPr>
+          <p:spPr>
+            <a:xfrm>
+              <a:off x="10938999" y="-8467"/>
+              <a:ext cx="1249825" cy="6866467"/>
+            </a:xfrm>
+            <a:custGeom>
+              <a:avLst/>
+              <a:gdLst/>
+              <a:ahLst/>
+              <a:cxnLst/>
+              <a:rect l="l" t="t" r="r" b="b"/>
+              <a:pathLst>
+                <a:path w="1249825" h="6858000">
+                  <a:moveTo>
+                    <a:pt x="0" y="0"/>
+                  </a:moveTo>
+                  <a:lnTo>
+                    <a:pt x="1249825" y="0"/>
+                  </a:lnTo>
+                  <a:lnTo>
+                    <a:pt x="1249825" y="6858000"/>
+                  </a:lnTo>
+                  <a:lnTo>
+                    <a:pt x="1109382" y="6858000"/>
+                  </a:lnTo>
+                  <a:lnTo>
+                    <a:pt x="0" y="0"/>
+                  </a:lnTo>
+                  <a:close/>
+                </a:path>
+              </a:pathLst>
+            </a:custGeom>
+            <a:solidFill>
+              <a:schemeClr val="accent1">
+                <a:alpha val="65000"/>
+              </a:schemeClr>
+            </a:solidFill>
+            <a:ln>
+              <a:noFill/>
+            </a:ln>
+            <a:effectLst/>
+          </p:spPr>
+          <p:style>
+            <a:lnRef idx="1">
+              <a:schemeClr val="accent1"/>
+            </a:lnRef>
+            <a:fillRef idx="3">
+              <a:schemeClr val="accent1"/>
+            </a:fillRef>
+            <a:effectRef idx="2">
+              <a:schemeClr val="accent1"/>
+            </a:effectRef>
+            <a:fontRef idx="minor">
+              <a:schemeClr val="lt1"/>
+            </a:fontRef>
+          </p:style>
+        </p:sp>
+        <p:sp>
+          <p:nvSpPr>
+            <p:cNvPr id="28" name="Isosceles Triangle 27"/>
+            <p:cNvSpPr/>
+            <p:nvPr/>
+          </p:nvSpPr>
+          <p:spPr>
+            <a:xfrm>
+              <a:off x="10371666" y="3589867"/>
+              <a:ext cx="1817159" cy="3268133"/>
+            </a:xfrm>
+            <a:prstGeom prst="triangle">
+              <a:avLst>
+                <a:gd name="adj" fmla="val 100000"/>
+              </a:avLst>
+            </a:prstGeom>
+            <a:solidFill>
+              <a:schemeClr val="accent1">
+                <a:alpha val="80000"/>
+              </a:schemeClr>
+            </a:solidFill>
+            <a:ln>
+              <a:noFill/>
+            </a:ln>
+            <a:effectLst/>
+          </p:spPr>
+          <p:style>
+            <a:lnRef idx="1">
+              <a:schemeClr val="accent1"/>
+            </a:lnRef>
+            <a:fillRef idx="3">
+              <a:schemeClr val="accent1"/>
+            </a:fillRef>
+            <a:effectRef idx="2">
+              <a:schemeClr val="accent1"/>
+            </a:effectRef>
+            <a:fontRef idx="minor">
+              <a:schemeClr val="lt1"/>
+            </a:fontRef>
+          </p:style>
+        </p:sp>
+        <p:sp>
+          <p:nvSpPr>
+            <p:cNvPr id="29" name="Isosceles Triangle 28"/>
+            <p:cNvSpPr/>
+            <p:nvPr/>
+          </p:nvSpPr>
+          <p:spPr>
+            <a:xfrm>
+              <a:off x="0" y="4013200"/>
+              <a:ext cx="448733" cy="2844800"/>
+            </a:xfrm>
+            <a:prstGeom prst="triangle">
+              <a:avLst>
+                <a:gd name="adj" fmla="val 0"/>
+              </a:avLst>
+            </a:prstGeom>
+            <a:solidFill>
+              <a:schemeClr val="accent1">
+                <a:alpha val="85000"/>
+              </a:schemeClr>
+            </a:solidFill>
+            <a:ln>
+              <a:noFill/>
+            </a:ln>
+            <a:effectLst/>
+          </p:spPr>
+          <p:style>
+            <a:lnRef idx="1">
+              <a:schemeClr val="accent1"/>
+            </a:lnRef>
+            <a:fillRef idx="3">
+              <a:schemeClr val="accent1"/>
+            </a:fillRef>
+            <a:effectRef idx="2">
+              <a:schemeClr val="accent1"/>
+            </a:effectRef>
+            <a:fontRef idx="minor">
+              <a:schemeClr val="lt1"/>
+            </a:fontRef>
+          </p:style>
+        </p:sp>
+      </p:grpSp>
+      <p:sp>
+        <p:nvSpPr>
+          <p:cNvPr id="2" name="Title Placeholder 1"/>
           <p:cNvSpPr>
             <a:spLocks noGrp="1"/>
           </p:cNvSpPr>
@@ -2821,15 +5282,15 @@
         </p:nvSpPr>
         <p:spPr>
           <a:xfrm>
-            <a:off x="838200" y="365125"/>
-            <a:ext cx="10515600" cy="1325563"/>
+            <a:off x="677334" y="609600"/>
+            <a:ext cx="8596668" cy="1320800"/>
           </a:xfrm>
           <a:prstGeom prst="rect">
             <a:avLst/>
           </a:prstGeom>
         </p:spPr>
         <p:txBody>
-          <a:bodyPr vert="horz" lIns="91440" tIns="45720" rIns="91440" bIns="45720" rtlCol="0" anchor="ctr">
+          <a:bodyPr vert="horz" lIns="91440" tIns="45720" rIns="91440" bIns="45720" rtlCol="0" anchor="t">
             <a:normAutofit/>
           </a:bodyPr>
           <a:lstStyle/>
@@ -2838,18 +5299,13 @@
               <a:rPr lang="da-DK"/>
               <a:t>Klik for at redigere titeltypografien i masteren</a:t>
             </a:r>
-          </a:p>
-        </p:txBody>
-      </p:sp>
-      <p:sp>
-        <p:nvSpPr>
-          <p:cNvPr id="3" name="Pladsholder til tekst 2">
-            <a:extLst>
-              <a:ext uri="{FF2B5EF4-FFF2-40B4-BE49-F238E27FC236}">
-                <a16:creationId xmlns:a16="http://schemas.microsoft.com/office/drawing/2014/main" id="{D7DCBB48-2498-44CD-70AB-E327A8EDB8A8}"/>
-              </a:ext>
-            </a:extLst>
-          </p:cNvPr>
+            <a:endParaRPr lang="en-US" dirty="0"/>
+          </a:p>
+        </p:txBody>
+      </p:sp>
+      <p:sp>
+        <p:nvSpPr>
+          <p:cNvPr id="3" name="Text Placeholder 2"/>
           <p:cNvSpPr>
             <a:spLocks noGrp="1"/>
           </p:cNvSpPr>
@@ -2859,8 +5315,8 @@
         </p:nvSpPr>
         <p:spPr>
           <a:xfrm>
-            <a:off x="838200" y="1825625"/>
-            <a:ext cx="10515600" cy="4351338"/>
+            <a:off x="677334" y="2160589"/>
+            <a:ext cx="8596668" cy="3880773"/>
           </a:xfrm>
           <a:prstGeom prst="rect">
             <a:avLst/>
@@ -2905,18 +5361,13 @@
               <a:rPr lang="da-DK"/>
               <a:t>Femte niveau</a:t>
             </a:r>
-          </a:p>
-        </p:txBody>
-      </p:sp>
-      <p:sp>
-        <p:nvSpPr>
-          <p:cNvPr id="4" name="Pladsholder til dato 3">
-            <a:extLst>
-              <a:ext uri="{FF2B5EF4-FFF2-40B4-BE49-F238E27FC236}">
-                <a16:creationId xmlns:a16="http://schemas.microsoft.com/office/drawing/2014/main" id="{8986DE5E-ACE0-34BD-F53E-99A6738DAFFD}"/>
-              </a:ext>
-            </a:extLst>
-          </p:cNvPr>
+            <a:endParaRPr lang="en-US" dirty="0"/>
+          </a:p>
+        </p:txBody>
+      </p:sp>
+      <p:sp>
+        <p:nvSpPr>
+          <p:cNvPr id="4" name="Date Placeholder 3"/>
           <p:cNvSpPr>
             <a:spLocks noGrp="1"/>
           </p:cNvSpPr>
@@ -2926,8 +5377,8 @@
         </p:nvSpPr>
         <p:spPr>
           <a:xfrm>
-            <a:off x="838200" y="6356350"/>
-            <a:ext cx="2743200" cy="365125"/>
+            <a:off x="7205133" y="6041362"/>
+            <a:ext cx="911939" cy="365125"/>
           </a:xfrm>
           <a:prstGeom prst="rect">
             <a:avLst/>
@@ -2936,8 +5387,8 @@
         <p:txBody>
           <a:bodyPr vert="horz" lIns="91440" tIns="45720" rIns="91440" bIns="45720" rtlCol="0" anchor="ctr"/>
           <a:lstStyle>
-            <a:lvl1pPr algn="l">
-              <a:defRPr sz="1200">
+            <a:lvl1pPr algn="r">
+              <a:defRPr sz="900">
                 <a:solidFill>
                   <a:schemeClr val="tx1">
                     <a:tint val="75000"/>
@@ -2949,7 +5400,7 @@
           <a:p>
             <a:fld id="{91030A3A-3FC1-45BF-B872-DDA6D7DD7D4B}" type="datetimeFigureOut">
               <a:rPr lang="da-DK" smtClean="0"/>
-              <a:t>27-09-2023</a:t>
+              <a:t>04-10-2023</a:t>
             </a:fld>
             <a:endParaRPr lang="da-DK"/>
           </a:p>
@@ -2957,13 +5408,7 @@
       </p:sp>
       <p:sp>
         <p:nvSpPr>
-          <p:cNvPr id="5" name="Pladsholder til sidefod 4">
-            <a:extLst>
-              <a:ext uri="{FF2B5EF4-FFF2-40B4-BE49-F238E27FC236}">
-                <a16:creationId xmlns:a16="http://schemas.microsoft.com/office/drawing/2014/main" id="{85A3F88B-5D91-A582-38B1-176C634747C5}"/>
-              </a:ext>
-            </a:extLst>
-          </p:cNvPr>
+          <p:cNvPr id="5" name="Footer Placeholder 4"/>
           <p:cNvSpPr>
             <a:spLocks noGrp="1"/>
           </p:cNvSpPr>
@@ -2973,8 +5418,8 @@
         </p:nvSpPr>
         <p:spPr>
           <a:xfrm>
-            <a:off x="4038600" y="6356350"/>
-            <a:ext cx="4114800" cy="365125"/>
+            <a:off x="677334" y="6041362"/>
+            <a:ext cx="6297612" cy="365125"/>
           </a:xfrm>
           <a:prstGeom prst="rect">
             <a:avLst/>
@@ -2983,8 +5428,8 @@
         <p:txBody>
           <a:bodyPr vert="horz" lIns="91440" tIns="45720" rIns="91440" bIns="45720" rtlCol="0" anchor="ctr"/>
           <a:lstStyle>
-            <a:lvl1pPr algn="ctr">
-              <a:defRPr sz="1200">
+            <a:lvl1pPr algn="l">
+              <a:defRPr sz="900">
                 <a:solidFill>
                   <a:schemeClr val="tx1">
                     <a:tint val="75000"/>
@@ -3000,13 +5445,7 @@
       </p:sp>
       <p:sp>
         <p:nvSpPr>
-          <p:cNvPr id="6" name="Pladsholder til slidenummer 5">
-            <a:extLst>
-              <a:ext uri="{FF2B5EF4-FFF2-40B4-BE49-F238E27FC236}">
-                <a16:creationId xmlns:a16="http://schemas.microsoft.com/office/drawing/2014/main" id="{FE66FE48-2756-C3AF-E723-5F1F95FD7D73}"/>
-              </a:ext>
-            </a:extLst>
-          </p:cNvPr>
+          <p:cNvPr id="6" name="Slide Number Placeholder 5"/>
           <p:cNvSpPr>
             <a:spLocks noGrp="1"/>
           </p:cNvSpPr>
@@ -3016,8 +5455,8 @@
         </p:nvSpPr>
         <p:spPr>
           <a:xfrm>
-            <a:off x="8610600" y="6356350"/>
-            <a:ext cx="2743200" cy="365125"/>
+            <a:off x="8590663" y="6041362"/>
+            <a:ext cx="683339" cy="365125"/>
           </a:xfrm>
           <a:prstGeom prst="rect">
             <a:avLst/>
@@ -3027,11 +5466,9 @@
           <a:bodyPr vert="horz" lIns="91440" tIns="45720" rIns="91440" bIns="45720" rtlCol="0" anchor="ctr"/>
           <a:lstStyle>
             <a:lvl1pPr algn="r">
-              <a:defRPr sz="1200">
-                <a:solidFill>
-                  <a:schemeClr val="tx1">
-                    <a:tint val="75000"/>
-                  </a:schemeClr>
+              <a:defRPr sz="900">
+                <a:solidFill>
+                  <a:schemeClr val="accent1"/>
                 </a:solidFill>
               </a:defRPr>
             </a:lvl1pPr>
@@ -3048,55 +5485,335 @@
     </p:spTree>
     <p:extLst>
       <p:ext uri="{BB962C8B-B14F-4D97-AF65-F5344CB8AC3E}">
-        <p14:creationId xmlns:p14="http://schemas.microsoft.com/office/powerpoint/2010/main" val="2342537325"/>
+        <p14:creationId xmlns:p14="http://schemas.microsoft.com/office/powerpoint/2010/main" val="4053590103"/>
       </p:ext>
     </p:extLst>
   </p:cSld>
   <p:clrMap bg1="lt1" tx1="dk1" bg2="lt2" tx2="dk2" accent1="accent1" accent2="accent2" accent3="accent3" accent4="accent4" accent5="accent5" accent6="accent6" hlink="hlink" folHlink="folHlink"/>
   <p:sldLayoutIdLst>
-    <p:sldLayoutId id="2147483649" r:id="rId1"/>
-    <p:sldLayoutId id="2147483650" r:id="rId2"/>
-    <p:sldLayoutId id="2147483651" r:id="rId3"/>
-    <p:sldLayoutId id="2147483652" r:id="rId4"/>
-    <p:sldLayoutId id="2147483653" r:id="rId5"/>
-    <p:sldLayoutId id="2147483654" r:id="rId6"/>
-    <p:sldLayoutId id="2147483655" r:id="rId7"/>
-    <p:sldLayoutId id="2147483656" r:id="rId8"/>
-    <p:sldLayoutId id="2147483657" r:id="rId9"/>
-    <p:sldLayoutId id="2147483658" r:id="rId10"/>
-    <p:sldLayoutId id="2147483659" r:id="rId11"/>
+    <p:sldLayoutId id="2147483691" r:id="rId1"/>
+    <p:sldLayoutId id="2147483692" r:id="rId2"/>
+    <p:sldLayoutId id="2147483693" r:id="rId3"/>
+    <p:sldLayoutId id="2147483694" r:id="rId4"/>
+    <p:sldLayoutId id="2147483695" r:id="rId5"/>
+    <p:sldLayoutId id="2147483696" r:id="rId6"/>
+    <p:sldLayoutId id="2147483697" r:id="rId7"/>
+    <p:sldLayoutId id="2147483698" r:id="rId8"/>
+    <p:sldLayoutId id="2147483699" r:id="rId9"/>
+    <p:sldLayoutId id="2147483700" r:id="rId10"/>
+    <p:sldLayoutId id="2147483701" r:id="rId11"/>
+    <p:sldLayoutId id="2147483702" r:id="rId12"/>
+    <p:sldLayoutId id="2147483703" r:id="rId13"/>
+    <p:sldLayoutId id="2147483704" r:id="rId14"/>
+    <p:sldLayoutId id="2147483705" r:id="rId15"/>
+    <p:sldLayoutId id="2147483706" r:id="rId16"/>
   </p:sldLayoutIdLst>
   <p:txStyles>
     <p:titleStyle>
-      <a:lvl1pPr algn="l" defTabSz="914400" rtl="0" eaLnBrk="1" latinLnBrk="0" hangingPunct="1">
-        <a:lnSpc>
-          <a:spcPct val="90000"/>
-        </a:lnSpc>
+      <a:lvl1pPr algn="l" defTabSz="457200" rtl="0" eaLnBrk="1" latinLnBrk="0" hangingPunct="1">
         <a:spcBef>
           <a:spcPct val="0"/>
         </a:spcBef>
         <a:buNone/>
-        <a:defRPr sz="4400" kern="1200">
+        <a:defRPr sz="3600" kern="1200">
           <a:solidFill>
-            <a:schemeClr val="tx1"/>
+            <a:schemeClr val="accent1"/>
           </a:solidFill>
           <a:latin typeface="+mj-lt"/>
           <a:ea typeface="+mj-ea"/>
           <a:cs typeface="+mj-cs"/>
         </a:defRPr>
       </a:lvl1pPr>
+      <a:lvl2pPr eaLnBrk="1" hangingPunct="1">
+        <a:defRPr>
+          <a:solidFill>
+            <a:schemeClr val="tx2"/>
+          </a:solidFill>
+        </a:defRPr>
+      </a:lvl2pPr>
+      <a:lvl3pPr eaLnBrk="1" hangingPunct="1">
+        <a:defRPr>
+          <a:solidFill>
+            <a:schemeClr val="tx2"/>
+          </a:solidFill>
+        </a:defRPr>
+      </a:lvl3pPr>
+      <a:lvl4pPr eaLnBrk="1" hangingPunct="1">
+        <a:defRPr>
+          <a:solidFill>
+            <a:schemeClr val="tx2"/>
+          </a:solidFill>
+        </a:defRPr>
+      </a:lvl4pPr>
+      <a:lvl5pPr eaLnBrk="1" hangingPunct="1">
+        <a:defRPr>
+          <a:solidFill>
+            <a:schemeClr val="tx2"/>
+          </a:solidFill>
+        </a:defRPr>
+      </a:lvl5pPr>
+      <a:lvl6pPr eaLnBrk="1" hangingPunct="1">
+        <a:defRPr>
+          <a:solidFill>
+            <a:schemeClr val="tx2"/>
+          </a:solidFill>
+        </a:defRPr>
+      </a:lvl6pPr>
+      <a:lvl7pPr eaLnBrk="1" hangingPunct="1">
+        <a:defRPr>
+          <a:solidFill>
+            <a:schemeClr val="tx2"/>
+          </a:solidFill>
+        </a:defRPr>
+      </a:lvl7pPr>
+      <a:lvl8pPr eaLnBrk="1" hangingPunct="1">
+        <a:defRPr>
+          <a:solidFill>
+            <a:schemeClr val="tx2"/>
+          </a:solidFill>
+        </a:defRPr>
+      </a:lvl8pPr>
+      <a:lvl9pPr eaLnBrk="1" hangingPunct="1">
+        <a:defRPr>
+          <a:solidFill>
+            <a:schemeClr val="tx2"/>
+          </a:solidFill>
+        </a:defRPr>
+      </a:lvl9pPr>
     </p:titleStyle>
     <p:bodyStyle>
-      <a:lvl1pPr marL="228600" indent="-228600" algn="l" defTabSz="914400" rtl="0" eaLnBrk="1" latinLnBrk="0" hangingPunct="1">
-        <a:lnSpc>
-          <a:spcPct val="90000"/>
-        </a:lnSpc>
+      <a:lvl1pPr marL="342900" indent="-342900" algn="l" defTabSz="457200" rtl="0" eaLnBrk="1" latinLnBrk="0" hangingPunct="1">
         <a:spcBef>
           <a:spcPts val="1000"/>
         </a:spcBef>
-        <a:buFont typeface="Arial" panose="020B0604020202020204" pitchFamily="34" charset="0"/>
-        <a:buChar char="•"/>
-        <a:defRPr sz="2800" kern="1200">
+        <a:spcAft>
+          <a:spcPts val="0"/>
+        </a:spcAft>
+        <a:buClr>
+          <a:schemeClr val="accent1"/>
+        </a:buClr>
+        <a:buSzPct val="80000"/>
+        <a:buFont typeface="Wingdings 3" charset="2"/>
+        <a:buChar char=""/>
+        <a:defRPr sz="1800" kern="1200">
+          <a:solidFill>
+            <a:schemeClr val="tx1">
+              <a:lumMod val="75000"/>
+              <a:lumOff val="25000"/>
+            </a:schemeClr>
+          </a:solidFill>
+          <a:latin typeface="+mn-lt"/>
+          <a:ea typeface="+mn-ea"/>
+          <a:cs typeface="+mn-cs"/>
+        </a:defRPr>
+      </a:lvl1pPr>
+      <a:lvl2pPr marL="742950" indent="-285750" algn="l" defTabSz="457200" rtl="0" eaLnBrk="1" latinLnBrk="0" hangingPunct="1">
+        <a:spcBef>
+          <a:spcPts val="1000"/>
+        </a:spcBef>
+        <a:spcAft>
+          <a:spcPts val="0"/>
+        </a:spcAft>
+        <a:buClr>
+          <a:schemeClr val="accent1"/>
+        </a:buClr>
+        <a:buSzPct val="80000"/>
+        <a:buFont typeface="Wingdings 3" charset="2"/>
+        <a:buChar char=""/>
+        <a:defRPr sz="1600" kern="1200">
+          <a:solidFill>
+            <a:schemeClr val="tx1">
+              <a:lumMod val="75000"/>
+              <a:lumOff val="25000"/>
+            </a:schemeClr>
+          </a:solidFill>
+          <a:latin typeface="+mn-lt"/>
+          <a:ea typeface="+mn-ea"/>
+          <a:cs typeface="+mn-cs"/>
+        </a:defRPr>
+      </a:lvl2pPr>
+      <a:lvl3pPr marL="1143000" indent="-228600" algn="l" defTabSz="457200" rtl="0" eaLnBrk="1" latinLnBrk="0" hangingPunct="1">
+        <a:spcBef>
+          <a:spcPts val="1000"/>
+        </a:spcBef>
+        <a:spcAft>
+          <a:spcPts val="0"/>
+        </a:spcAft>
+        <a:buClr>
+          <a:schemeClr val="accent1"/>
+        </a:buClr>
+        <a:buSzPct val="80000"/>
+        <a:buFont typeface="Wingdings 3" charset="2"/>
+        <a:buChar char=""/>
+        <a:defRPr sz="1400" kern="1200">
+          <a:solidFill>
+            <a:schemeClr val="tx1">
+              <a:lumMod val="75000"/>
+              <a:lumOff val="25000"/>
+            </a:schemeClr>
+          </a:solidFill>
+          <a:latin typeface="+mn-lt"/>
+          <a:ea typeface="+mn-ea"/>
+          <a:cs typeface="+mn-cs"/>
+        </a:defRPr>
+      </a:lvl3pPr>
+      <a:lvl4pPr marL="1600200" indent="-228600" algn="l" defTabSz="457200" rtl="0" eaLnBrk="1" latinLnBrk="0" hangingPunct="1">
+        <a:spcBef>
+          <a:spcPts val="1000"/>
+        </a:spcBef>
+        <a:spcAft>
+          <a:spcPts val="0"/>
+        </a:spcAft>
+        <a:buClr>
+          <a:schemeClr val="accent1"/>
+        </a:buClr>
+        <a:buSzPct val="80000"/>
+        <a:buFont typeface="Wingdings 3" charset="2"/>
+        <a:buChar char=""/>
+        <a:defRPr sz="1200" kern="1200">
+          <a:solidFill>
+            <a:schemeClr val="tx1">
+              <a:lumMod val="75000"/>
+              <a:lumOff val="25000"/>
+            </a:schemeClr>
+          </a:solidFill>
+          <a:latin typeface="+mn-lt"/>
+          <a:ea typeface="+mn-ea"/>
+          <a:cs typeface="+mn-cs"/>
+        </a:defRPr>
+      </a:lvl4pPr>
+      <a:lvl5pPr marL="2057400" indent="-228600" algn="l" defTabSz="457200" rtl="0" eaLnBrk="1" latinLnBrk="0" hangingPunct="1">
+        <a:spcBef>
+          <a:spcPts val="1000"/>
+        </a:spcBef>
+        <a:spcAft>
+          <a:spcPts val="0"/>
+        </a:spcAft>
+        <a:buClr>
+          <a:schemeClr val="accent1"/>
+        </a:buClr>
+        <a:buSzPct val="80000"/>
+        <a:buFont typeface="Wingdings 3" charset="2"/>
+        <a:buChar char=""/>
+        <a:defRPr sz="1200" kern="1200">
+          <a:solidFill>
+            <a:schemeClr val="tx1">
+              <a:lumMod val="75000"/>
+              <a:lumOff val="25000"/>
+            </a:schemeClr>
+          </a:solidFill>
+          <a:latin typeface="+mn-lt"/>
+          <a:ea typeface="+mn-ea"/>
+          <a:cs typeface="+mn-cs"/>
+        </a:defRPr>
+      </a:lvl5pPr>
+      <a:lvl6pPr marL="2514600" indent="-228600" algn="l" defTabSz="457200" rtl="0" eaLnBrk="1" latinLnBrk="0" hangingPunct="1">
+        <a:spcBef>
+          <a:spcPts val="1000"/>
+        </a:spcBef>
+        <a:spcAft>
+          <a:spcPts val="0"/>
+        </a:spcAft>
+        <a:buClr>
+          <a:schemeClr val="accent1"/>
+        </a:buClr>
+        <a:buSzPct val="80000"/>
+        <a:buFont typeface="Wingdings 3" charset="2"/>
+        <a:buChar char=""/>
+        <a:defRPr sz="1200" kern="1200">
+          <a:solidFill>
+            <a:schemeClr val="tx1">
+              <a:lumMod val="75000"/>
+              <a:lumOff val="25000"/>
+            </a:schemeClr>
+          </a:solidFill>
+          <a:latin typeface="+mn-lt"/>
+          <a:ea typeface="+mn-ea"/>
+          <a:cs typeface="+mn-cs"/>
+        </a:defRPr>
+      </a:lvl6pPr>
+      <a:lvl7pPr marL="2971800" indent="-228600" algn="l" defTabSz="457200" rtl="0" eaLnBrk="1" latinLnBrk="0" hangingPunct="1">
+        <a:spcBef>
+          <a:spcPts val="1000"/>
+        </a:spcBef>
+        <a:spcAft>
+          <a:spcPts val="0"/>
+        </a:spcAft>
+        <a:buClr>
+          <a:schemeClr val="accent1"/>
+        </a:buClr>
+        <a:buSzPct val="80000"/>
+        <a:buFont typeface="Wingdings 3" charset="2"/>
+        <a:buChar char=""/>
+        <a:defRPr sz="1200" kern="1200">
+          <a:solidFill>
+            <a:schemeClr val="tx1">
+              <a:lumMod val="75000"/>
+              <a:lumOff val="25000"/>
+            </a:schemeClr>
+          </a:solidFill>
+          <a:latin typeface="+mn-lt"/>
+          <a:ea typeface="+mn-ea"/>
+          <a:cs typeface="+mn-cs"/>
+        </a:defRPr>
+      </a:lvl7pPr>
+      <a:lvl8pPr marL="3429000" indent="-228600" algn="l" defTabSz="457200" rtl="0" eaLnBrk="1" latinLnBrk="0" hangingPunct="1">
+        <a:spcBef>
+          <a:spcPts val="1000"/>
+        </a:spcBef>
+        <a:spcAft>
+          <a:spcPts val="0"/>
+        </a:spcAft>
+        <a:buClr>
+          <a:schemeClr val="accent1"/>
+        </a:buClr>
+        <a:buSzPct val="80000"/>
+        <a:buFont typeface="Wingdings 3" charset="2"/>
+        <a:buChar char=""/>
+        <a:defRPr sz="1200" kern="1200">
+          <a:solidFill>
+            <a:schemeClr val="tx1">
+              <a:lumMod val="75000"/>
+              <a:lumOff val="25000"/>
+            </a:schemeClr>
+          </a:solidFill>
+          <a:latin typeface="+mn-lt"/>
+          <a:ea typeface="+mn-ea"/>
+          <a:cs typeface="+mn-cs"/>
+        </a:defRPr>
+      </a:lvl8pPr>
+      <a:lvl9pPr marL="3886200" indent="-228600" algn="l" defTabSz="457200" rtl="0" eaLnBrk="1" latinLnBrk="0" hangingPunct="1">
+        <a:spcBef>
+          <a:spcPts val="1000"/>
+        </a:spcBef>
+        <a:spcAft>
+          <a:spcPts val="0"/>
+        </a:spcAft>
+        <a:buClr>
+          <a:schemeClr val="accent1"/>
+        </a:buClr>
+        <a:buSzPct val="80000"/>
+        <a:buFont typeface="Wingdings 3" charset="2"/>
+        <a:buChar char=""/>
+        <a:defRPr sz="1200" kern="1200">
+          <a:solidFill>
+            <a:schemeClr val="tx1">
+              <a:lumMod val="75000"/>
+              <a:lumOff val="25000"/>
+            </a:schemeClr>
+          </a:solidFill>
+          <a:latin typeface="+mn-lt"/>
+          <a:ea typeface="+mn-ea"/>
+          <a:cs typeface="+mn-cs"/>
+        </a:defRPr>
+      </a:lvl9pPr>
+    </p:bodyStyle>
+    <p:otherStyle>
+      <a:defPPr>
+        <a:defRPr lang="en-US"/>
+      </a:defPPr>
+      <a:lvl1pPr marL="0" algn="l" defTabSz="457200" rtl="0" eaLnBrk="1" latinLnBrk="0" hangingPunct="1">
+        <a:defRPr sz="1800" kern="1200">
           <a:solidFill>
             <a:schemeClr val="tx1"/>
           </a:solidFill>
@@ -3105,16 +5822,8 @@
           <a:cs typeface="+mn-cs"/>
         </a:defRPr>
       </a:lvl1pPr>
-      <a:lvl2pPr marL="685800" indent="-228600" algn="l" defTabSz="914400" rtl="0" eaLnBrk="1" latinLnBrk="0" hangingPunct="1">
-        <a:lnSpc>
-          <a:spcPct val="90000"/>
-        </a:lnSpc>
-        <a:spcBef>
-          <a:spcPts val="500"/>
-        </a:spcBef>
-        <a:buFont typeface="Arial" panose="020B0604020202020204" pitchFamily="34" charset="0"/>
-        <a:buChar char="•"/>
-        <a:defRPr sz="2400" kern="1200">
+      <a:lvl2pPr marL="457200" algn="l" defTabSz="457200" rtl="0" eaLnBrk="1" latinLnBrk="0" hangingPunct="1">
+        <a:defRPr sz="1800" kern="1200">
           <a:solidFill>
             <a:schemeClr val="tx1"/>
           </a:solidFill>
@@ -3123,16 +5832,8 @@
           <a:cs typeface="+mn-cs"/>
         </a:defRPr>
       </a:lvl2pPr>
-      <a:lvl3pPr marL="1143000" indent="-228600" algn="l" defTabSz="914400" rtl="0" eaLnBrk="1" latinLnBrk="0" hangingPunct="1">
-        <a:lnSpc>
-          <a:spcPct val="90000"/>
-        </a:lnSpc>
-        <a:spcBef>
-          <a:spcPts val="500"/>
-        </a:spcBef>
-        <a:buFont typeface="Arial" panose="020B0604020202020204" pitchFamily="34" charset="0"/>
-        <a:buChar char="•"/>
-        <a:defRPr sz="2000" kern="1200">
+      <a:lvl3pPr marL="914400" algn="l" defTabSz="457200" rtl="0" eaLnBrk="1" latinLnBrk="0" hangingPunct="1">
+        <a:defRPr sz="1800" kern="1200">
           <a:solidFill>
             <a:schemeClr val="tx1"/>
           </a:solidFill>
@@ -3141,15 +5842,7 @@
           <a:cs typeface="+mn-cs"/>
         </a:defRPr>
       </a:lvl3pPr>
-      <a:lvl4pPr marL="1600200" indent="-228600" algn="l" defTabSz="914400" rtl="0" eaLnBrk="1" latinLnBrk="0" hangingPunct="1">
-        <a:lnSpc>
-          <a:spcPct val="90000"/>
-        </a:lnSpc>
-        <a:spcBef>
-          <a:spcPts val="500"/>
-        </a:spcBef>
-        <a:buFont typeface="Arial" panose="020B0604020202020204" pitchFamily="34" charset="0"/>
-        <a:buChar char="•"/>
+      <a:lvl4pPr marL="1371600" algn="l" defTabSz="457200" rtl="0" eaLnBrk="1" latinLnBrk="0" hangingPunct="1">
         <a:defRPr sz="1800" kern="1200">
           <a:solidFill>
             <a:schemeClr val="tx1"/>
@@ -3159,15 +5852,7 @@
           <a:cs typeface="+mn-cs"/>
         </a:defRPr>
       </a:lvl4pPr>
-      <a:lvl5pPr marL="2057400" indent="-228600" algn="l" defTabSz="914400" rtl="0" eaLnBrk="1" latinLnBrk="0" hangingPunct="1">
-        <a:lnSpc>
-          <a:spcPct val="90000"/>
-        </a:lnSpc>
-        <a:spcBef>
-          <a:spcPts val="500"/>
-        </a:spcBef>
-        <a:buFont typeface="Arial" panose="020B0604020202020204" pitchFamily="34" charset="0"/>
-        <a:buChar char="•"/>
+      <a:lvl5pPr marL="1828800" algn="l" defTabSz="457200" rtl="0" eaLnBrk="1" latinLnBrk="0" hangingPunct="1">
         <a:defRPr sz="1800" kern="1200">
           <a:solidFill>
             <a:schemeClr val="tx1"/>
@@ -3177,15 +5862,7 @@
           <a:cs typeface="+mn-cs"/>
         </a:defRPr>
       </a:lvl5pPr>
-      <a:lvl6pPr marL="2514600" indent="-228600" algn="l" defTabSz="914400" rtl="0" eaLnBrk="1" latinLnBrk="0" hangingPunct="1">
-        <a:lnSpc>
-          <a:spcPct val="90000"/>
-        </a:lnSpc>
-        <a:spcBef>
-          <a:spcPts val="500"/>
-        </a:spcBef>
-        <a:buFont typeface="Arial" panose="020B0604020202020204" pitchFamily="34" charset="0"/>
-        <a:buChar char="•"/>
+      <a:lvl6pPr marL="2286000" algn="l" defTabSz="457200" rtl="0" eaLnBrk="1" latinLnBrk="0" hangingPunct="1">
         <a:defRPr sz="1800" kern="1200">
           <a:solidFill>
             <a:schemeClr val="tx1"/>
@@ -3195,15 +5872,7 @@
           <a:cs typeface="+mn-cs"/>
         </a:defRPr>
       </a:lvl6pPr>
-      <a:lvl7pPr marL="2971800" indent="-228600" algn="l" defTabSz="914400" rtl="0" eaLnBrk="1" latinLnBrk="0" hangingPunct="1">
-        <a:lnSpc>
-          <a:spcPct val="90000"/>
-        </a:lnSpc>
-        <a:spcBef>
-          <a:spcPts val="500"/>
-        </a:spcBef>
-        <a:buFont typeface="Arial" panose="020B0604020202020204" pitchFamily="34" charset="0"/>
-        <a:buChar char="•"/>
+      <a:lvl7pPr marL="2743200" algn="l" defTabSz="457200" rtl="0" eaLnBrk="1" latinLnBrk="0" hangingPunct="1">
         <a:defRPr sz="1800" kern="1200">
           <a:solidFill>
             <a:schemeClr val="tx1"/>
@@ -3213,15 +5882,7 @@
           <a:cs typeface="+mn-cs"/>
         </a:defRPr>
       </a:lvl7pPr>
-      <a:lvl8pPr marL="3429000" indent="-228600" algn="l" defTabSz="914400" rtl="0" eaLnBrk="1" latinLnBrk="0" hangingPunct="1">
-        <a:lnSpc>
-          <a:spcPct val="90000"/>
-        </a:lnSpc>
-        <a:spcBef>
-          <a:spcPts val="500"/>
-        </a:spcBef>
-        <a:buFont typeface="Arial" panose="020B0604020202020204" pitchFamily="34" charset="0"/>
-        <a:buChar char="•"/>
+      <a:lvl8pPr marL="3200400" algn="l" defTabSz="457200" rtl="0" eaLnBrk="1" latinLnBrk="0" hangingPunct="1">
         <a:defRPr sz="1800" kern="1200">
           <a:solidFill>
             <a:schemeClr val="tx1"/>
@@ -3231,110 +5892,7 @@
           <a:cs typeface="+mn-cs"/>
         </a:defRPr>
       </a:lvl8pPr>
-      <a:lvl9pPr marL="3886200" indent="-228600" algn="l" defTabSz="914400" rtl="0" eaLnBrk="1" latinLnBrk="0" hangingPunct="1">
-        <a:lnSpc>
-          <a:spcPct val="90000"/>
-        </a:lnSpc>
-        <a:spcBef>
-          <a:spcPts val="500"/>
-        </a:spcBef>
-        <a:buFont typeface="Arial" panose="020B0604020202020204" pitchFamily="34" charset="0"/>
-        <a:buChar char="•"/>
-        <a:defRPr sz="1800" kern="1200">
-          <a:solidFill>
-            <a:schemeClr val="tx1"/>
-          </a:solidFill>
-          <a:latin typeface="+mn-lt"/>
-          <a:ea typeface="+mn-ea"/>
-          <a:cs typeface="+mn-cs"/>
-        </a:defRPr>
-      </a:lvl9pPr>
-    </p:bodyStyle>
-    <p:otherStyle>
-      <a:defPPr>
-        <a:defRPr lang="da-DK"/>
-      </a:defPPr>
-      <a:lvl1pPr marL="0" algn="l" defTabSz="914400" rtl="0" eaLnBrk="1" latinLnBrk="0" hangingPunct="1">
-        <a:defRPr sz="1800" kern="1200">
-          <a:solidFill>
-            <a:schemeClr val="tx1"/>
-          </a:solidFill>
-          <a:latin typeface="+mn-lt"/>
-          <a:ea typeface="+mn-ea"/>
-          <a:cs typeface="+mn-cs"/>
-        </a:defRPr>
-      </a:lvl1pPr>
-      <a:lvl2pPr marL="457200" algn="l" defTabSz="914400" rtl="0" eaLnBrk="1" latinLnBrk="0" hangingPunct="1">
-        <a:defRPr sz="1800" kern="1200">
-          <a:solidFill>
-            <a:schemeClr val="tx1"/>
-          </a:solidFill>
-          <a:latin typeface="+mn-lt"/>
-          <a:ea typeface="+mn-ea"/>
-          <a:cs typeface="+mn-cs"/>
-        </a:defRPr>
-      </a:lvl2pPr>
-      <a:lvl3pPr marL="914400" algn="l" defTabSz="914400" rtl="0" eaLnBrk="1" latinLnBrk="0" hangingPunct="1">
-        <a:defRPr sz="1800" kern="1200">
-          <a:solidFill>
-            <a:schemeClr val="tx1"/>
-          </a:solidFill>
-          <a:latin typeface="+mn-lt"/>
-          <a:ea typeface="+mn-ea"/>
-          <a:cs typeface="+mn-cs"/>
-        </a:defRPr>
-      </a:lvl3pPr>
-      <a:lvl4pPr marL="1371600" algn="l" defTabSz="914400" rtl="0" eaLnBrk="1" latinLnBrk="0" hangingPunct="1">
-        <a:defRPr sz="1800" kern="1200">
-          <a:solidFill>
-            <a:schemeClr val="tx1"/>
-          </a:solidFill>
-          <a:latin typeface="+mn-lt"/>
-          <a:ea typeface="+mn-ea"/>
-          <a:cs typeface="+mn-cs"/>
-        </a:defRPr>
-      </a:lvl4pPr>
-      <a:lvl5pPr marL="1828800" algn="l" defTabSz="914400" rtl="0" eaLnBrk="1" latinLnBrk="0" hangingPunct="1">
-        <a:defRPr sz="1800" kern="1200">
-          <a:solidFill>
-            <a:schemeClr val="tx1"/>
-          </a:solidFill>
-          <a:latin typeface="+mn-lt"/>
-          <a:ea typeface="+mn-ea"/>
-          <a:cs typeface="+mn-cs"/>
-        </a:defRPr>
-      </a:lvl5pPr>
-      <a:lvl6pPr marL="2286000" algn="l" defTabSz="914400" rtl="0" eaLnBrk="1" latinLnBrk="0" hangingPunct="1">
-        <a:defRPr sz="1800" kern="1200">
-          <a:solidFill>
-            <a:schemeClr val="tx1"/>
-          </a:solidFill>
-          <a:latin typeface="+mn-lt"/>
-          <a:ea typeface="+mn-ea"/>
-          <a:cs typeface="+mn-cs"/>
-        </a:defRPr>
-      </a:lvl6pPr>
-      <a:lvl7pPr marL="2743200" algn="l" defTabSz="914400" rtl="0" eaLnBrk="1" latinLnBrk="0" hangingPunct="1">
-        <a:defRPr sz="1800" kern="1200">
-          <a:solidFill>
-            <a:schemeClr val="tx1"/>
-          </a:solidFill>
-          <a:latin typeface="+mn-lt"/>
-          <a:ea typeface="+mn-ea"/>
-          <a:cs typeface="+mn-cs"/>
-        </a:defRPr>
-      </a:lvl7pPr>
-      <a:lvl8pPr marL="3200400" algn="l" defTabSz="914400" rtl="0" eaLnBrk="1" latinLnBrk="0" hangingPunct="1">
-        <a:defRPr sz="1800" kern="1200">
-          <a:solidFill>
-            <a:schemeClr val="tx1"/>
-          </a:solidFill>
-          <a:latin typeface="+mn-lt"/>
-          <a:ea typeface="+mn-ea"/>
-          <a:cs typeface="+mn-cs"/>
-        </a:defRPr>
-      </a:lvl8pPr>
-      <a:lvl9pPr marL="3657600" algn="l" defTabSz="914400" rtl="0" eaLnBrk="1" latinLnBrk="0" hangingPunct="1">
+      <a:lvl9pPr marL="3657600" algn="l" defTabSz="457200" rtl="0" eaLnBrk="1" latinLnBrk="0" hangingPunct="1">
         <a:defRPr sz="1800" kern="1200">
           <a:solidFill>
             <a:schemeClr val="tx1"/>
@@ -3350,6 +5908,107 @@
 </file>
 
 <file path=ppt/slides/slide1.xml><?xml version="1.0" encoding="utf-8"?>
+<p:sld xmlns:a="http://schemas.openxmlformats.org/drawingml/2006/main" xmlns:r="http://schemas.openxmlformats.org/officeDocument/2006/relationships" xmlns:p="http://schemas.openxmlformats.org/presentationml/2006/main">
+  <p:cSld>
+    <p:spTree>
+      <p:nvGrpSpPr>
+        <p:cNvPr id="1" name=""/>
+        <p:cNvGrpSpPr/>
+        <p:nvPr/>
+      </p:nvGrpSpPr>
+      <p:grpSpPr>
+        <a:xfrm>
+          <a:off x="0" y="0"/>
+          <a:ext cx="0" cy="0"/>
+          <a:chOff x="0" y="0"/>
+          <a:chExt cx="0" cy="0"/>
+        </a:xfrm>
+      </p:grpSpPr>
+      <p:sp>
+        <p:nvSpPr>
+          <p:cNvPr id="2" name="Titel 1">
+            <a:extLst>
+              <a:ext uri="{FF2B5EF4-FFF2-40B4-BE49-F238E27FC236}">
+                <a16:creationId xmlns:a16="http://schemas.microsoft.com/office/drawing/2014/main" id="{43B4DB7C-C1A2-393E-DD3E-90D5A1753DC1}"/>
+              </a:ext>
+            </a:extLst>
+          </p:cNvPr>
+          <p:cNvSpPr>
+            <a:spLocks noGrp="1"/>
+          </p:cNvSpPr>
+          <p:nvPr>
+            <p:ph type="title"/>
+          </p:nvPr>
+        </p:nvSpPr>
+        <p:spPr/>
+        <p:txBody>
+          <a:bodyPr/>
+          <a:lstStyle/>
+          <a:p>
+            <a:pPr algn="ctr"/>
+            <a:r>
+              <a:rPr lang="da-DK" dirty="0"/>
+              <a:t>PROJEKT </a:t>
+            </a:r>
+            <a:r>
+              <a:rPr lang="da-DK" dirty="0" err="1"/>
+              <a:t>Budweg</a:t>
+            </a:r>
+            <a:endParaRPr lang="da-DK" dirty="0"/>
+          </a:p>
+        </p:txBody>
+      </p:sp>
+      <p:sp>
+        <p:nvSpPr>
+          <p:cNvPr id="3" name="Pladsholder til indhold 2">
+            <a:extLst>
+              <a:ext uri="{FF2B5EF4-FFF2-40B4-BE49-F238E27FC236}">
+                <a16:creationId xmlns:a16="http://schemas.microsoft.com/office/drawing/2014/main" id="{D46C6B92-47F9-EBAA-44D0-0886F961522E}"/>
+              </a:ext>
+            </a:extLst>
+          </p:cNvPr>
+          <p:cNvSpPr>
+            <a:spLocks noGrp="1"/>
+          </p:cNvSpPr>
+          <p:nvPr>
+            <p:ph idx="1"/>
+          </p:nvPr>
+        </p:nvSpPr>
+        <p:spPr>
+          <a:xfrm>
+            <a:off x="-282132" y="3136265"/>
+            <a:ext cx="10515600" cy="4351338"/>
+          </a:xfrm>
+        </p:spPr>
+        <p:txBody>
+          <a:bodyPr/>
+          <a:lstStyle/>
+          <a:p>
+            <a:pPr marL="0" indent="0" algn="ctr">
+              <a:buNone/>
+            </a:pPr>
+            <a:r>
+              <a:rPr lang="da-DK"/>
+              <a:t>Gruppe 6</a:t>
+            </a:r>
+            <a:endParaRPr lang="da-DK" dirty="0"/>
+          </a:p>
+        </p:txBody>
+      </p:sp>
+    </p:spTree>
+    <p:extLst>
+      <p:ext uri="{BB962C8B-B14F-4D97-AF65-F5344CB8AC3E}">
+        <p14:creationId xmlns:p14="http://schemas.microsoft.com/office/powerpoint/2010/main" val="34195013"/>
+      </p:ext>
+    </p:extLst>
+  </p:cSld>
+  <p:clrMapOvr>
+    <a:masterClrMapping/>
+  </p:clrMapOvr>
+</p:sld>
+</file>
+
+<file path=ppt/slides/slide2.xml><?xml version="1.0" encoding="utf-8"?>
 <p:sld xmlns:a="http://schemas.openxmlformats.org/drawingml/2006/main" xmlns:r="http://schemas.openxmlformats.org/officeDocument/2006/relationships" xmlns:p="http://schemas.openxmlformats.org/presentationml/2006/main">
   <p:cSld>
     <p:spTree>
@@ -3409,70 +6068,6 @@
 </p:sld>
 </file>
 
-<file path=ppt/slides/slide2.xml><?xml version="1.0" encoding="utf-8"?>
-<p:sld xmlns:a="http://schemas.openxmlformats.org/drawingml/2006/main" xmlns:r="http://schemas.openxmlformats.org/officeDocument/2006/relationships" xmlns:p="http://schemas.openxmlformats.org/presentationml/2006/main">
-  <p:cSld>
-    <p:spTree>
-      <p:nvGrpSpPr>
-        <p:cNvPr id="1" name=""/>
-        <p:cNvGrpSpPr/>
-        <p:nvPr/>
-      </p:nvGrpSpPr>
-      <p:grpSpPr>
-        <a:xfrm>
-          <a:off x="0" y="0"/>
-          <a:ext cx="0" cy="0"/>
-          <a:chOff x="0" y="0"/>
-          <a:chExt cx="0" cy="0"/>
-        </a:xfrm>
-      </p:grpSpPr>
-      <p:sp>
-        <p:nvSpPr>
-          <p:cNvPr id="2" name="Titel 1">
-            <a:extLst>
-              <a:ext uri="{FF2B5EF4-FFF2-40B4-BE49-F238E27FC236}">
-                <a16:creationId xmlns:a16="http://schemas.microsoft.com/office/drawing/2014/main" id="{5AE3A68C-DEE5-8D27-D6F2-959EE2920565}"/>
-              </a:ext>
-            </a:extLst>
-          </p:cNvPr>
-          <p:cNvSpPr>
-            <a:spLocks noGrp="1"/>
-          </p:cNvSpPr>
-          <p:nvPr>
-            <p:ph type="title"/>
-          </p:nvPr>
-        </p:nvSpPr>
-        <p:spPr>
-          <a:xfrm>
-            <a:off x="838200" y="2766218"/>
-            <a:ext cx="10515600" cy="1325563"/>
-          </a:xfrm>
-        </p:spPr>
-        <p:txBody>
-          <a:bodyPr/>
-          <a:lstStyle/>
-          <a:p>
-            <a:pPr algn="ctr"/>
-            <a:r>
-              <a:rPr lang="da-DK" dirty="0"/>
-              <a:t>Vis program</a:t>
-            </a:r>
-          </a:p>
-        </p:txBody>
-      </p:sp>
-    </p:spTree>
-    <p:extLst>
-      <p:ext uri="{BB962C8B-B14F-4D97-AF65-F5344CB8AC3E}">
-        <p14:creationId xmlns:p14="http://schemas.microsoft.com/office/powerpoint/2010/main" val="101392822"/>
-      </p:ext>
-    </p:extLst>
-  </p:cSld>
-  <p:clrMapOvr>
-    <a:masterClrMapping/>
-  </p:clrMapOvr>
-</p:sld>
-</file>
-
 <file path=ppt/slides/slide3.xml><?xml version="1.0" encoding="utf-8"?>
 <p:sld xmlns:a="http://schemas.openxmlformats.org/drawingml/2006/main" xmlns:r="http://schemas.openxmlformats.org/officeDocument/2006/relationships" xmlns:p="http://schemas.openxmlformats.org/presentationml/2006/main">
   <p:cSld>
@@ -3495,7 +6090,7 @@
           <p:cNvPr id="2" name="Titel 1">
             <a:extLst>
               <a:ext uri="{FF2B5EF4-FFF2-40B4-BE49-F238E27FC236}">
-                <a16:creationId xmlns:a16="http://schemas.microsoft.com/office/drawing/2014/main" id="{5EC51C45-43D7-2391-3DD9-042BA126C287}"/>
+                <a16:creationId xmlns:a16="http://schemas.microsoft.com/office/drawing/2014/main" id="{5AE3A68C-DEE5-8D27-D6F2-959EE2920565}"/>
               </a:ext>
             </a:extLst>
           </p:cNvPr>
@@ -3506,7 +6101,12 @@
             <p:ph type="title"/>
           </p:nvPr>
         </p:nvSpPr>
-        <p:spPr/>
+        <p:spPr>
+          <a:xfrm>
+            <a:off x="838200" y="2766218"/>
+            <a:ext cx="10515600" cy="1325563"/>
+          </a:xfrm>
+        </p:spPr>
         <p:txBody>
           <a:bodyPr/>
           <a:lstStyle/>
@@ -3514,57 +6114,15 @@
             <a:pPr algn="ctr"/>
             <a:r>
               <a:rPr lang="da-DK" dirty="0"/>
-              <a:t>Mangler:</a:t>
-            </a:r>
-          </a:p>
-        </p:txBody>
-      </p:sp>
-      <p:sp>
-        <p:nvSpPr>
-          <p:cNvPr id="3" name="Pladsholder til indhold 2">
-            <a:extLst>
-              <a:ext uri="{FF2B5EF4-FFF2-40B4-BE49-F238E27FC236}">
-                <a16:creationId xmlns:a16="http://schemas.microsoft.com/office/drawing/2014/main" id="{3DAC1B8F-CA0B-DDF3-EBDA-910F3F3D0B42}"/>
-              </a:ext>
-            </a:extLst>
-          </p:cNvPr>
-          <p:cNvSpPr>
-            <a:spLocks noGrp="1"/>
-          </p:cNvSpPr>
-          <p:nvPr>
-            <p:ph idx="1"/>
-          </p:nvPr>
-        </p:nvSpPr>
-        <p:spPr/>
-        <p:txBody>
-          <a:bodyPr/>
-          <a:lstStyle/>
-          <a:p>
-            <a:r>
-              <a:rPr lang="da-DK" dirty="0"/>
-              <a:t>Implementere CRUD</a:t>
-            </a:r>
-          </a:p>
-          <a:p>
-            <a:endParaRPr lang="da-DK" dirty="0"/>
-          </a:p>
-          <a:p>
-            <a:r>
-              <a:rPr lang="da-DK" dirty="0"/>
-              <a:t>Nogle </a:t>
-            </a:r>
-            <a:r>
-              <a:rPr lang="da-DK" dirty="0" err="1"/>
-              <a:t>funktionaliteter</a:t>
-            </a:r>
-            <a:endParaRPr lang="da-DK" dirty="0"/>
+              <a:t>Vis program</a:t>
+            </a:r>
           </a:p>
         </p:txBody>
       </p:sp>
     </p:spTree>
     <p:extLst>
       <p:ext uri="{BB962C8B-B14F-4D97-AF65-F5344CB8AC3E}">
-        <p14:creationId xmlns:p14="http://schemas.microsoft.com/office/powerpoint/2010/main" val="2740500751"/>
+        <p14:creationId xmlns:p14="http://schemas.microsoft.com/office/powerpoint/2010/main" val="101392822"/>
       </p:ext>
     </p:extLst>
   </p:cSld>
@@ -3596,6 +6154,107 @@
           <p:cNvPr id="2" name="Titel 1">
             <a:extLst>
               <a:ext uri="{FF2B5EF4-FFF2-40B4-BE49-F238E27FC236}">
+                <a16:creationId xmlns:a16="http://schemas.microsoft.com/office/drawing/2014/main" id="{5EC51C45-43D7-2391-3DD9-042BA126C287}"/>
+              </a:ext>
+            </a:extLst>
+          </p:cNvPr>
+          <p:cNvSpPr>
+            <a:spLocks noGrp="1"/>
+          </p:cNvSpPr>
+          <p:nvPr>
+            <p:ph type="title"/>
+          </p:nvPr>
+        </p:nvSpPr>
+        <p:spPr/>
+        <p:txBody>
+          <a:bodyPr/>
+          <a:lstStyle/>
+          <a:p>
+            <a:pPr algn="ctr"/>
+            <a:r>
+              <a:rPr lang="da-DK" dirty="0"/>
+              <a:t>Mangler:</a:t>
+            </a:r>
+          </a:p>
+        </p:txBody>
+      </p:sp>
+      <p:sp>
+        <p:nvSpPr>
+          <p:cNvPr id="3" name="Pladsholder til indhold 2">
+            <a:extLst>
+              <a:ext uri="{FF2B5EF4-FFF2-40B4-BE49-F238E27FC236}">
+                <a16:creationId xmlns:a16="http://schemas.microsoft.com/office/drawing/2014/main" id="{3DAC1B8F-CA0B-DDF3-EBDA-910F3F3D0B42}"/>
+              </a:ext>
+            </a:extLst>
+          </p:cNvPr>
+          <p:cNvSpPr>
+            <a:spLocks noGrp="1"/>
+          </p:cNvSpPr>
+          <p:nvPr>
+            <p:ph idx="1"/>
+          </p:nvPr>
+        </p:nvSpPr>
+        <p:spPr/>
+        <p:txBody>
+          <a:bodyPr/>
+          <a:lstStyle/>
+          <a:p>
+            <a:r>
+              <a:rPr lang="da-DK" dirty="0"/>
+              <a:t>Implementere CRUD</a:t>
+            </a:r>
+          </a:p>
+          <a:p>
+            <a:endParaRPr lang="da-DK" dirty="0"/>
+          </a:p>
+          <a:p>
+            <a:r>
+              <a:rPr lang="da-DK" dirty="0"/>
+              <a:t>Nogle </a:t>
+            </a:r>
+            <a:r>
+              <a:rPr lang="da-DK" dirty="0" err="1"/>
+              <a:t>funktionaliteter</a:t>
+            </a:r>
+            <a:endParaRPr lang="da-DK" dirty="0"/>
+          </a:p>
+        </p:txBody>
+      </p:sp>
+    </p:spTree>
+    <p:extLst>
+      <p:ext uri="{BB962C8B-B14F-4D97-AF65-F5344CB8AC3E}">
+        <p14:creationId xmlns:p14="http://schemas.microsoft.com/office/powerpoint/2010/main" val="2740500751"/>
+      </p:ext>
+    </p:extLst>
+  </p:cSld>
+  <p:clrMapOvr>
+    <a:masterClrMapping/>
+  </p:clrMapOvr>
+</p:sld>
+</file>
+
+<file path=ppt/slides/slide5.xml><?xml version="1.0" encoding="utf-8"?>
+<p:sld xmlns:a="http://schemas.openxmlformats.org/drawingml/2006/main" xmlns:r="http://schemas.openxmlformats.org/officeDocument/2006/relationships" xmlns:p="http://schemas.openxmlformats.org/presentationml/2006/main">
+  <p:cSld>
+    <p:spTree>
+      <p:nvGrpSpPr>
+        <p:cNvPr id="1" name=""/>
+        <p:cNvGrpSpPr/>
+        <p:nvPr/>
+      </p:nvGrpSpPr>
+      <p:grpSpPr>
+        <a:xfrm>
+          <a:off x="0" y="0"/>
+          <a:ext cx="0" cy="0"/>
+          <a:chOff x="0" y="0"/>
+          <a:chExt cx="0" cy="0"/>
+        </a:xfrm>
+      </p:grpSpPr>
+      <p:sp>
+        <p:nvSpPr>
+          <p:cNvPr id="2" name="Titel 1">
+            <a:extLst>
+              <a:ext uri="{FF2B5EF4-FFF2-40B4-BE49-F238E27FC236}">
                 <a16:creationId xmlns:a16="http://schemas.microsoft.com/office/drawing/2014/main" id="{2459D347-E621-2D79-65BF-E7A1307EE2A6}"/>
               </a:ext>
             </a:extLst>
@@ -3679,9 +6338,9 @@
 </file>
 
 <file path=ppt/theme/theme1.xml><?xml version="1.0" encoding="utf-8"?>
-<a:theme xmlns:a="http://schemas.openxmlformats.org/drawingml/2006/main" name="Office-tema">
+<a:theme xmlns:a="http://schemas.openxmlformats.org/drawingml/2006/main" name="Facet">
   <a:themeElements>
-    <a:clrScheme name="Office">
+    <a:clrScheme name="Facet">
       <a:dk1>
         <a:sysClr val="windowText" lastClr="000000"/>
       </a:dk1>
@@ -3689,52 +6348,52 @@
         <a:sysClr val="window" lastClr="FFFFFF"/>
       </a:lt1>
       <a:dk2>
-        <a:srgbClr val="44546A"/>
+        <a:srgbClr val="2C3C43"/>
       </a:dk2>
       <a:lt2>
-        <a:srgbClr val="E7E6E6"/>
+        <a:srgbClr val="EBEBEB"/>
       </a:lt2>
       <a:accent1>
-        <a:srgbClr val="4472C4"/>
+        <a:srgbClr val="90C226"/>
       </a:accent1>
       <a:accent2>
-        <a:srgbClr val="ED7D31"/>
+        <a:srgbClr val="54A021"/>
       </a:accent2>
       <a:accent3>
-        <a:srgbClr val="A5A5A5"/>
+        <a:srgbClr val="E6B91E"/>
       </a:accent3>
       <a:accent4>
-        <a:srgbClr val="FFC000"/>
+        <a:srgbClr val="E76618"/>
       </a:accent4>
       <a:accent5>
-        <a:srgbClr val="5B9BD5"/>
+        <a:srgbClr val="C42F1A"/>
       </a:accent5>
       <a:accent6>
-        <a:srgbClr val="70AD47"/>
+        <a:srgbClr val="918655"/>
       </a:accent6>
       <a:hlink>
-        <a:srgbClr val="0563C1"/>
+        <a:srgbClr val="99CA3C"/>
       </a:hlink>
       <a:folHlink>
-        <a:srgbClr val="954F72"/>
+        <a:srgbClr val="B9D181"/>
       </a:folHlink>
     </a:clrScheme>
-    <a:fontScheme name="Office">
+    <a:fontScheme name="Facet">
       <a:majorFont>
-        <a:latin typeface="Calibri Light" panose="020F0302020204030204"/>
+        <a:latin typeface="Trebuchet MS" panose="020B0603020202020204"/>
         <a:ea typeface=""/>
         <a:cs typeface=""/>
-        <a:font script="Jpan" typeface="游ゴシック Light"/>
+        <a:font script="Jpan" typeface="メイリオ"/>
         <a:font script="Hang" typeface="맑은 고딕"/>
-        <a:font script="Hans" typeface="等线 Light"/>
-        <a:font script="Hant" typeface="新細明體"/>
-        <a:font script="Arab" typeface="Times New Roman"/>
-        <a:font script="Hebr" typeface="Times New Roman"/>
-        <a:font script="Thai" typeface="Angsana New"/>
+        <a:font script="Hans" typeface="方正姚体"/>
+        <a:font script="Hant" typeface="微軟正黑體"/>
+        <a:font script="Arab" typeface="Tahoma"/>
+        <a:font script="Hebr" typeface="Arial"/>
+        <a:font script="Thai" typeface="Cordia New"/>
         <a:font script="Ethi" typeface="Nyala"/>
         <a:font script="Beng" typeface="Vrinda"/>
         <a:font script="Gujr" typeface="Shruti"/>
-        <a:font script="Khmr" typeface="MoolBoran"/>
+        <a:font script="Khmr" typeface="DaunPenh"/>
         <a:font script="Knda" typeface="Tunga"/>
         <a:font script="Guru" typeface="Raavi"/>
         <a:font script="Cans" typeface="Euphemia"/>
@@ -3751,38 +6410,21 @@
         <a:font script="Laoo" typeface="DokChampa"/>
         <a:font script="Sinh" typeface="Iskoola Pota"/>
         <a:font script="Mong" typeface="Mongolian Baiti"/>
-        <a:font script="Viet" typeface="Times New Roman"/>
+        <a:font script="Viet" typeface="Tahoma"/>
         <a:font script="Uigh" typeface="Microsoft Uighur"/>
         <a:font script="Geor" typeface="Sylfaen"/>
-        <a:font script="Armn" typeface="Arial"/>
-        <a:font script="Bugi" typeface="Leelawadee UI"/>
-        <a:font script="Bopo" typeface="Microsoft JhengHei"/>
-        <a:font script="Java" typeface="Javanese Text"/>
-        <a:font script="Lisu" typeface="Segoe UI"/>
-        <a:font script="Mymr" typeface="Myanmar Text"/>
-        <a:font script="Nkoo" typeface="Ebrima"/>
-        <a:font script="Olck" typeface="Nirmala UI"/>
-        <a:font script="Osma" typeface="Ebrima"/>
-        <a:font script="Phag" typeface="Phagspa"/>
-        <a:font script="Syrn" typeface="Estrangelo Edessa"/>
-        <a:font script="Syrj" typeface="Estrangelo Edessa"/>
-        <a:font script="Syre" typeface="Estrangelo Edessa"/>
-        <a:font script="Sora" typeface="Nirmala UI"/>
-        <a:font script="Tale" typeface="Microsoft Tai Le"/>
-        <a:font script="Talu" typeface="Microsoft New Tai Lue"/>
-        <a:font script="Tfng" typeface="Ebrima"/>
       </a:majorFont>
       <a:minorFont>
-        <a:latin typeface="Calibri" panose="020F0502020204030204"/>
+        <a:latin typeface="Trebuchet MS" panose="020B0603020202020204"/>
         <a:ea typeface=""/>
         <a:cs typeface=""/>
-        <a:font script="Jpan" typeface="游ゴシック"/>
-        <a:font script="Hang" typeface="맑은 고딕"/>
-        <a:font script="Hans" typeface="等线"/>
-        <a:font script="Hant" typeface="新細明體"/>
-        <a:font script="Arab" typeface="Arial"/>
-        <a:font script="Hebr" typeface="Arial"/>
-        <a:font script="Thai" typeface="Cordia New"/>
+        <a:font script="Jpan" typeface="メイリオ"/>
+        <a:font script="Hang" typeface="HY그래픽M"/>
+        <a:font script="Hans" typeface="华文新魏"/>
+        <a:font script="Hant" typeface="微軟正黑體"/>
+        <a:font script="Arab" typeface="Tahoma"/>
+        <a:font script="Hebr" typeface="Gisha"/>
+        <a:font script="Thai" typeface="IrisUPC"/>
         <a:font script="Ethi" typeface="Nyala"/>
         <a:font script="Beng" typeface="Vrinda"/>
         <a:font script="Gujr" typeface="Shruti"/>
@@ -3806,26 +6448,9 @@
         <a:font script="Viet" typeface="Arial"/>
         <a:font script="Uigh" typeface="Microsoft Uighur"/>
         <a:font script="Geor" typeface="Sylfaen"/>
-        <a:font script="Armn" typeface="Arial"/>
-        <a:font script="Bugi" typeface="Leelawadee UI"/>
-        <a:font script="Bopo" typeface="Microsoft JhengHei"/>
-        <a:font script="Java" typeface="Javanese Text"/>
-        <a:font script="Lisu" typeface="Segoe UI"/>
-        <a:font script="Mymr" typeface="Myanmar Text"/>
-        <a:font script="Nkoo" typeface="Ebrima"/>
-        <a:font script="Olck" typeface="Nirmala UI"/>
-        <a:font script="Osma" typeface="Ebrima"/>
-        <a:font script="Phag" typeface="Phagspa"/>
-        <a:font script="Syrn" typeface="Estrangelo Edessa"/>
-        <a:font script="Syrj" typeface="Estrangelo Edessa"/>
-        <a:font script="Syre" typeface="Estrangelo Edessa"/>
-        <a:font script="Sora" typeface="Nirmala UI"/>
-        <a:font script="Tale" typeface="Microsoft Tai Le"/>
-        <a:font script="Talu" typeface="Microsoft New Tai Lue"/>
-        <a:font script="Tfng" typeface="Ebrima"/>
       </a:minorFont>
     </a:fontScheme>
-    <a:fmtScheme name="Office">
+    <a:fmtScheme name="Facet">
       <a:fillStyleLst>
         <a:solidFill>
           <a:schemeClr val="phClr"/>
@@ -3834,23 +6459,13 @@
           <a:gsLst>
             <a:gs pos="0">
               <a:schemeClr val="phClr">
+                <a:tint val="65000"/>
                 <a:lumMod val="110000"/>
-                <a:satMod val="105000"/>
-                <a:tint val="67000"/>
               </a:schemeClr>
             </a:gs>
-            <a:gs pos="50000">
+            <a:gs pos="88000">
               <a:schemeClr val="phClr">
-                <a:lumMod val="105000"/>
-                <a:satMod val="103000"/>
-                <a:tint val="73000"/>
-              </a:schemeClr>
-            </a:gs>
-            <a:gs pos="100000">
-              <a:schemeClr val="phClr">
-                <a:lumMod val="105000"/>
-                <a:satMod val="109000"/>
-                <a:tint val="81000"/>
+                <a:tint val="90000"/>
               </a:schemeClr>
             </a:gs>
           </a:gsLst>
@@ -3860,23 +6475,14 @@
           <a:gsLst>
             <a:gs pos="0">
               <a:schemeClr val="phClr">
-                <a:satMod val="103000"/>
-                <a:lumMod val="102000"/>
-                <a:tint val="94000"/>
+                <a:tint val="96000"/>
+                <a:lumMod val="100000"/>
               </a:schemeClr>
             </a:gs>
-            <a:gs pos="50000">
+            <a:gs pos="78000">
               <a:schemeClr val="phClr">
-                <a:satMod val="110000"/>
-                <a:lumMod val="100000"/>
-                <a:shade val="100000"/>
-              </a:schemeClr>
-            </a:gs>
-            <a:gs pos="100000">
-              <a:schemeClr val="phClr">
-                <a:lumMod val="99000"/>
-                <a:satMod val="120000"/>
-                <a:shade val="78000"/>
+                <a:shade val="94000"/>
+                <a:lumMod val="94000"/>
               </a:schemeClr>
             </a:gs>
           </a:gsLst>
@@ -3884,26 +6490,23 @@
         </a:gradFill>
       </a:fillStyleLst>
       <a:lnStyleLst>
-        <a:ln w="6350" cap="flat" cmpd="sng" algn="ctr">
+        <a:ln w="12700" cap="rnd" cmpd="sng" algn="ctr">
           <a:solidFill>
             <a:schemeClr val="phClr"/>
           </a:solidFill>
           <a:prstDash val="solid"/>
-          <a:miter lim="800000"/>
         </a:ln>
-        <a:ln w="12700" cap="flat" cmpd="sng" algn="ctr">
+        <a:ln w="19050" cap="rnd" cmpd="sng" algn="ctr">
           <a:solidFill>
             <a:schemeClr val="phClr"/>
           </a:solidFill>
           <a:prstDash val="solid"/>
-          <a:miter lim="800000"/>
         </a:ln>
-        <a:ln w="19050" cap="flat" cmpd="sng" algn="ctr">
+        <a:ln w="25400" cap="rnd" cmpd="sng" algn="ctr">
           <a:solidFill>
             <a:schemeClr val="phClr"/>
           </a:solidFill>
           <a:prstDash val="solid"/>
-          <a:miter lim="800000"/>
         </a:ln>
       </a:lnStyleLst>
       <a:effectStyleLst>
@@ -3911,54 +6514,72 @@
           <a:effectLst/>
         </a:effectStyle>
         <a:effectStyle>
-          <a:effectLst/>
+          <a:effectLst>
+            <a:outerShdw blurRad="38100" dist="25400" dir="5400000" rotWithShape="0">
+              <a:srgbClr val="000000">
+                <a:alpha val="35000"/>
+              </a:srgbClr>
+            </a:outerShdw>
+          </a:effectLst>
         </a:effectStyle>
         <a:effectStyle>
           <a:effectLst>
-            <a:outerShdw blurRad="57150" dist="19050" dir="5400000" algn="ctr" rotWithShape="0">
+            <a:outerShdw blurRad="50800" dist="38100" dir="5400000" rotWithShape="0">
               <a:srgbClr val="000000">
-                <a:alpha val="63000"/>
+                <a:alpha val="35000"/>
               </a:srgbClr>
             </a:outerShdw>
           </a:effectLst>
+          <a:scene3d>
+            <a:camera prst="orthographicFront">
+              <a:rot lat="0" lon="0" rev="0"/>
+            </a:camera>
+            <a:lightRig rig="threePt" dir="tl"/>
+          </a:scene3d>
+          <a:sp3d prstMaterial="plastic">
+            <a:bevelT w="0" h="0"/>
+          </a:sp3d>
         </a:effectStyle>
       </a:effectStyleLst>
       <a:bgFillStyleLst>
         <a:solidFill>
           <a:schemeClr val="phClr"/>
         </a:solidFill>
-        <a:solidFill>
-          <a:schemeClr val="phClr">
-            <a:tint val="95000"/>
-            <a:satMod val="170000"/>
-          </a:schemeClr>
-        </a:solidFill>
         <a:gradFill rotWithShape="1">
           <a:gsLst>
             <a:gs pos="0">
               <a:schemeClr val="phClr">
-                <a:tint val="93000"/>
-                <a:satMod val="150000"/>
-                <a:shade val="98000"/>
-                <a:lumMod val="102000"/>
+                <a:tint val="90000"/>
+                <a:lumMod val="104000"/>
               </a:schemeClr>
             </a:gs>
-            <a:gs pos="50000">
+            <a:gs pos="94000">
               <a:schemeClr val="phClr">
-                <a:tint val="98000"/>
-                <a:satMod val="130000"/>
-                <a:shade val="90000"/>
-                <a:lumMod val="103000"/>
+                <a:shade val="96000"/>
+                <a:lumMod val="82000"/>
+              </a:schemeClr>
+            </a:gs>
+          </a:gsLst>
+          <a:lin ang="5400000" scaled="0"/>
+        </a:gradFill>
+        <a:gradFill rotWithShape="1">
+          <a:gsLst>
+            <a:gs pos="0">
+              <a:schemeClr val="phClr">
+                <a:tint val="90000"/>
+                <a:lumMod val="110000"/>
               </a:schemeClr>
             </a:gs>
             <a:gs pos="100000">
               <a:schemeClr val="phClr">
-                <a:shade val="63000"/>
-                <a:satMod val="120000"/>
+                <a:shade val="94000"/>
+                <a:lumMod val="96000"/>
               </a:schemeClr>
             </a:gs>
           </a:gsLst>
-          <a:lin ang="5400000" scaled="0"/>
+          <a:path path="circle">
+            <a:fillToRect l="50000" t="50000" r="100000" b="100000"/>
+          </a:path>
         </a:gradFill>
       </a:bgFillStyleLst>
     </a:fmtScheme>
@@ -3967,7 +6588,7 @@
   <a:extraClrSchemeLst/>
   <a:extLst>
     <a:ext uri="{05A4C25C-085E-4340-85A3-A5531E510DB2}">
-      <thm15:themeFamily xmlns:thm15="http://schemas.microsoft.com/office/thememl/2012/main" name="Office Theme" id="{62F939B6-93AF-4DB8-9C6B-D6C7DFDC589F}" vid="{4A3C46E8-61CC-4603-A589-7422A47A8E4A}"/>
+      <thm15:themeFamily xmlns:thm15="http://schemas.microsoft.com/office/thememl/2012/main" name="Facet" id="{C0C680CD-088A-49FC-A102-D699147F32B2}" vid="{CFBC31BA-B70F-4F30-BCAA-4F3011E16C4D}"/>
     </a:ext>
   </a:extLst>
 </a:theme>
